--- a/ALI HILMI UYSAL_SCRAPING KICKSTARTER.pptx
+++ b/ALI HILMI UYSAL_SCRAPING KICKSTARTER.pptx
@@ -5,24 +5,30 @@
     <p:sldMasterId id="2147483648" r:id="rId2"/>
   </p:sldMasterIdLst>
   <p:notesMasterIdLst>
-    <p:notesMasterId r:id="rId15"/>
+    <p:notesMasterId r:id="rId21"/>
   </p:notesMasterIdLst>
   <p:handoutMasterIdLst>
-    <p:handoutMasterId r:id="rId16"/>
+    <p:handoutMasterId r:id="rId22"/>
   </p:handoutMasterIdLst>
   <p:sldIdLst>
-    <p:sldId id="256" r:id="rId3"/>
+    <p:sldId id="273" r:id="rId3"/>
     <p:sldId id="266" r:id="rId4"/>
     <p:sldId id="265" r:id="rId5"/>
-    <p:sldId id="257" r:id="rId6"/>
-    <p:sldId id="262" r:id="rId7"/>
-    <p:sldId id="259" r:id="rId8"/>
-    <p:sldId id="264" r:id="rId9"/>
-    <p:sldId id="258" r:id="rId10"/>
-    <p:sldId id="267" r:id="rId11"/>
-    <p:sldId id="263" r:id="rId12"/>
+    <p:sldId id="269" r:id="rId6"/>
+    <p:sldId id="275" r:id="rId7"/>
+    <p:sldId id="257" r:id="rId8"/>
+    <p:sldId id="270" r:id="rId9"/>
+    <p:sldId id="259" r:id="rId10"/>
+    <p:sldId id="264" r:id="rId11"/>
+    <p:sldId id="258" r:id="rId12"/>
     <p:sldId id="261" r:id="rId13"/>
-    <p:sldId id="268" r:id="rId14"/>
+    <p:sldId id="267" r:id="rId14"/>
+    <p:sldId id="271" r:id="rId15"/>
+    <p:sldId id="276" r:id="rId16"/>
+    <p:sldId id="277" r:id="rId17"/>
+    <p:sldId id="263" r:id="rId18"/>
+    <p:sldId id="274" r:id="rId19"/>
+    <p:sldId id="268" r:id="rId20"/>
   </p:sldIdLst>
   <p:sldSz cx="12192000" cy="6858000"/>
   <p:notesSz cx="6858000" cy="9144000"/>
@@ -121,7 +127,518 @@
       </a:defRPr>
     </a:lvl9pPr>
   </p:defaultTextStyle>
+  <p:extLst>
+    <p:ext uri="{EFAFB233-063F-42B5-8137-9DF3F51BA10A}">
+      <p15:sldGuideLst xmlns:p15="http://schemas.microsoft.com/office/powerpoint/2012/main"/>
+    </p:ext>
+  </p:extLst>
 </p:presentation>
+</file>
+
+<file path=ppt/changesInfos/changesInfo1.xml><?xml version="1.0" encoding="utf-8"?>
+<pc:chgInfo xmlns:a="http://schemas.openxmlformats.org/drawingml/2006/main" xmlns:r="http://schemas.openxmlformats.org/officeDocument/2006/relationships" xmlns:ac="http://schemas.microsoft.com/office/drawing/2013/main/command" xmlns:pc="http://schemas.microsoft.com/office/powerpoint/2013/main/command">
+  <pc:docChgLst>
+    <pc:chgData name="Uysal, Serpil Sevilay" userId="26ec37b2-b86c-4faa-8560-20e0567293b8" providerId="ADAL" clId="{34CB5543-0289-4722-AB56-27764ADDF25B}"/>
+    <pc:docChg chg="undo custSel addSld modSld sldOrd modMainMaster">
+      <pc:chgData name="Uysal, Serpil Sevilay" userId="26ec37b2-b86c-4faa-8560-20e0567293b8" providerId="ADAL" clId="{34CB5543-0289-4722-AB56-27764ADDF25B}" dt="2019-05-08T02:13:20.149" v="536"/>
+      <pc:docMkLst>
+        <pc:docMk/>
+      </pc:docMkLst>
+      <pc:sldChg chg="addSp modSp">
+        <pc:chgData name="Uysal, Serpil Sevilay" userId="26ec37b2-b86c-4faa-8560-20e0567293b8" providerId="ADAL" clId="{34CB5543-0289-4722-AB56-27764ADDF25B}" dt="2019-05-08T01:53:07.764" v="240" actId="20577"/>
+        <pc:sldMkLst>
+          <pc:docMk/>
+          <pc:sldMk cId="2612535843" sldId="259"/>
+        </pc:sldMkLst>
+        <pc:spChg chg="mod">
+          <ac:chgData name="Uysal, Serpil Sevilay" userId="26ec37b2-b86c-4faa-8560-20e0567293b8" providerId="ADAL" clId="{34CB5543-0289-4722-AB56-27764ADDF25B}" dt="2019-05-08T01:52:41.874" v="226"/>
+          <ac:spMkLst>
+            <pc:docMk/>
+            <pc:sldMk cId="2612535843" sldId="259"/>
+            <ac:spMk id="4" creationId="{5B8585AF-D35C-4BC3-9721-D82BD7E87614}"/>
+          </ac:spMkLst>
+        </pc:spChg>
+        <pc:spChg chg="mod">
+          <ac:chgData name="Uysal, Serpil Sevilay" userId="26ec37b2-b86c-4faa-8560-20e0567293b8" providerId="ADAL" clId="{34CB5543-0289-4722-AB56-27764ADDF25B}" dt="2019-05-08T01:52:35.921" v="225" actId="1037"/>
+          <ac:spMkLst>
+            <pc:docMk/>
+            <pc:sldMk cId="2612535843" sldId="259"/>
+            <ac:spMk id="5" creationId="{B57184B1-DF21-403A-8646-EF12A51B8945}"/>
+          </ac:spMkLst>
+        </pc:spChg>
+        <pc:spChg chg="add mod">
+          <ac:chgData name="Uysal, Serpil Sevilay" userId="26ec37b2-b86c-4faa-8560-20e0567293b8" providerId="ADAL" clId="{34CB5543-0289-4722-AB56-27764ADDF25B}" dt="2019-05-08T01:51:38.885" v="211" actId="20577"/>
+          <ac:spMkLst>
+            <pc:docMk/>
+            <pc:sldMk cId="2612535843" sldId="259"/>
+            <ac:spMk id="8" creationId="{D4A86BD9-5B9E-435B-96CA-729F6813C784}"/>
+          </ac:spMkLst>
+        </pc:spChg>
+        <pc:spChg chg="add mod">
+          <ac:chgData name="Uysal, Serpil Sevilay" userId="26ec37b2-b86c-4faa-8560-20e0567293b8" providerId="ADAL" clId="{34CB5543-0289-4722-AB56-27764ADDF25B}" dt="2019-05-08T01:53:07.764" v="240" actId="20577"/>
+          <ac:spMkLst>
+            <pc:docMk/>
+            <pc:sldMk cId="2612535843" sldId="259"/>
+            <ac:spMk id="9" creationId="{23B51817-561A-47F4-B661-F6D99A5CCC62}"/>
+          </ac:spMkLst>
+        </pc:spChg>
+        <pc:picChg chg="mod modCrop">
+          <ac:chgData name="Uysal, Serpil Sevilay" userId="26ec37b2-b86c-4faa-8560-20e0567293b8" providerId="ADAL" clId="{34CB5543-0289-4722-AB56-27764ADDF25B}" dt="2019-05-08T01:49:44.996" v="174" actId="1076"/>
+          <ac:picMkLst>
+            <pc:docMk/>
+            <pc:sldMk cId="2612535843" sldId="259"/>
+            <ac:picMk id="3" creationId="{E60FB134-0763-4015-8747-D0343D12A109}"/>
+          </ac:picMkLst>
+        </pc:picChg>
+        <pc:picChg chg="add mod">
+          <ac:chgData name="Uysal, Serpil Sevilay" userId="26ec37b2-b86c-4faa-8560-20e0567293b8" providerId="ADAL" clId="{34CB5543-0289-4722-AB56-27764ADDF25B}" dt="2019-05-08T01:50:51.878" v="178" actId="1076"/>
+          <ac:picMkLst>
+            <pc:docMk/>
+            <pc:sldMk cId="2612535843" sldId="259"/>
+            <ac:picMk id="6" creationId="{3E4FFB3A-77BF-4780-8175-6ED646880628}"/>
+          </ac:picMkLst>
+        </pc:picChg>
+      </pc:sldChg>
+      <pc:sldChg chg="addSp delSp modSp mod setBg setClrOvrMap">
+        <pc:chgData name="Uysal, Serpil Sevilay" userId="26ec37b2-b86c-4faa-8560-20e0567293b8" providerId="ADAL" clId="{34CB5543-0289-4722-AB56-27764ADDF25B}" dt="2019-05-08T01:17:15.341" v="72" actId="1076"/>
+        <pc:sldMkLst>
+          <pc:docMk/>
+          <pc:sldMk cId="2335754417" sldId="263"/>
+        </pc:sldMkLst>
+        <pc:spChg chg="mod">
+          <ac:chgData name="Uysal, Serpil Sevilay" userId="26ec37b2-b86c-4faa-8560-20e0567293b8" providerId="ADAL" clId="{34CB5543-0289-4722-AB56-27764ADDF25B}" dt="2019-05-08T00:41:41.464" v="66" actId="26606"/>
+          <ac:spMkLst>
+            <pc:docMk/>
+            <pc:sldMk cId="2335754417" sldId="263"/>
+            <ac:spMk id="8" creationId="{6FD7CA4B-EFC5-4237-9FB6-863FA650F655}"/>
+          </ac:spMkLst>
+        </pc:spChg>
+        <pc:spChg chg="add del">
+          <ac:chgData name="Uysal, Serpil Sevilay" userId="26ec37b2-b86c-4faa-8560-20e0567293b8" providerId="ADAL" clId="{34CB5543-0289-4722-AB56-27764ADDF25B}" dt="2019-05-08T00:41:41.464" v="66" actId="26606"/>
+          <ac:spMkLst>
+            <pc:docMk/>
+            <pc:sldMk cId="2335754417" sldId="263"/>
+            <ac:spMk id="13" creationId="{0C45045A-6083-4B3E-956A-67582337527D}"/>
+          </ac:spMkLst>
+        </pc:spChg>
+        <pc:spChg chg="add del">
+          <ac:chgData name="Uysal, Serpil Sevilay" userId="26ec37b2-b86c-4faa-8560-20e0567293b8" providerId="ADAL" clId="{34CB5543-0289-4722-AB56-27764ADDF25B}" dt="2019-05-08T00:41:41.464" v="66" actId="26606"/>
+          <ac:spMkLst>
+            <pc:docMk/>
+            <pc:sldMk cId="2335754417" sldId="263"/>
+            <ac:spMk id="15" creationId="{EBD2B2B2-1395-4E7B-87A0-BD34551C01B6}"/>
+          </ac:spMkLst>
+        </pc:spChg>
+        <pc:spChg chg="add del">
+          <ac:chgData name="Uysal, Serpil Sevilay" userId="26ec37b2-b86c-4faa-8560-20e0567293b8" providerId="ADAL" clId="{34CB5543-0289-4722-AB56-27764ADDF25B}" dt="2019-05-08T00:41:41.464" v="66" actId="26606"/>
+          <ac:spMkLst>
+            <pc:docMk/>
+            <pc:sldMk cId="2335754417" sldId="263"/>
+            <ac:spMk id="17" creationId="{42875DDC-0225-45F8-B745-78688F2D1ADC}"/>
+          </ac:spMkLst>
+        </pc:spChg>
+        <pc:spChg chg="add del">
+          <ac:chgData name="Uysal, Serpil Sevilay" userId="26ec37b2-b86c-4faa-8560-20e0567293b8" providerId="ADAL" clId="{34CB5543-0289-4722-AB56-27764ADDF25B}" dt="2019-05-08T00:41:41.464" v="66" actId="26606"/>
+          <ac:spMkLst>
+            <pc:docMk/>
+            <pc:sldMk cId="2335754417" sldId="263"/>
+            <ac:spMk id="19" creationId="{4F329563-0961-4426-90D2-2DF4888E5461}"/>
+          </ac:spMkLst>
+        </pc:spChg>
+        <pc:spChg chg="add del">
+          <ac:chgData name="Uysal, Serpil Sevilay" userId="26ec37b2-b86c-4faa-8560-20e0567293b8" providerId="ADAL" clId="{34CB5543-0289-4722-AB56-27764ADDF25B}" dt="2019-05-08T00:41:41.464" v="66" actId="26606"/>
+          <ac:spMkLst>
+            <pc:docMk/>
+            <pc:sldMk cId="2335754417" sldId="263"/>
+            <ac:spMk id="21" creationId="{12617755-D451-4BAF-9B55-518297BFF42D}"/>
+          </ac:spMkLst>
+        </pc:spChg>
+        <pc:spChg chg="add del">
+          <ac:chgData name="Uysal, Serpil Sevilay" userId="26ec37b2-b86c-4faa-8560-20e0567293b8" providerId="ADAL" clId="{34CB5543-0289-4722-AB56-27764ADDF25B}" dt="2019-05-08T00:41:41.464" v="66" actId="26606"/>
+          <ac:spMkLst>
+            <pc:docMk/>
+            <pc:sldMk cId="2335754417" sldId="263"/>
+            <ac:spMk id="23" creationId="{86C062C2-3673-4248-BE21-B51B16E63267}"/>
+          </ac:spMkLst>
+        </pc:spChg>
+        <pc:spChg chg="add del">
+          <ac:chgData name="Uysal, Serpil Sevilay" userId="26ec37b2-b86c-4faa-8560-20e0567293b8" providerId="ADAL" clId="{34CB5543-0289-4722-AB56-27764ADDF25B}" dt="2019-05-08T00:41:40.363" v="64" actId="26606"/>
+          <ac:spMkLst>
+            <pc:docMk/>
+            <pc:sldMk cId="2335754417" sldId="263"/>
+            <ac:spMk id="28" creationId="{5434194B-EB56-4062-98C6-CB72F287E3F7}"/>
+          </ac:spMkLst>
+        </pc:spChg>
+        <pc:spChg chg="add del">
+          <ac:chgData name="Uysal, Serpil Sevilay" userId="26ec37b2-b86c-4faa-8560-20e0567293b8" providerId="ADAL" clId="{34CB5543-0289-4722-AB56-27764ADDF25B}" dt="2019-05-08T00:41:40.363" v="64" actId="26606"/>
+          <ac:spMkLst>
+            <pc:docMk/>
+            <pc:sldMk cId="2335754417" sldId="263"/>
+            <ac:spMk id="32" creationId="{B817D9AD-5E85-4E85-AC3E-43E24FA91AA1}"/>
+          </ac:spMkLst>
+        </pc:spChg>
+        <pc:spChg chg="add del">
+          <ac:chgData name="Uysal, Serpil Sevilay" userId="26ec37b2-b86c-4faa-8560-20e0567293b8" providerId="ADAL" clId="{34CB5543-0289-4722-AB56-27764ADDF25B}" dt="2019-05-08T00:41:40.363" v="64" actId="26606"/>
+          <ac:spMkLst>
+            <pc:docMk/>
+            <pc:sldMk cId="2335754417" sldId="263"/>
+            <ac:spMk id="34" creationId="{F0810290-E788-4DE3-B716-DBE58CC6A8EF}"/>
+          </ac:spMkLst>
+        </pc:spChg>
+        <pc:picChg chg="add mod modCrop">
+          <ac:chgData name="Uysal, Serpil Sevilay" userId="26ec37b2-b86c-4faa-8560-20e0567293b8" providerId="ADAL" clId="{34CB5543-0289-4722-AB56-27764ADDF25B}" dt="2019-05-08T00:41:41.464" v="66" actId="26606"/>
+          <ac:picMkLst>
+            <pc:docMk/>
+            <pc:sldMk cId="2335754417" sldId="263"/>
+            <ac:picMk id="3" creationId="{DB8F3F94-0F42-4B07-B1AC-93E73DBF3F53}"/>
+          </ac:picMkLst>
+        </pc:picChg>
+        <pc:picChg chg="del">
+          <ac:chgData name="Uysal, Serpil Sevilay" userId="26ec37b2-b86c-4faa-8560-20e0567293b8" providerId="ADAL" clId="{34CB5543-0289-4722-AB56-27764ADDF25B}" dt="2019-05-08T00:29:15.074" v="43" actId="478"/>
+          <ac:picMkLst>
+            <pc:docMk/>
+            <pc:sldMk cId="2335754417" sldId="263"/>
+            <ac:picMk id="5" creationId="{E2FD2F2A-31A7-415B-ABE1-F7F5C1068EDE}"/>
+          </ac:picMkLst>
+        </pc:picChg>
+        <pc:picChg chg="add del mod">
+          <ac:chgData name="Uysal, Serpil Sevilay" userId="26ec37b2-b86c-4faa-8560-20e0567293b8" providerId="ADAL" clId="{34CB5543-0289-4722-AB56-27764ADDF25B}" dt="2019-05-08T00:41:43.934" v="67"/>
+          <ac:picMkLst>
+            <pc:docMk/>
+            <pc:sldMk cId="2335754417" sldId="263"/>
+            <ac:picMk id="6" creationId="{A46C595E-9CC2-407B-BB05-9D67CCEDD11A}"/>
+          </ac:picMkLst>
+        </pc:picChg>
+        <pc:picChg chg="del mod ord">
+          <ac:chgData name="Uysal, Serpil Sevilay" userId="26ec37b2-b86c-4faa-8560-20e0567293b8" providerId="ADAL" clId="{34CB5543-0289-4722-AB56-27764ADDF25B}" dt="2019-05-08T01:17:03.603" v="68" actId="478"/>
+          <ac:picMkLst>
+            <pc:docMk/>
+            <pc:sldMk cId="2335754417" sldId="263"/>
+            <ac:picMk id="7" creationId="{A7EA702A-EC23-4FC0-A05F-A652F29DFCF4}"/>
+          </ac:picMkLst>
+        </pc:picChg>
+        <pc:picChg chg="add mod modCrop">
+          <ac:chgData name="Uysal, Serpil Sevilay" userId="26ec37b2-b86c-4faa-8560-20e0567293b8" providerId="ADAL" clId="{34CB5543-0289-4722-AB56-27764ADDF25B}" dt="2019-05-08T01:17:15.341" v="72" actId="1076"/>
+          <ac:picMkLst>
+            <pc:docMk/>
+            <pc:sldMk cId="2335754417" sldId="263"/>
+            <ac:picMk id="10" creationId="{2FA7A2CA-0D75-4A7B-BEEA-4D1D448873D2}"/>
+          </ac:picMkLst>
+        </pc:picChg>
+        <pc:picChg chg="add del">
+          <ac:chgData name="Uysal, Serpil Sevilay" userId="26ec37b2-b86c-4faa-8560-20e0567293b8" providerId="ADAL" clId="{34CB5543-0289-4722-AB56-27764ADDF25B}" dt="2019-05-08T00:41:40.363" v="64" actId="26606"/>
+          <ac:picMkLst>
+            <pc:docMk/>
+            <pc:sldMk cId="2335754417" sldId="263"/>
+            <ac:picMk id="30" creationId="{B3746DB1-35A8-422F-9955-4F8E75DBB077}"/>
+          </ac:picMkLst>
+        </pc:picChg>
+      </pc:sldChg>
+      <pc:sldChg chg="modSp">
+        <pc:chgData name="Uysal, Serpil Sevilay" userId="26ec37b2-b86c-4faa-8560-20e0567293b8" providerId="ADAL" clId="{34CB5543-0289-4722-AB56-27764ADDF25B}" dt="2019-05-07T23:21:51.256" v="0" actId="20577"/>
+        <pc:sldMkLst>
+          <pc:docMk/>
+          <pc:sldMk cId="986383546" sldId="266"/>
+        </pc:sldMkLst>
+        <pc:spChg chg="mod">
+          <ac:chgData name="Uysal, Serpil Sevilay" userId="26ec37b2-b86c-4faa-8560-20e0567293b8" providerId="ADAL" clId="{34CB5543-0289-4722-AB56-27764ADDF25B}" dt="2019-05-07T23:21:51.256" v="0" actId="20577"/>
+          <ac:spMkLst>
+            <pc:docMk/>
+            <pc:sldMk cId="986383546" sldId="266"/>
+            <ac:spMk id="3" creationId="{B8674DD3-9302-49B3-9FD3-0820573CED62}"/>
+          </ac:spMkLst>
+        </pc:spChg>
+      </pc:sldChg>
+      <pc:sldChg chg="addSp delSp modSp add modAnim">
+        <pc:chgData name="Uysal, Serpil Sevilay" userId="26ec37b2-b86c-4faa-8560-20e0567293b8" providerId="ADAL" clId="{34CB5543-0289-4722-AB56-27764ADDF25B}" dt="2019-05-07T23:31:07.132" v="42"/>
+        <pc:sldMkLst>
+          <pc:docMk/>
+          <pc:sldMk cId="770024015" sldId="269"/>
+        </pc:sldMkLst>
+        <pc:spChg chg="del mod">
+          <ac:chgData name="Uysal, Serpil Sevilay" userId="26ec37b2-b86c-4faa-8560-20e0567293b8" providerId="ADAL" clId="{34CB5543-0289-4722-AB56-27764ADDF25B}" dt="2019-05-07T23:26:38.146" v="5" actId="478"/>
+          <ac:spMkLst>
+            <pc:docMk/>
+            <pc:sldMk cId="770024015" sldId="269"/>
+            <ac:spMk id="2" creationId="{F0E30EDA-3B72-4FBD-86E8-685E20F7681F}"/>
+          </ac:spMkLst>
+        </pc:spChg>
+        <pc:spChg chg="del">
+          <ac:chgData name="Uysal, Serpil Sevilay" userId="26ec37b2-b86c-4faa-8560-20e0567293b8" providerId="ADAL" clId="{34CB5543-0289-4722-AB56-27764ADDF25B}" dt="2019-05-07T23:26:38.146" v="5" actId="478"/>
+          <ac:spMkLst>
+            <pc:docMk/>
+            <pc:sldMk cId="770024015" sldId="269"/>
+            <ac:spMk id="3" creationId="{AC769DC5-FC90-420E-9F8D-9855375BF54F}"/>
+          </ac:spMkLst>
+        </pc:spChg>
+        <pc:spChg chg="add mod">
+          <ac:chgData name="Uysal, Serpil Sevilay" userId="26ec37b2-b86c-4faa-8560-20e0567293b8" providerId="ADAL" clId="{34CB5543-0289-4722-AB56-27764ADDF25B}" dt="2019-05-07T23:28:34.356" v="35" actId="1036"/>
+          <ac:spMkLst>
+            <pc:docMk/>
+            <pc:sldMk cId="770024015" sldId="269"/>
+            <ac:spMk id="5" creationId="{D0886036-2880-4155-B62F-ACEBE27E1A78}"/>
+          </ac:spMkLst>
+        </pc:spChg>
+        <pc:spChg chg="add mod">
+          <ac:chgData name="Uysal, Serpil Sevilay" userId="26ec37b2-b86c-4faa-8560-20e0567293b8" providerId="ADAL" clId="{34CB5543-0289-4722-AB56-27764ADDF25B}" dt="2019-05-07T23:30:50.817" v="40" actId="1076"/>
+          <ac:spMkLst>
+            <pc:docMk/>
+            <pc:sldMk cId="770024015" sldId="269"/>
+            <ac:spMk id="6" creationId="{DC8450F4-EEB5-4ABA-B4F1-28DBA96E7AE3}"/>
+          </ac:spMkLst>
+        </pc:spChg>
+        <pc:picChg chg="add mod">
+          <ac:chgData name="Uysal, Serpil Sevilay" userId="26ec37b2-b86c-4faa-8560-20e0567293b8" providerId="ADAL" clId="{34CB5543-0289-4722-AB56-27764ADDF25B}" dt="2019-05-07T23:26:55.961" v="9" actId="14100"/>
+          <ac:picMkLst>
+            <pc:docMk/>
+            <pc:sldMk cId="770024015" sldId="269"/>
+            <ac:picMk id="4" creationId="{86CC9996-CABB-4309-8E06-7EDB107C29D2}"/>
+          </ac:picMkLst>
+        </pc:picChg>
+        <pc:cxnChg chg="add mod">
+          <ac:chgData name="Uysal, Serpil Sevilay" userId="26ec37b2-b86c-4faa-8560-20e0567293b8" providerId="ADAL" clId="{34CB5543-0289-4722-AB56-27764ADDF25B}" dt="2019-05-07T23:30:35.585" v="39" actId="1076"/>
+          <ac:cxnSpMkLst>
+            <pc:docMk/>
+            <pc:sldMk cId="770024015" sldId="269"/>
+            <ac:cxnSpMk id="8" creationId="{F233E601-81BE-4FB2-B2D4-1D1408E90A6C}"/>
+          </ac:cxnSpMkLst>
+        </pc:cxnChg>
+      </pc:sldChg>
+      <pc:sldChg chg="addSp delSp modSp add ord">
+        <pc:chgData name="Uysal, Serpil Sevilay" userId="26ec37b2-b86c-4faa-8560-20e0567293b8" providerId="ADAL" clId="{34CB5543-0289-4722-AB56-27764ADDF25B}" dt="2019-05-08T01:36:07.066" v="151"/>
+        <pc:sldMkLst>
+          <pc:docMk/>
+          <pc:sldMk cId="2355085338" sldId="270"/>
+        </pc:sldMkLst>
+        <pc:spChg chg="del">
+          <ac:chgData name="Uysal, Serpil Sevilay" userId="26ec37b2-b86c-4faa-8560-20e0567293b8" providerId="ADAL" clId="{34CB5543-0289-4722-AB56-27764ADDF25B}" dt="2019-05-08T01:18:21.827" v="74" actId="478"/>
+          <ac:spMkLst>
+            <pc:docMk/>
+            <pc:sldMk cId="2355085338" sldId="270"/>
+            <ac:spMk id="2" creationId="{21752A12-1851-486B-BEAC-F8A353F8AE49}"/>
+          </ac:spMkLst>
+        </pc:spChg>
+        <pc:spChg chg="del">
+          <ac:chgData name="Uysal, Serpil Sevilay" userId="26ec37b2-b86c-4faa-8560-20e0567293b8" providerId="ADAL" clId="{34CB5543-0289-4722-AB56-27764ADDF25B}" dt="2019-05-08T01:18:24.251" v="75" actId="478"/>
+          <ac:spMkLst>
+            <pc:docMk/>
+            <pc:sldMk cId="2355085338" sldId="270"/>
+            <ac:spMk id="3" creationId="{E0368D45-A596-47CD-BC59-32CCC9D6B7A8}"/>
+          </ac:spMkLst>
+        </pc:spChg>
+        <pc:spChg chg="add">
+          <ac:chgData name="Uysal, Serpil Sevilay" userId="26ec37b2-b86c-4faa-8560-20e0567293b8" providerId="ADAL" clId="{34CB5543-0289-4722-AB56-27764ADDF25B}" dt="2019-05-08T01:36:07.066" v="151"/>
+          <ac:spMkLst>
+            <pc:docMk/>
+            <pc:sldMk cId="2355085338" sldId="270"/>
+            <ac:spMk id="7" creationId="{62E7E1B5-5D18-46C4-B1EB-5E7ED33C1257}"/>
+          </ac:spMkLst>
+        </pc:spChg>
+        <pc:spChg chg="add">
+          <ac:chgData name="Uysal, Serpil Sevilay" userId="26ec37b2-b86c-4faa-8560-20e0567293b8" providerId="ADAL" clId="{34CB5543-0289-4722-AB56-27764ADDF25B}" dt="2019-05-08T01:36:07.066" v="151"/>
+          <ac:spMkLst>
+            <pc:docMk/>
+            <pc:sldMk cId="2355085338" sldId="270"/>
+            <ac:spMk id="9" creationId="{37DAE662-3154-4B0A-B587-1751CCD087B6}"/>
+          </ac:spMkLst>
+        </pc:spChg>
+        <pc:picChg chg="add del mod">
+          <ac:chgData name="Uysal, Serpil Sevilay" userId="26ec37b2-b86c-4faa-8560-20e0567293b8" providerId="ADAL" clId="{34CB5543-0289-4722-AB56-27764ADDF25B}" dt="2019-05-08T01:32:52.648" v="82"/>
+          <ac:picMkLst>
+            <pc:docMk/>
+            <pc:sldMk cId="2355085338" sldId="270"/>
+            <ac:picMk id="5" creationId="{AC5340AB-1EFF-417D-9AC2-76C3F9985038}"/>
+          </ac:picMkLst>
+        </pc:picChg>
+        <pc:picChg chg="add mod">
+          <ac:chgData name="Uysal, Serpil Sevilay" userId="26ec37b2-b86c-4faa-8560-20e0567293b8" providerId="ADAL" clId="{34CB5543-0289-4722-AB56-27764ADDF25B}" dt="2019-05-08T01:33:40.304" v="149" actId="1036"/>
+          <ac:picMkLst>
+            <pc:docMk/>
+            <pc:sldMk cId="2355085338" sldId="270"/>
+            <ac:picMk id="6" creationId="{8AE203C1-F2F7-4EF2-8386-A29C22309A30}"/>
+          </ac:picMkLst>
+        </pc:picChg>
+        <pc:picChg chg="add">
+          <ac:chgData name="Uysal, Serpil Sevilay" userId="26ec37b2-b86c-4faa-8560-20e0567293b8" providerId="ADAL" clId="{34CB5543-0289-4722-AB56-27764ADDF25B}" dt="2019-05-08T01:36:07.066" v="151"/>
+          <ac:picMkLst>
+            <pc:docMk/>
+            <pc:sldMk cId="2355085338" sldId="270"/>
+            <ac:picMk id="8" creationId="{99DA0297-CB6F-4607-BA6C-1093E1E2B832}"/>
+          </ac:picMkLst>
+        </pc:picChg>
+      </pc:sldChg>
+      <pc:sldChg chg="addSp delSp modSp add">
+        <pc:chgData name="Uysal, Serpil Sevilay" userId="26ec37b2-b86c-4faa-8560-20e0567293b8" providerId="ADAL" clId="{34CB5543-0289-4722-AB56-27764ADDF25B}" dt="2019-05-08T02:13:11.469" v="516" actId="1076"/>
+        <pc:sldMkLst>
+          <pc:docMk/>
+          <pc:sldMk cId="3133695995" sldId="271"/>
+        </pc:sldMkLst>
+        <pc:spChg chg="del">
+          <ac:chgData name="Uysal, Serpil Sevilay" userId="26ec37b2-b86c-4faa-8560-20e0567293b8" providerId="ADAL" clId="{34CB5543-0289-4722-AB56-27764ADDF25B}" dt="2019-05-08T02:08:15.957" v="293" actId="478"/>
+          <ac:spMkLst>
+            <pc:docMk/>
+            <pc:sldMk cId="3133695995" sldId="271"/>
+            <ac:spMk id="2" creationId="{EF828874-0350-43CB-A518-609F5763DE3F}"/>
+          </ac:spMkLst>
+        </pc:spChg>
+        <pc:spChg chg="del">
+          <ac:chgData name="Uysal, Serpil Sevilay" userId="26ec37b2-b86c-4faa-8560-20e0567293b8" providerId="ADAL" clId="{34CB5543-0289-4722-AB56-27764ADDF25B}" dt="2019-05-08T02:08:12.915" v="292" actId="478"/>
+          <ac:spMkLst>
+            <pc:docMk/>
+            <pc:sldMk cId="3133695995" sldId="271"/>
+            <ac:spMk id="3" creationId="{27BCD653-B94E-4BBF-9E18-0FA1D13D18EC}"/>
+          </ac:spMkLst>
+        </pc:spChg>
+        <pc:spChg chg="add mod">
+          <ac:chgData name="Uysal, Serpil Sevilay" userId="26ec37b2-b86c-4faa-8560-20e0567293b8" providerId="ADAL" clId="{34CB5543-0289-4722-AB56-27764ADDF25B}" dt="2019-05-08T02:12:30.842" v="511" actId="20577"/>
+          <ac:spMkLst>
+            <pc:docMk/>
+            <pc:sldMk cId="3133695995" sldId="271"/>
+            <ac:spMk id="6" creationId="{E5461F08-EF80-479E-9EFE-26CE57C1AB4C}"/>
+          </ac:spMkLst>
+        </pc:spChg>
+        <pc:picChg chg="add del mod">
+          <ac:chgData name="Uysal, Serpil Sevilay" userId="26ec37b2-b86c-4faa-8560-20e0567293b8" providerId="ADAL" clId="{34CB5543-0289-4722-AB56-27764ADDF25B}" dt="2019-05-08T02:12:25.373" v="510" actId="478"/>
+          <ac:picMkLst>
+            <pc:docMk/>
+            <pc:sldMk cId="3133695995" sldId="271"/>
+            <ac:picMk id="5" creationId="{6CD14CC9-F32C-4DB2-89DC-52BFAE29C82A}"/>
+          </ac:picMkLst>
+        </pc:picChg>
+        <pc:picChg chg="add mod">
+          <ac:chgData name="Uysal, Serpil Sevilay" userId="26ec37b2-b86c-4faa-8560-20e0567293b8" providerId="ADAL" clId="{34CB5543-0289-4722-AB56-27764ADDF25B}" dt="2019-05-08T02:13:11.469" v="516" actId="1076"/>
+          <ac:picMkLst>
+            <pc:docMk/>
+            <pc:sldMk cId="3133695995" sldId="271"/>
+            <ac:picMk id="8" creationId="{A8D34C65-7CD1-4A5A-9CFF-F797F6506B2D}"/>
+          </ac:picMkLst>
+        </pc:picChg>
+      </pc:sldChg>
+      <pc:sldMasterChg chg="modSldLayout">
+        <pc:chgData name="Uysal, Serpil Sevilay" userId="26ec37b2-b86c-4faa-8560-20e0567293b8" providerId="ADAL" clId="{34CB5543-0289-4722-AB56-27764ADDF25B}" dt="2019-05-08T02:13:20.149" v="536"/>
+        <pc:sldMasterMkLst>
+          <pc:docMk/>
+          <pc:sldMasterMk cId="692378345" sldId="2147483648"/>
+        </pc:sldMasterMkLst>
+        <pc:sldLayoutChg chg="addSp delSp modSp">
+          <pc:chgData name="Uysal, Serpil Sevilay" userId="26ec37b2-b86c-4faa-8560-20e0567293b8" providerId="ADAL" clId="{34CB5543-0289-4722-AB56-27764ADDF25B}" dt="2019-05-08T02:13:20.118" v="526"/>
+          <pc:sldLayoutMkLst>
+            <pc:docMk/>
+            <pc:sldMasterMk cId="692378345" sldId="2147483648"/>
+            <pc:sldLayoutMk cId="4047157324" sldId="2147483649"/>
+          </pc:sldLayoutMkLst>
+          <pc:picChg chg="add del mod ord">
+            <ac:chgData name="Uysal, Serpil Sevilay" userId="26ec37b2-b86c-4faa-8560-20e0567293b8" providerId="ADAL" clId="{34CB5543-0289-4722-AB56-27764ADDF25B}" dt="2019-05-08T01:53:16.786" v="242"/>
+            <ac:picMkLst>
+              <pc:docMk/>
+              <pc:sldMasterMk cId="692378345" sldId="2147483648"/>
+              <pc:sldLayoutMk cId="4047157324" sldId="2147483649"/>
+              <ac:picMk id="8" creationId="{8728FA46-183B-445E-AC99-733C81DF60E8}"/>
+            </ac:picMkLst>
+          </pc:picChg>
+          <pc:picChg chg="add del mod ord">
+            <ac:chgData name="Uysal, Serpil Sevilay" userId="26ec37b2-b86c-4faa-8560-20e0567293b8" providerId="ADAL" clId="{34CB5543-0289-4722-AB56-27764ADDF25B}" dt="2019-05-08T02:05:42.673" v="273"/>
+            <ac:picMkLst>
+              <pc:docMk/>
+              <pc:sldMasterMk cId="692378345" sldId="2147483648"/>
+              <pc:sldLayoutMk cId="4047157324" sldId="2147483649"/>
+              <ac:picMk id="10" creationId="{41FA61E7-5BE3-492F-97A0-395571FBD955}"/>
+            </ac:picMkLst>
+          </pc:picChg>
+          <pc:picChg chg="add del mod ord">
+            <ac:chgData name="Uysal, Serpil Sevilay" userId="26ec37b2-b86c-4faa-8560-20e0567293b8" providerId="ADAL" clId="{34CB5543-0289-4722-AB56-27764ADDF25B}" dt="2019-05-08T02:13:20.102" v="518"/>
+            <ac:picMkLst>
+              <pc:docMk/>
+              <pc:sldMasterMk cId="692378345" sldId="2147483648"/>
+              <pc:sldLayoutMk cId="4047157324" sldId="2147483649"/>
+              <ac:picMk id="12" creationId="{D516FA7A-2B80-4CA1-90E7-1FF554C8B5CE}"/>
+            </ac:picMkLst>
+          </pc:picChg>
+          <pc:picChg chg="add mod ord">
+            <ac:chgData name="Uysal, Serpil Sevilay" userId="26ec37b2-b86c-4faa-8560-20e0567293b8" providerId="ADAL" clId="{34CB5543-0289-4722-AB56-27764ADDF25B}" dt="2019-05-08T02:13:20.118" v="526"/>
+            <ac:picMkLst>
+              <pc:docMk/>
+              <pc:sldMasterMk cId="692378345" sldId="2147483648"/>
+              <pc:sldLayoutMk cId="4047157324" sldId="2147483649"/>
+              <ac:picMk id="14" creationId="{5BC7BF8F-E92E-44E7-8052-287491D967D6}"/>
+            </ac:picMkLst>
+          </pc:picChg>
+          <pc:picChg chg="del">
+            <ac:chgData name="Uysal, Serpil Sevilay" userId="26ec37b2-b86c-4faa-8560-20e0567293b8" providerId="ADAL" clId="{34CB5543-0289-4722-AB56-27764ADDF25B}" dt="2019-05-08T01:36:46.303" v="153"/>
+            <ac:picMkLst>
+              <pc:docMk/>
+              <pc:sldMasterMk cId="692378345" sldId="2147483648"/>
+              <pc:sldLayoutMk cId="4047157324" sldId="2147483649"/>
+              <ac:picMk id="38" creationId="{218AF784-9633-4E91-9FF6-9AD813F6DBB3}"/>
+            </ac:picMkLst>
+          </pc:picChg>
+        </pc:sldLayoutChg>
+        <pc:sldLayoutChg chg="addSp delSp modSp">
+          <pc:chgData name="Uysal, Serpil Sevilay" userId="26ec37b2-b86c-4faa-8560-20e0567293b8" providerId="ADAL" clId="{34CB5543-0289-4722-AB56-27764ADDF25B}" dt="2019-05-08T02:13:20.149" v="536"/>
+          <pc:sldLayoutMkLst>
+            <pc:docMk/>
+            <pc:sldMasterMk cId="692378345" sldId="2147483648"/>
+            <pc:sldLayoutMk cId="894129837" sldId="2147483650"/>
+          </pc:sldLayoutMkLst>
+          <pc:picChg chg="add del mod ord">
+            <ac:chgData name="Uysal, Serpil Sevilay" userId="26ec37b2-b86c-4faa-8560-20e0567293b8" providerId="ADAL" clId="{34CB5543-0289-4722-AB56-27764ADDF25B}" dt="2019-05-08T01:53:16.817" v="252"/>
+            <ac:picMkLst>
+              <pc:docMk/>
+              <pc:sldMasterMk cId="692378345" sldId="2147483648"/>
+              <pc:sldLayoutMk cId="894129837" sldId="2147483650"/>
+              <ac:picMk id="8" creationId="{1948C6B9-014A-435C-A10F-E1AE9CAB2762}"/>
+            </ac:picMkLst>
+          </pc:picChg>
+          <pc:picChg chg="add del mod ord">
+            <ac:chgData name="Uysal, Serpil Sevilay" userId="26ec37b2-b86c-4faa-8560-20e0567293b8" providerId="ADAL" clId="{34CB5543-0289-4722-AB56-27764ADDF25B}" dt="2019-05-08T02:04:47.897" v="263"/>
+            <ac:picMkLst>
+              <pc:docMk/>
+              <pc:sldMasterMk cId="692378345" sldId="2147483648"/>
+              <pc:sldLayoutMk cId="894129837" sldId="2147483650"/>
+              <ac:picMk id="10" creationId="{5B7B73A7-0100-4D34-AEB8-784C50CC115D}"/>
+            </ac:picMkLst>
+          </pc:picChg>
+          <pc:picChg chg="add del mod ord">
+            <ac:chgData name="Uysal, Serpil Sevilay" userId="26ec37b2-b86c-4faa-8560-20e0567293b8" providerId="ADAL" clId="{34CB5543-0289-4722-AB56-27764ADDF25B}" dt="2019-05-08T02:05:42.700" v="283"/>
+            <ac:picMkLst>
+              <pc:docMk/>
+              <pc:sldMasterMk cId="692378345" sldId="2147483648"/>
+              <pc:sldLayoutMk cId="894129837" sldId="2147483650"/>
+              <ac:picMk id="12" creationId="{78F0E049-8DEC-43D6-893D-C27D12005823}"/>
+            </ac:picMkLst>
+          </pc:picChg>
+          <pc:picChg chg="add del mod ord">
+            <ac:chgData name="Uysal, Serpil Sevilay" userId="26ec37b2-b86c-4faa-8560-20e0567293b8" providerId="ADAL" clId="{34CB5543-0289-4722-AB56-27764ADDF25B}" dt="2019-05-08T02:13:20.134" v="528"/>
+            <ac:picMkLst>
+              <pc:docMk/>
+              <pc:sldMasterMk cId="692378345" sldId="2147483648"/>
+              <pc:sldLayoutMk cId="894129837" sldId="2147483650"/>
+              <ac:picMk id="14" creationId="{20227A33-E4B7-400B-88EF-E659AC63379C}"/>
+            </ac:picMkLst>
+          </pc:picChg>
+          <pc:picChg chg="add mod ord">
+            <ac:chgData name="Uysal, Serpil Sevilay" userId="26ec37b2-b86c-4faa-8560-20e0567293b8" providerId="ADAL" clId="{34CB5543-0289-4722-AB56-27764ADDF25B}" dt="2019-05-08T02:13:20.149" v="536"/>
+            <ac:picMkLst>
+              <pc:docMk/>
+              <pc:sldMasterMk cId="692378345" sldId="2147483648"/>
+              <pc:sldLayoutMk cId="894129837" sldId="2147483650"/>
+              <ac:picMk id="16" creationId="{568D9AC8-1FAD-4FB4-83DD-68DE0141F131}"/>
+            </ac:picMkLst>
+          </pc:picChg>
+          <pc:picChg chg="del">
+            <ac:chgData name="Uysal, Serpil Sevilay" userId="26ec37b2-b86c-4faa-8560-20e0567293b8" providerId="ADAL" clId="{34CB5543-0289-4722-AB56-27764ADDF25B}" dt="2019-05-07T23:23:53.521" v="3"/>
+            <ac:picMkLst>
+              <pc:docMk/>
+              <pc:sldMasterMk cId="692378345" sldId="2147483648"/>
+              <pc:sldLayoutMk cId="894129837" sldId="2147483650"/>
+              <ac:picMk id="50" creationId="{F091E8C7-B5E3-4D83-8B24-01D6E3EC2578}"/>
+            </ac:picMkLst>
+          </pc:picChg>
+        </pc:sldLayoutChg>
+      </pc:sldMasterChg>
+    </pc:docChg>
+  </pc:docChgLst>
+</pc:chgInfo>
 </file>
 
 <file path=ppt/handoutMasters/handoutMaster1.xml><?xml version="1.0" encoding="utf-8"?>
@@ -218,7 +735,7 @@
           <a:p>
             <a:fld id="{AE396906-6E80-45AA-A496-BB60D314B261}" type="datetimeFigureOut">
               <a:rPr lang="en-US" smtClean="0"/>
-              <a:t>5/6/2019</a:t>
+              <a:t>5/7/2019</a:t>
             </a:fld>
             <a:endParaRPr lang="en-US"/>
           </a:p>
@@ -395,7 +912,7 @@
           <a:p>
             <a:fld id="{A067C309-D327-48B0-A186-6FDBE7B685EB}" type="datetimeFigureOut">
               <a:rPr lang="en-US" smtClean="0"/>
-              <a:t>5/6/2019</a:t>
+              <a:t>5/7/2019</a:t>
             </a:fld>
             <a:endParaRPr lang="en-US"/>
           </a:p>
@@ -888,7 +1405,7 @@
           <a:p>
             <a:fld id="{506FFDF9-DCA6-4948-9683-00FBB4E52906}" type="slidenum">
               <a:rPr lang="en-US" smtClean="0"/>
-              <a:t>10</a:t>
+              <a:t>11</a:t>
             </a:fld>
             <a:endParaRPr lang="en-US"/>
           </a:p>
@@ -897,7 +1414,7 @@
     </p:spTree>
     <p:extLst>
       <p:ext uri="{BB962C8B-B14F-4D97-AF65-F5344CB8AC3E}">
-        <p14:creationId xmlns:p14="http://schemas.microsoft.com/office/powerpoint/2010/main" val="2191302801"/>
+        <p14:creationId xmlns:p14="http://schemas.microsoft.com/office/powerpoint/2010/main" val="771414093"/>
       </p:ext>
     </p:extLst>
   </p:cSld>
@@ -1010,7 +1527,7 @@
           <a:p>
             <a:fld id="{506FFDF9-DCA6-4948-9683-00FBB4E52906}" type="slidenum">
               <a:rPr lang="en-US" smtClean="0"/>
-              <a:t>11</a:t>
+              <a:t>12</a:t>
             </a:fld>
             <a:endParaRPr lang="en-US"/>
           </a:p>
@@ -1019,7 +1536,7 @@
     </p:spTree>
     <p:extLst>
       <p:ext uri="{BB962C8B-B14F-4D97-AF65-F5344CB8AC3E}">
-        <p14:creationId xmlns:p14="http://schemas.microsoft.com/office/powerpoint/2010/main" val="771414093"/>
+        <p14:creationId xmlns:p14="http://schemas.microsoft.com/office/powerpoint/2010/main" val="1419045025"/>
       </p:ext>
     </p:extLst>
   </p:cSld>
@@ -1132,7 +1649,251 @@
           <a:p>
             <a:fld id="{506FFDF9-DCA6-4948-9683-00FBB4E52906}" type="slidenum">
               <a:rPr lang="en-US" smtClean="0"/>
-              <a:t>12</a:t>
+              <a:t>13</a:t>
+            </a:fld>
+            <a:endParaRPr lang="en-US"/>
+          </a:p>
+        </p:txBody>
+      </p:sp>
+    </p:spTree>
+    <p:extLst>
+      <p:ext uri="{BB962C8B-B14F-4D97-AF65-F5344CB8AC3E}">
+        <p14:creationId xmlns:p14="http://schemas.microsoft.com/office/powerpoint/2010/main" val="2991715411"/>
+      </p:ext>
+    </p:extLst>
+  </p:cSld>
+  <p:clrMapOvr>
+    <a:masterClrMapping/>
+  </p:clrMapOvr>
+</p:notes>
+</file>
+
+<file path=ppt/notesSlides/notesSlide13.xml><?xml version="1.0" encoding="utf-8"?>
+<p:notes xmlns:a="http://schemas.openxmlformats.org/drawingml/2006/main" xmlns:r="http://schemas.openxmlformats.org/officeDocument/2006/relationships" xmlns:p="http://schemas.openxmlformats.org/presentationml/2006/main">
+  <p:cSld>
+    <p:spTree>
+      <p:nvGrpSpPr>
+        <p:cNvPr id="1" name=""/>
+        <p:cNvGrpSpPr/>
+        <p:nvPr/>
+      </p:nvGrpSpPr>
+      <p:grpSpPr>
+        <a:xfrm>
+          <a:off x="0" y="0"/>
+          <a:ext cx="0" cy="0"/>
+          <a:chOff x="0" y="0"/>
+          <a:chExt cx="0" cy="0"/>
+        </a:xfrm>
+      </p:grpSpPr>
+      <p:sp>
+        <p:nvSpPr>
+          <p:cNvPr id="2" name="Slide Image Placeholder 1"/>
+          <p:cNvSpPr>
+            <a:spLocks noGrp="1" noRot="1" noChangeAspect="1"/>
+          </p:cNvSpPr>
+          <p:nvPr>
+            <p:ph type="sldImg"/>
+          </p:nvPr>
+        </p:nvSpPr>
+        <p:spPr/>
+      </p:sp>
+      <p:sp>
+        <p:nvSpPr>
+          <p:cNvPr id="3" name="Notes Placeholder 2"/>
+          <p:cNvSpPr>
+            <a:spLocks noGrp="1"/>
+          </p:cNvSpPr>
+          <p:nvPr>
+            <p:ph type="body" idx="1"/>
+          </p:nvPr>
+        </p:nvSpPr>
+        <p:spPr/>
+        <p:txBody>
+          <a:bodyPr/>
+          <a:lstStyle/>
+          <a:p>
+            <a:endParaRPr lang="en-US"/>
+          </a:p>
+        </p:txBody>
+      </p:sp>
+      <p:sp>
+        <p:nvSpPr>
+          <p:cNvPr id="4" name="Header Placeholder 3"/>
+          <p:cNvSpPr>
+            <a:spLocks noGrp="1"/>
+          </p:cNvSpPr>
+          <p:nvPr>
+            <p:ph type="hdr" sz="quarter"/>
+          </p:nvPr>
+        </p:nvSpPr>
+        <p:spPr/>
+        <p:txBody>
+          <a:bodyPr/>
+          <a:lstStyle/>
+          <a:p>
+            <a:endParaRPr lang="en-US"/>
+          </a:p>
+        </p:txBody>
+      </p:sp>
+      <p:sp>
+        <p:nvSpPr>
+          <p:cNvPr id="5" name="Footer Placeholder 4"/>
+          <p:cNvSpPr>
+            <a:spLocks noGrp="1"/>
+          </p:cNvSpPr>
+          <p:nvPr>
+            <p:ph type="ftr" sz="quarter" idx="4"/>
+          </p:nvPr>
+        </p:nvSpPr>
+        <p:spPr/>
+        <p:txBody>
+          <a:bodyPr/>
+          <a:lstStyle/>
+          <a:p>
+            <a:endParaRPr lang="en-US"/>
+          </a:p>
+        </p:txBody>
+      </p:sp>
+      <p:sp>
+        <p:nvSpPr>
+          <p:cNvPr id="6" name="Slide Number Placeholder 5"/>
+          <p:cNvSpPr>
+            <a:spLocks noGrp="1"/>
+          </p:cNvSpPr>
+          <p:nvPr>
+            <p:ph type="sldNum" sz="quarter" idx="5"/>
+          </p:nvPr>
+        </p:nvSpPr>
+        <p:spPr/>
+        <p:txBody>
+          <a:bodyPr/>
+          <a:lstStyle/>
+          <a:p>
+            <a:fld id="{506FFDF9-DCA6-4948-9683-00FBB4E52906}" type="slidenum">
+              <a:rPr lang="en-US" smtClean="0"/>
+              <a:t>16</a:t>
+            </a:fld>
+            <a:endParaRPr lang="en-US"/>
+          </a:p>
+        </p:txBody>
+      </p:sp>
+    </p:spTree>
+    <p:extLst>
+      <p:ext uri="{BB962C8B-B14F-4D97-AF65-F5344CB8AC3E}">
+        <p14:creationId xmlns:p14="http://schemas.microsoft.com/office/powerpoint/2010/main" val="2191302801"/>
+      </p:ext>
+    </p:extLst>
+  </p:cSld>
+  <p:clrMapOvr>
+    <a:masterClrMapping/>
+  </p:clrMapOvr>
+</p:notes>
+</file>
+
+<file path=ppt/notesSlides/notesSlide14.xml><?xml version="1.0" encoding="utf-8"?>
+<p:notes xmlns:a="http://schemas.openxmlformats.org/drawingml/2006/main" xmlns:r="http://schemas.openxmlformats.org/officeDocument/2006/relationships" xmlns:p="http://schemas.openxmlformats.org/presentationml/2006/main">
+  <p:cSld>
+    <p:spTree>
+      <p:nvGrpSpPr>
+        <p:cNvPr id="1" name=""/>
+        <p:cNvGrpSpPr/>
+        <p:nvPr/>
+      </p:nvGrpSpPr>
+      <p:grpSpPr>
+        <a:xfrm>
+          <a:off x="0" y="0"/>
+          <a:ext cx="0" cy="0"/>
+          <a:chOff x="0" y="0"/>
+          <a:chExt cx="0" cy="0"/>
+        </a:xfrm>
+      </p:grpSpPr>
+      <p:sp>
+        <p:nvSpPr>
+          <p:cNvPr id="2" name="Slide Image Placeholder 1"/>
+          <p:cNvSpPr>
+            <a:spLocks noGrp="1" noRot="1" noChangeAspect="1"/>
+          </p:cNvSpPr>
+          <p:nvPr>
+            <p:ph type="sldImg"/>
+          </p:nvPr>
+        </p:nvSpPr>
+        <p:spPr/>
+      </p:sp>
+      <p:sp>
+        <p:nvSpPr>
+          <p:cNvPr id="3" name="Notes Placeholder 2"/>
+          <p:cNvSpPr>
+            <a:spLocks noGrp="1"/>
+          </p:cNvSpPr>
+          <p:nvPr>
+            <p:ph type="body" idx="1"/>
+          </p:nvPr>
+        </p:nvSpPr>
+        <p:spPr/>
+        <p:txBody>
+          <a:bodyPr/>
+          <a:lstStyle/>
+          <a:p>
+            <a:endParaRPr lang="en-US"/>
+          </a:p>
+        </p:txBody>
+      </p:sp>
+      <p:sp>
+        <p:nvSpPr>
+          <p:cNvPr id="4" name="Header Placeholder 3"/>
+          <p:cNvSpPr>
+            <a:spLocks noGrp="1"/>
+          </p:cNvSpPr>
+          <p:nvPr>
+            <p:ph type="hdr" sz="quarter"/>
+          </p:nvPr>
+        </p:nvSpPr>
+        <p:spPr/>
+        <p:txBody>
+          <a:bodyPr/>
+          <a:lstStyle/>
+          <a:p>
+            <a:endParaRPr lang="en-US"/>
+          </a:p>
+        </p:txBody>
+      </p:sp>
+      <p:sp>
+        <p:nvSpPr>
+          <p:cNvPr id="5" name="Footer Placeholder 4"/>
+          <p:cNvSpPr>
+            <a:spLocks noGrp="1"/>
+          </p:cNvSpPr>
+          <p:nvPr>
+            <p:ph type="ftr" sz="quarter" idx="4"/>
+          </p:nvPr>
+        </p:nvSpPr>
+        <p:spPr/>
+        <p:txBody>
+          <a:bodyPr/>
+          <a:lstStyle/>
+          <a:p>
+            <a:endParaRPr lang="en-US"/>
+          </a:p>
+        </p:txBody>
+      </p:sp>
+      <p:sp>
+        <p:nvSpPr>
+          <p:cNvPr id="6" name="Slide Number Placeholder 5"/>
+          <p:cNvSpPr>
+            <a:spLocks noGrp="1"/>
+          </p:cNvSpPr>
+          <p:nvPr>
+            <p:ph type="sldNum" sz="quarter" idx="5"/>
+          </p:nvPr>
+        </p:nvSpPr>
+        <p:spPr/>
+        <p:txBody>
+          <a:bodyPr/>
+          <a:lstStyle/>
+          <a:p>
+            <a:fld id="{506FFDF9-DCA6-4948-9683-00FBB4E52906}" type="slidenum">
+              <a:rPr lang="en-US" smtClean="0"/>
+              <a:t>18</a:t>
             </a:fld>
             <a:endParaRPr lang="en-US"/>
           </a:p>
@@ -1507,7 +2268,7 @@
     </p:spTree>
     <p:extLst>
       <p:ext uri="{BB962C8B-B14F-4D97-AF65-F5344CB8AC3E}">
-        <p14:creationId xmlns:p14="http://schemas.microsoft.com/office/powerpoint/2010/main" val="164292030"/>
+        <p14:creationId xmlns:p14="http://schemas.microsoft.com/office/powerpoint/2010/main" val="327249101"/>
       </p:ext>
     </p:extLst>
   </p:cSld>
@@ -1620,7 +2381,7 @@
           <a:p>
             <a:fld id="{506FFDF9-DCA6-4948-9683-00FBB4E52906}" type="slidenum">
               <a:rPr lang="en-US" smtClean="0"/>
-              <a:t>5</a:t>
+              <a:t>6</a:t>
             </a:fld>
             <a:endParaRPr lang="en-US"/>
           </a:p>
@@ -1629,7 +2390,7 @@
     </p:spTree>
     <p:extLst>
       <p:ext uri="{BB962C8B-B14F-4D97-AF65-F5344CB8AC3E}">
-        <p14:creationId xmlns:p14="http://schemas.microsoft.com/office/powerpoint/2010/main" val="2908582766"/>
+        <p14:creationId xmlns:p14="http://schemas.microsoft.com/office/powerpoint/2010/main" val="164292030"/>
       </p:ext>
     </p:extLst>
   </p:cSld>
@@ -1742,7 +2503,7 @@
           <a:p>
             <a:fld id="{506FFDF9-DCA6-4948-9683-00FBB4E52906}" type="slidenum">
               <a:rPr lang="en-US" smtClean="0"/>
-              <a:t>6</a:t>
+              <a:t>7</a:t>
             </a:fld>
             <a:endParaRPr lang="en-US"/>
           </a:p>
@@ -1751,7 +2512,7 @@
     </p:spTree>
     <p:extLst>
       <p:ext uri="{BB962C8B-B14F-4D97-AF65-F5344CB8AC3E}">
-        <p14:creationId xmlns:p14="http://schemas.microsoft.com/office/powerpoint/2010/main" val="3924090712"/>
+        <p14:creationId xmlns:p14="http://schemas.microsoft.com/office/powerpoint/2010/main" val="3168799429"/>
       </p:ext>
     </p:extLst>
   </p:cSld>
@@ -1864,7 +2625,7 @@
           <a:p>
             <a:fld id="{506FFDF9-DCA6-4948-9683-00FBB4E52906}" type="slidenum">
               <a:rPr lang="en-US" smtClean="0"/>
-              <a:t>7</a:t>
+              <a:t>8</a:t>
             </a:fld>
             <a:endParaRPr lang="en-US"/>
           </a:p>
@@ -1873,7 +2634,7 @@
     </p:spTree>
     <p:extLst>
       <p:ext uri="{BB962C8B-B14F-4D97-AF65-F5344CB8AC3E}">
-        <p14:creationId xmlns:p14="http://schemas.microsoft.com/office/powerpoint/2010/main" val="31439889"/>
+        <p14:creationId xmlns:p14="http://schemas.microsoft.com/office/powerpoint/2010/main" val="3924090712"/>
       </p:ext>
     </p:extLst>
   </p:cSld>
@@ -1986,7 +2747,7 @@
           <a:p>
             <a:fld id="{506FFDF9-DCA6-4948-9683-00FBB4E52906}" type="slidenum">
               <a:rPr lang="en-US" smtClean="0"/>
-              <a:t>8</a:t>
+              <a:t>9</a:t>
             </a:fld>
             <a:endParaRPr lang="en-US"/>
           </a:p>
@@ -1995,7 +2756,7 @@
     </p:spTree>
     <p:extLst>
       <p:ext uri="{BB962C8B-B14F-4D97-AF65-F5344CB8AC3E}">
-        <p14:creationId xmlns:p14="http://schemas.microsoft.com/office/powerpoint/2010/main" val="715114040"/>
+        <p14:creationId xmlns:p14="http://schemas.microsoft.com/office/powerpoint/2010/main" val="31439889"/>
       </p:ext>
     </p:extLst>
   </p:cSld>
@@ -2108,7 +2869,7 @@
           <a:p>
             <a:fld id="{506FFDF9-DCA6-4948-9683-00FBB4E52906}" type="slidenum">
               <a:rPr lang="en-US" smtClean="0"/>
-              <a:t>9</a:t>
+              <a:t>10</a:t>
             </a:fld>
             <a:endParaRPr lang="en-US"/>
           </a:p>
@@ -2117,7 +2878,7 @@
     </p:spTree>
     <p:extLst>
       <p:ext uri="{BB962C8B-B14F-4D97-AF65-F5344CB8AC3E}">
-        <p14:creationId xmlns:p14="http://schemas.microsoft.com/office/powerpoint/2010/main" val="1419045025"/>
+        <p14:creationId xmlns:p14="http://schemas.microsoft.com/office/powerpoint/2010/main" val="715114040"/>
       </p:ext>
     </p:extLst>
   </p:cSld>
@@ -2274,7 +3035,7 @@
           <a:p>
             <a:fld id="{D80A95D0-78E7-468E-9F11-12799730EB02}" type="datetimeFigureOut">
               <a:rPr lang="en-US" smtClean="0"/>
-              <a:t>5/6/2019</a:t>
+              <a:t>5/7/2019</a:t>
             </a:fld>
             <a:endParaRPr lang="en-US"/>
           </a:p>
@@ -2336,10 +3097,10 @@
       </p:sp>
       <p:pic>
         <p:nvPicPr>
-          <p:cNvPr id="38" name="bjClassifierImageBottom">
-            <a:extLst>
-              <a:ext uri="{FF2B5EF4-FFF2-40B4-BE49-F238E27FC236}">
-                <a16:creationId xmlns:a16="http://schemas.microsoft.com/office/drawing/2014/main" id="{218AF784-9633-4E91-9FF6-9AD813F6DBB3}"/>
+          <p:cNvPr id="14" name="bjClassifierImageBottom">
+            <a:extLst>
+              <a:ext uri="{FF2B5EF4-FFF2-40B4-BE49-F238E27FC236}">
+                <a16:creationId xmlns:a16="http://schemas.microsoft.com/office/drawing/2014/main" id="{5BC7BF8F-E92E-44E7-8052-287491D967D6}"/>
               </a:ext>
             </a:extLst>
           </p:cNvPr>
@@ -2508,7 +3269,7 @@
           <a:p>
             <a:fld id="{D80A95D0-78E7-468E-9F11-12799730EB02}" type="datetimeFigureOut">
               <a:rPr lang="en-US" smtClean="0"/>
-              <a:t>5/6/2019</a:t>
+              <a:t>5/7/2019</a:t>
             </a:fld>
             <a:endParaRPr lang="en-US"/>
           </a:p>
@@ -2716,7 +3477,7 @@
           <a:p>
             <a:fld id="{D80A95D0-78E7-468E-9F11-12799730EB02}" type="datetimeFigureOut">
               <a:rPr lang="en-US" smtClean="0"/>
-              <a:t>5/6/2019</a:t>
+              <a:t>5/7/2019</a:t>
             </a:fld>
             <a:endParaRPr lang="en-US"/>
           </a:p>
@@ -2914,7 +3675,7 @@
           <a:p>
             <a:fld id="{D80A95D0-78E7-468E-9F11-12799730EB02}" type="datetimeFigureOut">
               <a:rPr lang="en-US" smtClean="0"/>
-              <a:t>5/6/2019</a:t>
+              <a:t>5/7/2019</a:t>
             </a:fld>
             <a:endParaRPr lang="en-US"/>
           </a:p>
@@ -2976,10 +3737,10 @@
       </p:sp>
       <p:pic>
         <p:nvPicPr>
-          <p:cNvPr id="50" name="bjClassifierImageBottom">
-            <a:extLst>
-              <a:ext uri="{FF2B5EF4-FFF2-40B4-BE49-F238E27FC236}">
-                <a16:creationId xmlns:a16="http://schemas.microsoft.com/office/drawing/2014/main" id="{F091E8C7-B5E3-4D83-8B24-01D6E3EC2578}"/>
+          <p:cNvPr id="16" name="bjClassifierImageBottom">
+            <a:extLst>
+              <a:ext uri="{FF2B5EF4-FFF2-40B4-BE49-F238E27FC236}">
+                <a16:creationId xmlns:a16="http://schemas.microsoft.com/office/drawing/2014/main" id="{568D9AC8-1FAD-4FB4-83DD-68DE0141F131}"/>
               </a:ext>
             </a:extLst>
           </p:cNvPr>
@@ -3225,7 +3986,7 @@
           <a:p>
             <a:fld id="{D80A95D0-78E7-468E-9F11-12799730EB02}" type="datetimeFigureOut">
               <a:rPr lang="en-US" smtClean="0"/>
-              <a:t>5/6/2019</a:t>
+              <a:t>5/7/2019</a:t>
             </a:fld>
             <a:endParaRPr lang="en-US"/>
           </a:p>
@@ -3490,7 +4251,7 @@
           <a:p>
             <a:fld id="{D80A95D0-78E7-468E-9F11-12799730EB02}" type="datetimeFigureOut">
               <a:rPr lang="en-US" smtClean="0"/>
-              <a:t>5/6/2019</a:t>
+              <a:t>5/7/2019</a:t>
             </a:fld>
             <a:endParaRPr lang="en-US"/>
           </a:p>
@@ -3902,7 +4663,7 @@
           <a:p>
             <a:fld id="{D80A95D0-78E7-468E-9F11-12799730EB02}" type="datetimeFigureOut">
               <a:rPr lang="en-US" smtClean="0"/>
-              <a:t>5/6/2019</a:t>
+              <a:t>5/7/2019</a:t>
             </a:fld>
             <a:endParaRPr lang="en-US"/>
           </a:p>
@@ -4043,7 +4804,7 @@
           <a:p>
             <a:fld id="{D80A95D0-78E7-468E-9F11-12799730EB02}" type="datetimeFigureOut">
               <a:rPr lang="en-US" smtClean="0"/>
-              <a:t>5/6/2019</a:t>
+              <a:t>5/7/2019</a:t>
             </a:fld>
             <a:endParaRPr lang="en-US"/>
           </a:p>
@@ -4156,7 +4917,7 @@
           <a:p>
             <a:fld id="{D80A95D0-78E7-468E-9F11-12799730EB02}" type="datetimeFigureOut">
               <a:rPr lang="en-US" smtClean="0"/>
-              <a:t>5/6/2019</a:t>
+              <a:t>5/7/2019</a:t>
             </a:fld>
             <a:endParaRPr lang="en-US"/>
           </a:p>
@@ -4467,7 +5228,7 @@
           <a:p>
             <a:fld id="{D80A95D0-78E7-468E-9F11-12799730EB02}" type="datetimeFigureOut">
               <a:rPr lang="en-US" smtClean="0"/>
-              <a:t>5/6/2019</a:t>
+              <a:t>5/7/2019</a:t>
             </a:fld>
             <a:endParaRPr lang="en-US"/>
           </a:p>
@@ -4755,7 +5516,7 @@
           <a:p>
             <a:fld id="{D80A95D0-78E7-468E-9F11-12799730EB02}" type="datetimeFigureOut">
               <a:rPr lang="en-US" smtClean="0"/>
-              <a:t>5/6/2019</a:t>
+              <a:t>5/7/2019</a:t>
             </a:fld>
             <a:endParaRPr lang="en-US"/>
           </a:p>
@@ -4996,7 +5757,7 @@
           <a:p>
             <a:fld id="{D80A95D0-78E7-468E-9F11-12799730EB02}" type="datetimeFigureOut">
               <a:rPr lang="en-US" smtClean="0"/>
-              <a:t>5/6/2019</a:t>
+              <a:t>5/7/2019</a:t>
             </a:fld>
             <a:endParaRPr lang="en-US"/>
           </a:p>
@@ -5399,14 +6160,6 @@
 <file path=ppt/slides/slide1.xml><?xml version="1.0" encoding="utf-8"?>
 <p:sld xmlns:a="http://schemas.openxmlformats.org/drawingml/2006/main" xmlns:r="http://schemas.openxmlformats.org/officeDocument/2006/relationships" xmlns:p="http://schemas.openxmlformats.org/presentationml/2006/main">
   <p:cSld>
-    <p:bg>
-      <p:bgPr>
-        <a:solidFill>
-          <a:schemeClr val="bg1"/>
-        </a:solidFill>
-        <a:effectLst/>
-      </p:bgPr>
-    </p:bg>
     <p:spTree>
       <p:nvGrpSpPr>
         <p:cNvPr id="1" name=""/>
@@ -5439,13 +6192,13 @@
         </p:nvSpPr>
         <p:spPr>
           <a:xfrm>
-            <a:off x="4375229" y="4180770"/>
-            <a:ext cx="5737185" cy="1655762"/>
+            <a:off x="4375229" y="3200400"/>
+            <a:ext cx="6457612" cy="2636132"/>
           </a:xfrm>
         </p:spPr>
         <p:txBody>
           <a:bodyPr>
-            <a:normAutofit/>
+            <a:normAutofit lnSpcReduction="10000"/>
           </a:bodyPr>
           <a:lstStyle/>
           <a:p>
@@ -5455,8 +6208,15 @@
                 <a:latin typeface="Segoe UI Semilight" panose="020B0402040204020203" pitchFamily="34" charset="0"/>
                 <a:cs typeface="Segoe UI Semilight" panose="020B0402040204020203" pitchFamily="34" charset="0"/>
               </a:rPr>
-              <a:t>ALI HILMI UYSAL</a:t>
-            </a:r>
+              <a:t>ALI UYSAL</a:t>
+            </a:r>
+          </a:p>
+          <a:p>
+            <a:pPr algn="l"/>
+            <a:endParaRPr lang="en-US" sz="3200" b="1" dirty="0">
+              <a:latin typeface="Segoe UI Semilight" panose="020B0402040204020203" pitchFamily="34" charset="0"/>
+              <a:cs typeface="Segoe UI Semilight" panose="020B0402040204020203" pitchFamily="34" charset="0"/>
+            </a:endParaRPr>
           </a:p>
           <a:p>
             <a:pPr algn="l"/>
@@ -5465,7 +6225,24 @@
                 <a:latin typeface="Segoe UI Semilight" panose="020B0402040204020203" pitchFamily="34" charset="0"/>
                 <a:cs typeface="Segoe UI Semilight" panose="020B0402040204020203" pitchFamily="34" charset="0"/>
               </a:rPr>
-              <a:t>SCRAPING </a:t>
+              <a:t>FACTORS OF A SUCCESSFUL </a:t>
+            </a:r>
+          </a:p>
+          <a:p>
+            <a:pPr algn="l"/>
+            <a:endParaRPr lang="en-US" sz="3200" b="1" dirty="0">
+              <a:latin typeface="Segoe UI Semilight" panose="020B0402040204020203" pitchFamily="34" charset="0"/>
+              <a:cs typeface="Segoe UI Semilight" panose="020B0402040204020203" pitchFamily="34" charset="0"/>
+            </a:endParaRPr>
+          </a:p>
+          <a:p>
+            <a:pPr algn="l"/>
+            <a:r>
+              <a:rPr lang="en-US" sz="3200" b="1" dirty="0">
+                <a:latin typeface="Segoe UI Semilight" panose="020B0402040204020203" pitchFamily="34" charset="0"/>
+                <a:cs typeface="Segoe UI Semilight" panose="020B0402040204020203" pitchFamily="34" charset="0"/>
+              </a:rPr>
+              <a:t>PROJECT</a:t>
             </a:r>
           </a:p>
         </p:txBody>
@@ -5498,7 +6275,7 @@
         </p:blipFill>
         <p:spPr bwMode="auto">
           <a:xfrm>
-            <a:off x="6500559" y="4819885"/>
+            <a:off x="4477405" y="4789631"/>
             <a:ext cx="2835825" cy="330846"/>
           </a:xfrm>
           <a:prstGeom prst="rect">
@@ -5571,7 +6348,7 @@
     </p:spTree>
     <p:extLst>
       <p:ext uri="{BB962C8B-B14F-4D97-AF65-F5344CB8AC3E}">
-        <p14:creationId xmlns:p14="http://schemas.microsoft.com/office/powerpoint/2010/main" val="1563464262"/>
+        <p14:creationId xmlns:p14="http://schemas.microsoft.com/office/powerpoint/2010/main" val="2632963188"/>
       </p:ext>
     </p:extLst>
   </p:cSld>
@@ -5582,2134 +6359,6 @@
 </file>
 
 <file path=ppt/slides/slide10.xml><?xml version="1.0" encoding="utf-8"?>
-<p:sld xmlns:a="http://schemas.openxmlformats.org/drawingml/2006/main" xmlns:r="http://schemas.openxmlformats.org/officeDocument/2006/relationships" xmlns:p="http://schemas.openxmlformats.org/presentationml/2006/main">
-  <p:cSld>
-    <p:spTree>
-      <p:nvGrpSpPr>
-        <p:cNvPr id="1" name=""/>
-        <p:cNvGrpSpPr/>
-        <p:nvPr/>
-      </p:nvGrpSpPr>
-      <p:grpSpPr>
-        <a:xfrm>
-          <a:off x="0" y="0"/>
-          <a:ext cx="0" cy="0"/>
-          <a:chOff x="0" y="0"/>
-          <a:chExt cx="0" cy="0"/>
-        </a:xfrm>
-      </p:grpSpPr>
-      <p:pic>
-        <p:nvPicPr>
-          <p:cNvPr id="5" name="Picture 4">
-            <a:extLst>
-              <a:ext uri="{FF2B5EF4-FFF2-40B4-BE49-F238E27FC236}">
-                <a16:creationId xmlns:a16="http://schemas.microsoft.com/office/drawing/2014/main" id="{E2FD2F2A-31A7-415B-ABE1-F7F5C1068EDE}"/>
-              </a:ext>
-            </a:extLst>
-          </p:cNvPr>
-          <p:cNvPicPr>
-            <a:picLocks noChangeAspect="1"/>
-          </p:cNvPicPr>
-          <p:nvPr/>
-        </p:nvPicPr>
-        <p:blipFill rotWithShape="1">
-          <a:blip r:embed="rId3">
-            <a:extLst>
-              <a:ext uri="{28A0092B-C50C-407E-A947-70E740481C1C}">
-                <a14:useLocalDpi xmlns:a14="http://schemas.microsoft.com/office/drawing/2010/main" val="0"/>
-              </a:ext>
-            </a:extLst>
-          </a:blip>
-          <a:srcRect l="19563" r="21119"/>
-          <a:stretch/>
-        </p:blipFill>
-        <p:spPr>
-          <a:xfrm>
-            <a:off x="578734" y="1857375"/>
-            <a:ext cx="5000264" cy="3143250"/>
-          </a:xfrm>
-          <a:prstGeom prst="rect">
-            <a:avLst/>
-          </a:prstGeom>
-        </p:spPr>
-      </p:pic>
-      <p:pic>
-        <p:nvPicPr>
-          <p:cNvPr id="7" name="Picture 6">
-            <a:extLst>
-              <a:ext uri="{FF2B5EF4-FFF2-40B4-BE49-F238E27FC236}">
-                <a16:creationId xmlns:a16="http://schemas.microsoft.com/office/drawing/2014/main" id="{A7EA702A-EC23-4FC0-A05F-A652F29DFCF4}"/>
-              </a:ext>
-            </a:extLst>
-          </p:cNvPr>
-          <p:cNvPicPr>
-            <a:picLocks noChangeAspect="1"/>
-          </p:cNvPicPr>
-          <p:nvPr/>
-        </p:nvPicPr>
-        <p:blipFill rotWithShape="1">
-          <a:blip r:embed="rId4">
-            <a:extLst>
-              <a:ext uri="{28A0092B-C50C-407E-A947-70E740481C1C}">
-                <a14:useLocalDpi xmlns:a14="http://schemas.microsoft.com/office/drawing/2010/main" val="0"/>
-              </a:ext>
-            </a:extLst>
-          </a:blip>
-          <a:srcRect l="23820" t="644" r="23179" b="-644"/>
-          <a:stretch/>
-        </p:blipFill>
-        <p:spPr>
-          <a:xfrm>
-            <a:off x="6805914" y="1857375"/>
-            <a:ext cx="4467828" cy="3143250"/>
-          </a:xfrm>
-          <a:prstGeom prst="rect">
-            <a:avLst/>
-          </a:prstGeom>
-        </p:spPr>
-      </p:pic>
-      <p:sp>
-        <p:nvSpPr>
-          <p:cNvPr id="8" name="Title 1">
-            <a:extLst>
-              <a:ext uri="{FF2B5EF4-FFF2-40B4-BE49-F238E27FC236}">
-                <a16:creationId xmlns:a16="http://schemas.microsoft.com/office/drawing/2014/main" id="{6FD7CA4B-EFC5-4237-9FB6-863FA650F655}"/>
-              </a:ext>
-            </a:extLst>
-          </p:cNvPr>
-          <p:cNvSpPr>
-            <a:spLocks noGrp="1"/>
-          </p:cNvSpPr>
-          <p:nvPr>
-            <p:ph type="title"/>
-          </p:nvPr>
-        </p:nvSpPr>
-        <p:spPr>
-          <a:xfrm>
-            <a:off x="231495" y="122056"/>
-            <a:ext cx="11840900" cy="1325563"/>
-          </a:xfrm>
-        </p:spPr>
-        <p:txBody>
-          <a:bodyPr>
-            <a:normAutofit/>
-          </a:bodyPr>
-          <a:lstStyle/>
-          <a:p>
-            <a:r>
-              <a:rPr lang="en-US" sz="2800" b="1" dirty="0">
-                <a:solidFill>
-                  <a:srgbClr val="3DCB7A"/>
-                </a:solidFill>
-                <a:latin typeface="Segoe UI Semilight" panose="020B0402040204020203" pitchFamily="34" charset="0"/>
-                <a:cs typeface="Segoe UI Semilight" panose="020B0402040204020203" pitchFamily="34" charset="0"/>
-              </a:rPr>
-              <a:t>More than 90% of failed projects can not even reach 50% of the goal range!</a:t>
-            </a:r>
-          </a:p>
-        </p:txBody>
-      </p:sp>
-    </p:spTree>
-    <p:extLst>
-      <p:ext uri="{BB962C8B-B14F-4D97-AF65-F5344CB8AC3E}">
-        <p14:creationId xmlns:p14="http://schemas.microsoft.com/office/powerpoint/2010/main" val="2335754417"/>
-      </p:ext>
-    </p:extLst>
-  </p:cSld>
-  <p:clrMapOvr>
-    <a:masterClrMapping/>
-  </p:clrMapOvr>
-</p:sld>
-</file>
-
-<file path=ppt/slides/slide11.xml><?xml version="1.0" encoding="utf-8"?>
-<p:sld xmlns:a="http://schemas.openxmlformats.org/drawingml/2006/main" xmlns:r="http://schemas.openxmlformats.org/officeDocument/2006/relationships" xmlns:p="http://schemas.openxmlformats.org/presentationml/2006/main">
-  <p:cSld>
-    <p:spTree>
-      <p:nvGrpSpPr>
-        <p:cNvPr id="1" name=""/>
-        <p:cNvGrpSpPr/>
-        <p:nvPr/>
-      </p:nvGrpSpPr>
-      <p:grpSpPr>
-        <a:xfrm>
-          <a:off x="0" y="0"/>
-          <a:ext cx="0" cy="0"/>
-          <a:chOff x="0" y="0"/>
-          <a:chExt cx="0" cy="0"/>
-        </a:xfrm>
-      </p:grpSpPr>
-      <p:pic>
-        <p:nvPicPr>
-          <p:cNvPr id="5" name="Picture 4">
-            <a:extLst>
-              <a:ext uri="{FF2B5EF4-FFF2-40B4-BE49-F238E27FC236}">
-                <a16:creationId xmlns:a16="http://schemas.microsoft.com/office/drawing/2014/main" id="{EB53F252-3D8E-4B1C-B7A8-19819B4D1F28}"/>
-              </a:ext>
-            </a:extLst>
-          </p:cNvPr>
-          <p:cNvPicPr>
-            <a:picLocks noChangeAspect="1"/>
-          </p:cNvPicPr>
-          <p:nvPr/>
-        </p:nvPicPr>
-        <p:blipFill>
-          <a:blip r:embed="rId3">
-            <a:extLst>
-              <a:ext uri="{28A0092B-C50C-407E-A947-70E740481C1C}">
-                <a14:useLocalDpi xmlns:a14="http://schemas.microsoft.com/office/drawing/2010/main" val="0"/>
-              </a:ext>
-            </a:extLst>
-          </a:blip>
-          <a:stretch>
-            <a:fillRect/>
-          </a:stretch>
-        </p:blipFill>
-        <p:spPr>
-          <a:xfrm>
-            <a:off x="630254" y="1787622"/>
-            <a:ext cx="10931491" cy="4076149"/>
-          </a:xfrm>
-          <a:prstGeom prst="rect">
-            <a:avLst/>
-          </a:prstGeom>
-        </p:spPr>
-      </p:pic>
-      <p:sp>
-        <p:nvSpPr>
-          <p:cNvPr id="9" name="Title 1">
-            <a:extLst>
-              <a:ext uri="{FF2B5EF4-FFF2-40B4-BE49-F238E27FC236}">
-                <a16:creationId xmlns:a16="http://schemas.microsoft.com/office/drawing/2014/main" id="{04B62F9F-768F-4513-B67B-2C49A175F3C5}"/>
-              </a:ext>
-            </a:extLst>
-          </p:cNvPr>
-          <p:cNvSpPr>
-            <a:spLocks noGrp="1"/>
-          </p:cNvSpPr>
-          <p:nvPr>
-            <p:ph type="title"/>
-          </p:nvPr>
-        </p:nvSpPr>
-        <p:spPr>
-          <a:xfrm>
-            <a:off x="375212" y="122056"/>
-            <a:ext cx="10515600" cy="1325563"/>
-          </a:xfrm>
-        </p:spPr>
-        <p:txBody>
-          <a:bodyPr>
-            <a:normAutofit/>
-          </a:bodyPr>
-          <a:lstStyle/>
-          <a:p>
-            <a:r>
-              <a:rPr lang="en-US" sz="2800" b="1" dirty="0">
-                <a:solidFill>
-                  <a:srgbClr val="3DCB7A"/>
-                </a:solidFill>
-                <a:latin typeface="Segoe UI Semilight" panose="020B0402040204020203" pitchFamily="34" charset="0"/>
-                <a:cs typeface="Segoe UI Semilight" panose="020B0402040204020203" pitchFamily="34" charset="0"/>
-              </a:rPr>
-              <a:t>Projects with 60 days of campaign duration are more likely to fail!</a:t>
-            </a:r>
-          </a:p>
-        </p:txBody>
-      </p:sp>
-    </p:spTree>
-    <p:extLst>
-      <p:ext uri="{BB962C8B-B14F-4D97-AF65-F5344CB8AC3E}">
-        <p14:creationId xmlns:p14="http://schemas.microsoft.com/office/powerpoint/2010/main" val="1334926949"/>
-      </p:ext>
-    </p:extLst>
-  </p:cSld>
-  <p:clrMapOvr>
-    <a:masterClrMapping/>
-  </p:clrMapOvr>
-</p:sld>
-</file>
-
-<file path=ppt/slides/slide12.xml><?xml version="1.0" encoding="utf-8"?>
-<p:sld xmlns:a="http://schemas.openxmlformats.org/drawingml/2006/main" xmlns:r="http://schemas.openxmlformats.org/officeDocument/2006/relationships" xmlns:p="http://schemas.openxmlformats.org/presentationml/2006/main">
-  <p:cSld>
-    <p:spTree>
-      <p:nvGrpSpPr>
-        <p:cNvPr id="1" name=""/>
-        <p:cNvGrpSpPr/>
-        <p:nvPr/>
-      </p:nvGrpSpPr>
-      <p:grpSpPr>
-        <a:xfrm>
-          <a:off x="0" y="0"/>
-          <a:ext cx="0" cy="0"/>
-          <a:chOff x="0" y="0"/>
-          <a:chExt cx="0" cy="0"/>
-        </a:xfrm>
-      </p:grpSpPr>
-      <p:sp>
-        <p:nvSpPr>
-          <p:cNvPr id="2" name="Title 1">
-            <a:extLst>
-              <a:ext uri="{FF2B5EF4-FFF2-40B4-BE49-F238E27FC236}">
-                <a16:creationId xmlns:a16="http://schemas.microsoft.com/office/drawing/2014/main" id="{44E02765-9F1D-4D83-AEB0-5F1A62E1C466}"/>
-              </a:ext>
-            </a:extLst>
-          </p:cNvPr>
-          <p:cNvSpPr>
-            <a:spLocks noGrp="1"/>
-          </p:cNvSpPr>
-          <p:nvPr>
-            <p:ph type="title"/>
-          </p:nvPr>
-        </p:nvSpPr>
-        <p:spPr/>
-        <p:txBody>
-          <a:bodyPr/>
-          <a:lstStyle/>
-          <a:p>
-            <a:r>
-              <a:rPr lang="en-US" dirty="0"/>
-              <a:t>Further Research</a:t>
-            </a:r>
-          </a:p>
-        </p:txBody>
-      </p:sp>
-      <p:sp>
-        <p:nvSpPr>
-          <p:cNvPr id="3" name="Content Placeholder 2">
-            <a:extLst>
-              <a:ext uri="{FF2B5EF4-FFF2-40B4-BE49-F238E27FC236}">
-                <a16:creationId xmlns:a16="http://schemas.microsoft.com/office/drawing/2014/main" id="{B1FBA117-D3CF-4278-A2F6-6CE9FE339AAF}"/>
-              </a:ext>
-            </a:extLst>
-          </p:cNvPr>
-          <p:cNvSpPr>
-            <a:spLocks noGrp="1"/>
-          </p:cNvSpPr>
-          <p:nvPr>
-            <p:ph idx="1"/>
-          </p:nvPr>
-        </p:nvSpPr>
-        <p:spPr/>
-        <p:txBody>
-          <a:bodyPr/>
-          <a:lstStyle/>
-          <a:p>
-            <a:r>
-              <a:rPr lang="en-US" dirty="0"/>
-              <a:t>Success Factors by Category</a:t>
-            </a:r>
-          </a:p>
-          <a:p>
-            <a:r>
-              <a:rPr lang="en-US" dirty="0"/>
-              <a:t>Success Factors by Country</a:t>
-            </a:r>
-          </a:p>
-          <a:p>
-            <a:pPr marL="0" indent="0">
-              <a:buNone/>
-            </a:pPr>
-            <a:endParaRPr lang="en-US" dirty="0"/>
-          </a:p>
-          <a:p>
-            <a:endParaRPr lang="en-US" dirty="0"/>
-          </a:p>
-        </p:txBody>
-      </p:sp>
-    </p:spTree>
-    <p:extLst>
-      <p:ext uri="{BB962C8B-B14F-4D97-AF65-F5344CB8AC3E}">
-        <p14:creationId xmlns:p14="http://schemas.microsoft.com/office/powerpoint/2010/main" val="944811113"/>
-      </p:ext>
-    </p:extLst>
-  </p:cSld>
-  <p:clrMapOvr>
-    <a:masterClrMapping/>
-  </p:clrMapOvr>
-</p:sld>
-</file>
-
-<file path=ppt/slides/slide2.xml><?xml version="1.0" encoding="utf-8"?>
-<p:sld xmlns:a="http://schemas.openxmlformats.org/drawingml/2006/main" xmlns:r="http://schemas.openxmlformats.org/officeDocument/2006/relationships" xmlns:p="http://schemas.openxmlformats.org/presentationml/2006/main">
-  <p:cSld>
-    <p:spTree>
-      <p:nvGrpSpPr>
-        <p:cNvPr id="1" name=""/>
-        <p:cNvGrpSpPr/>
-        <p:nvPr/>
-      </p:nvGrpSpPr>
-      <p:grpSpPr>
-        <a:xfrm>
-          <a:off x="0" y="0"/>
-          <a:ext cx="0" cy="0"/>
-          <a:chOff x="0" y="0"/>
-          <a:chExt cx="0" cy="0"/>
-        </a:xfrm>
-      </p:grpSpPr>
-      <p:sp>
-        <p:nvSpPr>
-          <p:cNvPr id="2" name="Title 1">
-            <a:extLst>
-              <a:ext uri="{FF2B5EF4-FFF2-40B4-BE49-F238E27FC236}">
-                <a16:creationId xmlns:a16="http://schemas.microsoft.com/office/drawing/2014/main" id="{105E6FFF-CB78-430B-B44E-4D7F83CA0978}"/>
-              </a:ext>
-            </a:extLst>
-          </p:cNvPr>
-          <p:cNvSpPr>
-            <a:spLocks noGrp="1"/>
-          </p:cNvSpPr>
-          <p:nvPr>
-            <p:ph type="title"/>
-          </p:nvPr>
-        </p:nvSpPr>
-        <p:spPr/>
-        <p:txBody>
-          <a:bodyPr/>
-          <a:lstStyle/>
-          <a:p>
-            <a:r>
-              <a:rPr lang="en-US" b="1" dirty="0">
-                <a:solidFill>
-                  <a:srgbClr val="3DCB7A"/>
-                </a:solidFill>
-                <a:latin typeface="Segoe UI Semilight" panose="020B0402040204020203" pitchFamily="34" charset="0"/>
-                <a:cs typeface="Segoe UI Semilight" panose="020B0402040204020203" pitchFamily="34" charset="0"/>
-              </a:rPr>
-              <a:t>Agenda:</a:t>
-            </a:r>
-          </a:p>
-        </p:txBody>
-      </p:sp>
-      <p:sp>
-        <p:nvSpPr>
-          <p:cNvPr id="3" name="Content Placeholder 2">
-            <a:extLst>
-              <a:ext uri="{FF2B5EF4-FFF2-40B4-BE49-F238E27FC236}">
-                <a16:creationId xmlns:a16="http://schemas.microsoft.com/office/drawing/2014/main" id="{B8674DD3-9302-49B3-9FD3-0820573CED62}"/>
-              </a:ext>
-            </a:extLst>
-          </p:cNvPr>
-          <p:cNvSpPr>
-            <a:spLocks noGrp="1"/>
-          </p:cNvSpPr>
-          <p:nvPr>
-            <p:ph idx="1"/>
-          </p:nvPr>
-        </p:nvSpPr>
-        <p:spPr/>
-        <p:txBody>
-          <a:bodyPr/>
-          <a:lstStyle/>
-          <a:p>
-            <a:r>
-              <a:rPr lang="en-US" dirty="0">
-                <a:latin typeface="Segoe UI Semilight" panose="020B0402040204020203" pitchFamily="34" charset="0"/>
-                <a:cs typeface="Segoe UI Semilight" panose="020B0402040204020203" pitchFamily="34" charset="0"/>
-              </a:rPr>
-              <a:t>About Data</a:t>
-            </a:r>
-          </a:p>
-          <a:p>
-            <a:r>
-              <a:rPr lang="en-US" dirty="0" err="1">
-                <a:latin typeface="Segoe UI Semilight" panose="020B0402040204020203" pitchFamily="34" charset="0"/>
-                <a:cs typeface="Segoe UI Semilight" panose="020B0402040204020203" pitchFamily="34" charset="0"/>
-              </a:rPr>
-              <a:t>Bussiness</a:t>
-            </a:r>
-            <a:r>
-              <a:rPr lang="en-US" dirty="0">
-                <a:latin typeface="Segoe UI Semilight" panose="020B0402040204020203" pitchFamily="34" charset="0"/>
-                <a:cs typeface="Segoe UI Semilight" panose="020B0402040204020203" pitchFamily="34" charset="0"/>
-              </a:rPr>
-              <a:t> Questions &amp; Findings</a:t>
-            </a:r>
-          </a:p>
-          <a:p>
-            <a:r>
-              <a:rPr lang="en-US" dirty="0">
-                <a:latin typeface="Segoe UI Semilight" panose="020B0402040204020203" pitchFamily="34" charset="0"/>
-                <a:cs typeface="Segoe UI Semilight" panose="020B0402040204020203" pitchFamily="34" charset="0"/>
-              </a:rPr>
-              <a:t>Further Research</a:t>
-            </a:r>
-          </a:p>
-        </p:txBody>
-      </p:sp>
-    </p:spTree>
-    <p:extLst>
-      <p:ext uri="{BB962C8B-B14F-4D97-AF65-F5344CB8AC3E}">
-        <p14:creationId xmlns:p14="http://schemas.microsoft.com/office/powerpoint/2010/main" val="986383546"/>
-      </p:ext>
-    </p:extLst>
-  </p:cSld>
-  <p:clrMapOvr>
-    <a:masterClrMapping/>
-  </p:clrMapOvr>
-</p:sld>
-</file>
-
-<file path=ppt/slides/slide3.xml><?xml version="1.0" encoding="utf-8"?>
-<p:sld xmlns:a="http://schemas.openxmlformats.org/drawingml/2006/main" xmlns:r="http://schemas.openxmlformats.org/officeDocument/2006/relationships" xmlns:p="http://schemas.openxmlformats.org/presentationml/2006/main">
-  <p:cSld>
-    <p:spTree>
-      <p:nvGrpSpPr>
-        <p:cNvPr id="1" name=""/>
-        <p:cNvGrpSpPr/>
-        <p:nvPr/>
-      </p:nvGrpSpPr>
-      <p:grpSpPr>
-        <a:xfrm>
-          <a:off x="0" y="0"/>
-          <a:ext cx="0" cy="0"/>
-          <a:chOff x="0" y="0"/>
-          <a:chExt cx="0" cy="0"/>
-        </a:xfrm>
-      </p:grpSpPr>
-      <p:pic>
-        <p:nvPicPr>
-          <p:cNvPr id="7170" name="Picture 2" descr="funnel icon ile ilgili gÃ¶rsel sonucu">
-            <a:extLst>
-              <a:ext uri="{FF2B5EF4-FFF2-40B4-BE49-F238E27FC236}">
-                <a16:creationId xmlns:a16="http://schemas.microsoft.com/office/drawing/2014/main" id="{F65C14AF-CA61-45B1-B252-B17512A54937}"/>
-              </a:ext>
-            </a:extLst>
-          </p:cNvPr>
-          <p:cNvPicPr>
-            <a:picLocks noChangeAspect="1" noChangeArrowheads="1"/>
-          </p:cNvPicPr>
-          <p:nvPr/>
-        </p:nvPicPr>
-        <p:blipFill>
-          <a:blip r:embed="rId3">
-            <a:extLst>
-              <a:ext uri="{28A0092B-C50C-407E-A947-70E740481C1C}">
-                <a14:useLocalDpi xmlns:a14="http://schemas.microsoft.com/office/drawing/2010/main" val="0"/>
-              </a:ext>
-            </a:extLst>
-          </a:blip>
-          <a:srcRect/>
-          <a:stretch>
-            <a:fillRect/>
-          </a:stretch>
-        </p:blipFill>
-        <p:spPr bwMode="auto">
-          <a:xfrm>
-            <a:off x="2942139" y="752365"/>
-            <a:ext cx="5666290" cy="5666290"/>
-          </a:xfrm>
-          <a:prstGeom prst="rect">
-            <a:avLst/>
-          </a:prstGeom>
-          <a:noFill/>
-          <a:extLst>
-            <a:ext uri="{909E8E84-426E-40DD-AFC4-6F175D3DCCD1}">
-              <a14:hiddenFill xmlns:a14="http://schemas.microsoft.com/office/drawing/2010/main">
-                <a:solidFill>
-                  <a:srgbClr val="FFFFFF"/>
-                </a:solidFill>
-              </a14:hiddenFill>
-            </a:ext>
-          </a:extLst>
-        </p:spPr>
-      </p:pic>
-      <p:pic>
-        <p:nvPicPr>
-          <p:cNvPr id="5" name="Picture 2" descr="KICKSTARTER LOGO ile ilgili gÃ¶rsel sonucu">
-            <a:extLst>
-              <a:ext uri="{FF2B5EF4-FFF2-40B4-BE49-F238E27FC236}">
-                <a16:creationId xmlns:a16="http://schemas.microsoft.com/office/drawing/2014/main" id="{0FC1C3B0-1464-433D-87D1-EF92F9103E12}"/>
-              </a:ext>
-            </a:extLst>
-          </p:cNvPr>
-          <p:cNvPicPr>
-            <a:picLocks noChangeAspect="1" noChangeArrowheads="1"/>
-          </p:cNvPicPr>
-          <p:nvPr/>
-        </p:nvPicPr>
-        <p:blipFill>
-          <a:blip r:embed="rId4">
-            <a:extLst>
-              <a:ext uri="{28A0092B-C50C-407E-A947-70E740481C1C}">
-                <a14:useLocalDpi xmlns:a14="http://schemas.microsoft.com/office/drawing/2010/main" val="0"/>
-              </a:ext>
-            </a:extLst>
-          </a:blip>
-          <a:stretch>
-            <a:fillRect/>
-          </a:stretch>
-        </p:blipFill>
-        <p:spPr bwMode="auto">
-          <a:xfrm>
-            <a:off x="3491142" y="405115"/>
-            <a:ext cx="4464518" cy="520860"/>
-          </a:xfrm>
-          <a:prstGeom prst="rect">
-            <a:avLst/>
-          </a:prstGeom>
-          <a:noFill/>
-          <a:extLst>
-            <a:ext uri="{909E8E84-426E-40DD-AFC4-6F175D3DCCD1}">
-              <a14:hiddenFill xmlns:a14="http://schemas.microsoft.com/office/drawing/2010/main">
-                <a:solidFill>
-                  <a:srgbClr val="FFFFFF"/>
-                </a:solidFill>
-              </a14:hiddenFill>
-            </a:ext>
-          </a:extLst>
-        </p:spPr>
-      </p:pic>
-      <p:sp>
-        <p:nvSpPr>
-          <p:cNvPr id="4" name="TextBox 3">
-            <a:extLst>
-              <a:ext uri="{FF2B5EF4-FFF2-40B4-BE49-F238E27FC236}">
-                <a16:creationId xmlns:a16="http://schemas.microsoft.com/office/drawing/2014/main" id="{37DC5D5B-7FAD-4305-9046-43DB72F76A2E}"/>
-              </a:ext>
-            </a:extLst>
-          </p:cNvPr>
-          <p:cNvSpPr txBox="1"/>
-          <p:nvPr/>
-        </p:nvSpPr>
-        <p:spPr>
-          <a:xfrm>
-            <a:off x="636607" y="1614009"/>
-            <a:ext cx="3217762" cy="523220"/>
-          </a:xfrm>
-          <a:prstGeom prst="rect">
-            <a:avLst/>
-          </a:prstGeom>
-          <a:noFill/>
-        </p:spPr>
-        <p:txBody>
-          <a:bodyPr wrap="square" rtlCol="0">
-            <a:spAutoFit/>
-          </a:bodyPr>
-          <a:lstStyle/>
-          <a:p>
-            <a:r>
-              <a:rPr lang="en-US" sz="2800" b="1" dirty="0">
-                <a:latin typeface="Segoe UI Semilight" panose="020B0402040204020203" pitchFamily="34" charset="0"/>
-                <a:cs typeface="Segoe UI Semilight" panose="020B0402040204020203" pitchFamily="34" charset="0"/>
-              </a:rPr>
-              <a:t>&gt; 400.000 Projects</a:t>
-            </a:r>
-          </a:p>
-        </p:txBody>
-      </p:sp>
-      <p:sp>
-        <p:nvSpPr>
-          <p:cNvPr id="7" name="TextBox 6">
-            <a:extLst>
-              <a:ext uri="{FF2B5EF4-FFF2-40B4-BE49-F238E27FC236}">
-                <a16:creationId xmlns:a16="http://schemas.microsoft.com/office/drawing/2014/main" id="{A7BE73E3-335C-4780-A4D6-0946BAD1FD7C}"/>
-              </a:ext>
-            </a:extLst>
-          </p:cNvPr>
-          <p:cNvSpPr txBox="1"/>
-          <p:nvPr/>
-        </p:nvSpPr>
-        <p:spPr>
-          <a:xfrm>
-            <a:off x="7436048" y="2331897"/>
-            <a:ext cx="4242808" cy="954107"/>
-          </a:xfrm>
-          <a:prstGeom prst="rect">
-            <a:avLst/>
-          </a:prstGeom>
-          <a:noFill/>
-        </p:spPr>
-        <p:txBody>
-          <a:bodyPr wrap="square" rtlCol="0">
-            <a:spAutoFit/>
-          </a:bodyPr>
-          <a:lstStyle/>
-          <a:p>
-            <a:r>
-              <a:rPr lang="en-US" sz="2800" b="1" dirty="0">
-                <a:latin typeface="Segoe UI Semilight" panose="020B0402040204020203" pitchFamily="34" charset="0"/>
-                <a:cs typeface="Segoe UI Semilight" panose="020B0402040204020203" pitchFamily="34" charset="0"/>
-              </a:rPr>
-              <a:t>Data on</a:t>
-            </a:r>
-          </a:p>
-          <a:p>
-            <a:r>
-              <a:rPr lang="en-US" sz="2800" b="1" dirty="0">
-                <a:latin typeface="Segoe UI Semilight" panose="020B0402040204020203" pitchFamily="34" charset="0"/>
-                <a:cs typeface="Segoe UI Semilight" panose="020B0402040204020203" pitchFamily="34" charset="0"/>
-              </a:rPr>
-              <a:t>5.000 Projects Scraped</a:t>
-            </a:r>
-          </a:p>
-        </p:txBody>
-      </p:sp>
-      <p:sp>
-        <p:nvSpPr>
-          <p:cNvPr id="8" name="TextBox 7">
-            <a:extLst>
-              <a:ext uri="{FF2B5EF4-FFF2-40B4-BE49-F238E27FC236}">
-                <a16:creationId xmlns:a16="http://schemas.microsoft.com/office/drawing/2014/main" id="{E373A707-AA8A-4B0C-9AEB-C0C467DC3FF0}"/>
-              </a:ext>
-            </a:extLst>
-          </p:cNvPr>
-          <p:cNvSpPr txBox="1"/>
-          <p:nvPr/>
-        </p:nvSpPr>
-        <p:spPr>
-          <a:xfrm>
-            <a:off x="3018749" y="3871644"/>
-            <a:ext cx="3217762" cy="523220"/>
-          </a:xfrm>
-          <a:prstGeom prst="rect">
-            <a:avLst/>
-          </a:prstGeom>
-          <a:noFill/>
-        </p:spPr>
-        <p:txBody>
-          <a:bodyPr wrap="square" rtlCol="0">
-            <a:spAutoFit/>
-          </a:bodyPr>
-          <a:lstStyle/>
-          <a:p>
-            <a:r>
-              <a:rPr lang="en-US" sz="2800" b="1" dirty="0">
-                <a:latin typeface="Segoe UI Semilight" panose="020B0402040204020203" pitchFamily="34" charset="0"/>
-                <a:cs typeface="Segoe UI Semilight" panose="020B0402040204020203" pitchFamily="34" charset="0"/>
-              </a:rPr>
-              <a:t>28 attributes</a:t>
-            </a:r>
-          </a:p>
-        </p:txBody>
-      </p:sp>
-      <p:sp>
-        <p:nvSpPr>
-          <p:cNvPr id="9" name="TextBox 8">
-            <a:extLst>
-              <a:ext uri="{FF2B5EF4-FFF2-40B4-BE49-F238E27FC236}">
-                <a16:creationId xmlns:a16="http://schemas.microsoft.com/office/drawing/2014/main" id="{F3829CDA-3A70-4746-9A8F-8A44E9439FB3}"/>
-              </a:ext>
-            </a:extLst>
-          </p:cNvPr>
-          <p:cNvSpPr txBox="1"/>
-          <p:nvPr/>
-        </p:nvSpPr>
-        <p:spPr>
-          <a:xfrm>
-            <a:off x="6639730" y="4893301"/>
-            <a:ext cx="3217762" cy="523220"/>
-          </a:xfrm>
-          <a:prstGeom prst="rect">
-            <a:avLst/>
-          </a:prstGeom>
-          <a:noFill/>
-        </p:spPr>
-        <p:txBody>
-          <a:bodyPr wrap="square" rtlCol="0">
-            <a:spAutoFit/>
-          </a:bodyPr>
-          <a:lstStyle/>
-          <a:p>
-            <a:r>
-              <a:rPr lang="en-US" sz="2800" b="1" dirty="0">
-                <a:latin typeface="Segoe UI Semilight" panose="020B0402040204020203" pitchFamily="34" charset="0"/>
-                <a:cs typeface="Segoe UI Semilight" panose="020B0402040204020203" pitchFamily="34" charset="0"/>
-              </a:rPr>
-              <a:t>US Only!</a:t>
-            </a:r>
-          </a:p>
-        </p:txBody>
-      </p:sp>
-    </p:spTree>
-    <p:extLst>
-      <p:ext uri="{BB962C8B-B14F-4D97-AF65-F5344CB8AC3E}">
-        <p14:creationId xmlns:p14="http://schemas.microsoft.com/office/powerpoint/2010/main" val="3173549134"/>
-      </p:ext>
-    </p:extLst>
-  </p:cSld>
-  <p:clrMapOvr>
-    <a:masterClrMapping/>
-  </p:clrMapOvr>
-  <p:timing>
-    <p:tnLst>
-      <p:par>
-        <p:cTn id="1" dur="indefinite" restart="never" nodeType="tmRoot">
-          <p:childTnLst>
-            <p:seq concurrent="1" nextAc="seek">
-              <p:cTn id="2" dur="indefinite" nodeType="mainSeq">
-                <p:childTnLst>
-                  <p:par>
-                    <p:cTn id="3" fill="hold">
-                      <p:stCondLst>
-                        <p:cond delay="indefinite"/>
-                      </p:stCondLst>
-                      <p:childTnLst>
-                        <p:par>
-                          <p:cTn id="4" fill="hold">
-                            <p:stCondLst>
-                              <p:cond delay="0"/>
-                            </p:stCondLst>
-                            <p:childTnLst>
-                              <p:par>
-                                <p:cTn id="5" presetID="1" presetClass="entr" presetSubtype="0" fill="hold" grpId="0" nodeType="clickEffect">
-                                  <p:stCondLst>
-                                    <p:cond delay="0"/>
-                                  </p:stCondLst>
-                                  <p:childTnLst>
-                                    <p:set>
-                                      <p:cBhvr>
-                                        <p:cTn id="6" dur="1" fill="hold">
-                                          <p:stCondLst>
-                                            <p:cond delay="0"/>
-                                          </p:stCondLst>
-                                        </p:cTn>
-                                        <p:tgtEl>
-                                          <p:spTgt spid="4"/>
-                                        </p:tgtEl>
-                                        <p:attrNameLst>
-                                          <p:attrName>style.visibility</p:attrName>
-                                        </p:attrNameLst>
-                                      </p:cBhvr>
-                                      <p:to>
-                                        <p:strVal val="visible"/>
-                                      </p:to>
-                                    </p:set>
-                                  </p:childTnLst>
-                                </p:cTn>
-                              </p:par>
-                            </p:childTnLst>
-                          </p:cTn>
-                        </p:par>
-                      </p:childTnLst>
-                    </p:cTn>
-                  </p:par>
-                  <p:par>
-                    <p:cTn id="7" fill="hold">
-                      <p:stCondLst>
-                        <p:cond delay="indefinite"/>
-                      </p:stCondLst>
-                      <p:childTnLst>
-                        <p:par>
-                          <p:cTn id="8" fill="hold">
-                            <p:stCondLst>
-                              <p:cond delay="0"/>
-                            </p:stCondLst>
-                            <p:childTnLst>
-                              <p:par>
-                                <p:cTn id="9" presetID="1" presetClass="entr" presetSubtype="0" fill="hold" grpId="0" nodeType="clickEffect">
-                                  <p:stCondLst>
-                                    <p:cond delay="0"/>
-                                  </p:stCondLst>
-                                  <p:childTnLst>
-                                    <p:set>
-                                      <p:cBhvr>
-                                        <p:cTn id="10" dur="1" fill="hold">
-                                          <p:stCondLst>
-                                            <p:cond delay="0"/>
-                                          </p:stCondLst>
-                                        </p:cTn>
-                                        <p:tgtEl>
-                                          <p:spTgt spid="7"/>
-                                        </p:tgtEl>
-                                        <p:attrNameLst>
-                                          <p:attrName>style.visibility</p:attrName>
-                                        </p:attrNameLst>
-                                      </p:cBhvr>
-                                      <p:to>
-                                        <p:strVal val="visible"/>
-                                      </p:to>
-                                    </p:set>
-                                  </p:childTnLst>
-                                </p:cTn>
-                              </p:par>
-                            </p:childTnLst>
-                          </p:cTn>
-                        </p:par>
-                      </p:childTnLst>
-                    </p:cTn>
-                  </p:par>
-                  <p:par>
-                    <p:cTn id="11" fill="hold">
-                      <p:stCondLst>
-                        <p:cond delay="indefinite"/>
-                      </p:stCondLst>
-                      <p:childTnLst>
-                        <p:par>
-                          <p:cTn id="12" fill="hold">
-                            <p:stCondLst>
-                              <p:cond delay="0"/>
-                            </p:stCondLst>
-                            <p:childTnLst>
-                              <p:par>
-                                <p:cTn id="13" presetID="1" presetClass="entr" presetSubtype="0" fill="hold" grpId="0" nodeType="clickEffect">
-                                  <p:stCondLst>
-                                    <p:cond delay="0"/>
-                                  </p:stCondLst>
-                                  <p:childTnLst>
-                                    <p:set>
-                                      <p:cBhvr>
-                                        <p:cTn id="14" dur="1" fill="hold">
-                                          <p:stCondLst>
-                                            <p:cond delay="0"/>
-                                          </p:stCondLst>
-                                        </p:cTn>
-                                        <p:tgtEl>
-                                          <p:spTgt spid="8"/>
-                                        </p:tgtEl>
-                                        <p:attrNameLst>
-                                          <p:attrName>style.visibility</p:attrName>
-                                        </p:attrNameLst>
-                                      </p:cBhvr>
-                                      <p:to>
-                                        <p:strVal val="visible"/>
-                                      </p:to>
-                                    </p:set>
-                                  </p:childTnLst>
-                                </p:cTn>
-                              </p:par>
-                            </p:childTnLst>
-                          </p:cTn>
-                        </p:par>
-                      </p:childTnLst>
-                    </p:cTn>
-                  </p:par>
-                  <p:par>
-                    <p:cTn id="15" fill="hold">
-                      <p:stCondLst>
-                        <p:cond delay="indefinite"/>
-                      </p:stCondLst>
-                      <p:childTnLst>
-                        <p:par>
-                          <p:cTn id="16" fill="hold">
-                            <p:stCondLst>
-                              <p:cond delay="0"/>
-                            </p:stCondLst>
-                            <p:childTnLst>
-                              <p:par>
-                                <p:cTn id="17" presetID="1" presetClass="entr" presetSubtype="0" fill="hold" grpId="0" nodeType="clickEffect">
-                                  <p:stCondLst>
-                                    <p:cond delay="0"/>
-                                  </p:stCondLst>
-                                  <p:childTnLst>
-                                    <p:set>
-                                      <p:cBhvr>
-                                        <p:cTn id="18" dur="1" fill="hold">
-                                          <p:stCondLst>
-                                            <p:cond delay="0"/>
-                                          </p:stCondLst>
-                                        </p:cTn>
-                                        <p:tgtEl>
-                                          <p:spTgt spid="9"/>
-                                        </p:tgtEl>
-                                        <p:attrNameLst>
-                                          <p:attrName>style.visibility</p:attrName>
-                                        </p:attrNameLst>
-                                      </p:cBhvr>
-                                      <p:to>
-                                        <p:strVal val="visible"/>
-                                      </p:to>
-                                    </p:set>
-                                  </p:childTnLst>
-                                </p:cTn>
-                              </p:par>
-                            </p:childTnLst>
-                          </p:cTn>
-                        </p:par>
-                      </p:childTnLst>
-                    </p:cTn>
-                  </p:par>
-                </p:childTnLst>
-              </p:cTn>
-              <p:prevCondLst>
-                <p:cond evt="onPrev" delay="0">
-                  <p:tgtEl>
-                    <p:sldTgt/>
-                  </p:tgtEl>
-                </p:cond>
-              </p:prevCondLst>
-              <p:nextCondLst>
-                <p:cond evt="onNext" delay="0">
-                  <p:tgtEl>
-                    <p:sldTgt/>
-                  </p:tgtEl>
-                </p:cond>
-              </p:nextCondLst>
-            </p:seq>
-          </p:childTnLst>
-        </p:cTn>
-      </p:par>
-    </p:tnLst>
-    <p:bldLst>
-      <p:bldP spid="4" grpId="0"/>
-      <p:bldP spid="7" grpId="0"/>
-      <p:bldP spid="8" grpId="0"/>
-      <p:bldP spid="9" grpId="0"/>
-    </p:bldLst>
-  </p:timing>
-</p:sld>
-</file>
-
-<file path=ppt/slides/slide4.xml><?xml version="1.0" encoding="utf-8"?>
-<p:sld xmlns:a="http://schemas.openxmlformats.org/drawingml/2006/main" xmlns:r="http://schemas.openxmlformats.org/officeDocument/2006/relationships" xmlns:p="http://schemas.openxmlformats.org/presentationml/2006/main">
-  <p:cSld>
-    <p:spTree>
-      <p:nvGrpSpPr>
-        <p:cNvPr id="1" name=""/>
-        <p:cNvGrpSpPr/>
-        <p:nvPr/>
-      </p:nvGrpSpPr>
-      <p:grpSpPr>
-        <a:xfrm>
-          <a:off x="0" y="0"/>
-          <a:ext cx="0" cy="0"/>
-          <a:chOff x="0" y="0"/>
-          <a:chExt cx="0" cy="0"/>
-        </a:xfrm>
-      </p:grpSpPr>
-      <p:sp>
-        <p:nvSpPr>
-          <p:cNvPr id="4" name="Rectangle 3">
-            <a:extLst>
-              <a:ext uri="{FF2B5EF4-FFF2-40B4-BE49-F238E27FC236}">
-                <a16:creationId xmlns:a16="http://schemas.microsoft.com/office/drawing/2014/main" id="{5B8585AF-D35C-4BC3-9721-D82BD7E87614}"/>
-              </a:ext>
-            </a:extLst>
-          </p:cNvPr>
-          <p:cNvSpPr/>
-          <p:nvPr/>
-        </p:nvSpPr>
-        <p:spPr>
-          <a:xfrm>
-            <a:off x="0" y="277792"/>
-            <a:ext cx="9155575" cy="879676"/>
-          </a:xfrm>
-          <a:prstGeom prst="rect">
-            <a:avLst/>
-          </a:prstGeom>
-          <a:solidFill>
-            <a:srgbClr val="3DCB7A"/>
-          </a:solidFill>
-          <a:ln>
-            <a:noFill/>
-          </a:ln>
-        </p:spPr>
-        <p:style>
-          <a:lnRef idx="2">
-            <a:schemeClr val="accent1">
-              <a:shade val="50000"/>
-            </a:schemeClr>
-          </a:lnRef>
-          <a:fillRef idx="1">
-            <a:schemeClr val="accent1"/>
-          </a:fillRef>
-          <a:effectRef idx="0">
-            <a:schemeClr val="accent1"/>
-          </a:effectRef>
-          <a:fontRef idx="minor">
-            <a:schemeClr val="lt1"/>
-          </a:fontRef>
-        </p:style>
-        <p:txBody>
-          <a:bodyPr rtlCol="0" anchor="ctr"/>
-          <a:lstStyle/>
-          <a:p>
-            <a:pPr algn="ctr"/>
-            <a:endParaRPr lang="en-US"/>
-          </a:p>
-        </p:txBody>
-      </p:sp>
-      <p:pic>
-        <p:nvPicPr>
-          <p:cNvPr id="2050" name="Picture 2" descr="KICKSTARTER LOGO ile ilgili gÃ¶rsel sonucu">
-            <a:extLst>
-              <a:ext uri="{FF2B5EF4-FFF2-40B4-BE49-F238E27FC236}">
-                <a16:creationId xmlns:a16="http://schemas.microsoft.com/office/drawing/2014/main" id="{C78AC231-75AE-435D-9C4A-9D87556C21D1}"/>
-              </a:ext>
-            </a:extLst>
-          </p:cNvPr>
-          <p:cNvPicPr>
-            <a:picLocks noChangeAspect="1" noChangeArrowheads="1"/>
-          </p:cNvPicPr>
-          <p:nvPr/>
-        </p:nvPicPr>
-        <p:blipFill>
-          <a:blip r:embed="rId3">
-            <a:extLst>
-              <a:ext uri="{28A0092B-C50C-407E-A947-70E740481C1C}">
-                <a14:useLocalDpi xmlns:a14="http://schemas.microsoft.com/office/drawing/2010/main" val="0"/>
-              </a:ext>
-            </a:extLst>
-          </a:blip>
-          <a:srcRect/>
-          <a:stretch>
-            <a:fillRect/>
-          </a:stretch>
-        </p:blipFill>
-        <p:spPr bwMode="auto">
-          <a:xfrm>
-            <a:off x="312516" y="410382"/>
-            <a:ext cx="5783484" cy="614495"/>
-          </a:xfrm>
-          <a:prstGeom prst="rect">
-            <a:avLst/>
-          </a:prstGeom>
-          <a:noFill/>
-          <a:extLst>
-            <a:ext uri="{909E8E84-426E-40DD-AFC4-6F175D3DCCD1}">
-              <a14:hiddenFill xmlns:a14="http://schemas.microsoft.com/office/drawing/2010/main">
-                <a:solidFill>
-                  <a:srgbClr val="FFFFFF"/>
-                </a:solidFill>
-              </a14:hiddenFill>
-            </a:ext>
-          </a:extLst>
-        </p:spPr>
-      </p:pic>
-      <p:sp>
-        <p:nvSpPr>
-          <p:cNvPr id="5" name="Rectangle 4">
-            <a:extLst>
-              <a:ext uri="{FF2B5EF4-FFF2-40B4-BE49-F238E27FC236}">
-                <a16:creationId xmlns:a16="http://schemas.microsoft.com/office/drawing/2014/main" id="{B57184B1-DF21-403A-8646-EF12A51B8945}"/>
-              </a:ext>
-            </a:extLst>
-          </p:cNvPr>
-          <p:cNvSpPr/>
-          <p:nvPr/>
-        </p:nvSpPr>
-        <p:spPr>
-          <a:xfrm>
-            <a:off x="6267011" y="520856"/>
-            <a:ext cx="2539413" cy="646331"/>
-          </a:xfrm>
-          <a:prstGeom prst="rect">
-            <a:avLst/>
-          </a:prstGeom>
-        </p:spPr>
-        <p:txBody>
-          <a:bodyPr wrap="none">
-            <a:spAutoFit/>
-          </a:bodyPr>
-          <a:lstStyle/>
-          <a:p>
-            <a:r>
-              <a:rPr lang="en-US" sz="3600" b="1" dirty="0">
-                <a:latin typeface="Segoe UI Semilight" panose="020B0402040204020203" pitchFamily="34" charset="0"/>
-                <a:cs typeface="Segoe UI Semilight" panose="020B0402040204020203" pitchFamily="34" charset="0"/>
-              </a:rPr>
-              <a:t>by numbers</a:t>
-            </a:r>
-            <a:endParaRPr lang="en-US" sz="3600" dirty="0"/>
-          </a:p>
-        </p:txBody>
-      </p:sp>
-      <p:pic>
-        <p:nvPicPr>
-          <p:cNvPr id="10" name="Picture 9">
-            <a:extLst>
-              <a:ext uri="{FF2B5EF4-FFF2-40B4-BE49-F238E27FC236}">
-                <a16:creationId xmlns:a16="http://schemas.microsoft.com/office/drawing/2014/main" id="{90706A7A-FA49-404A-874E-80921F64DFDD}"/>
-              </a:ext>
-            </a:extLst>
-          </p:cNvPr>
-          <p:cNvPicPr>
-            <a:picLocks noChangeAspect="1"/>
-          </p:cNvPicPr>
-          <p:nvPr/>
-        </p:nvPicPr>
-        <p:blipFill>
-          <a:blip r:embed="rId4">
-            <a:extLst>
-              <a:ext uri="{28A0092B-C50C-407E-A947-70E740481C1C}">
-                <a14:useLocalDpi xmlns:a14="http://schemas.microsoft.com/office/drawing/2010/main" val="0"/>
-              </a:ext>
-            </a:extLst>
-          </a:blip>
-          <a:stretch>
-            <a:fillRect/>
-          </a:stretch>
-        </p:blipFill>
-        <p:spPr>
-          <a:xfrm>
-            <a:off x="567159" y="1514426"/>
-            <a:ext cx="10893694" cy="4782205"/>
-          </a:xfrm>
-          <a:prstGeom prst="rect">
-            <a:avLst/>
-          </a:prstGeom>
-        </p:spPr>
-      </p:pic>
-      <p:pic>
-        <p:nvPicPr>
-          <p:cNvPr id="2060" name="Picture 12" descr="Ä°lgili resim">
-            <a:extLst>
-              <a:ext uri="{FF2B5EF4-FFF2-40B4-BE49-F238E27FC236}">
-                <a16:creationId xmlns:a16="http://schemas.microsoft.com/office/drawing/2014/main" id="{11CA7C90-3B8F-4B4F-88BD-3B8CF4E0B4B9}"/>
-              </a:ext>
-            </a:extLst>
-          </p:cNvPr>
-          <p:cNvPicPr>
-            <a:picLocks noChangeAspect="1" noChangeArrowheads="1"/>
-          </p:cNvPicPr>
-          <p:nvPr/>
-        </p:nvPicPr>
-        <p:blipFill>
-          <a:blip r:embed="rId5">
-            <a:extLst>
-              <a:ext uri="{28A0092B-C50C-407E-A947-70E740481C1C}">
-                <a14:useLocalDpi xmlns:a14="http://schemas.microsoft.com/office/drawing/2010/main" val="0"/>
-              </a:ext>
-            </a:extLst>
-          </a:blip>
-          <a:srcRect/>
-          <a:stretch>
-            <a:fillRect/>
-          </a:stretch>
-        </p:blipFill>
-        <p:spPr bwMode="auto">
-          <a:xfrm>
-            <a:off x="2903316" y="2779853"/>
-            <a:ext cx="649147" cy="649147"/>
-          </a:xfrm>
-          <a:prstGeom prst="rect">
-            <a:avLst/>
-          </a:prstGeom>
-          <a:noFill/>
-          <a:extLst>
-            <a:ext uri="{909E8E84-426E-40DD-AFC4-6F175D3DCCD1}">
-              <a14:hiddenFill xmlns:a14="http://schemas.microsoft.com/office/drawing/2010/main">
-                <a:solidFill>
-                  <a:srgbClr val="FFFFFF"/>
-                </a:solidFill>
-              </a14:hiddenFill>
-            </a:ext>
-          </a:extLst>
-        </p:spPr>
-      </p:pic>
-      <p:pic>
-        <p:nvPicPr>
-          <p:cNvPr id="14" name="Picture 10" descr="Ä°lgili resim">
-            <a:extLst>
-              <a:ext uri="{FF2B5EF4-FFF2-40B4-BE49-F238E27FC236}">
-                <a16:creationId xmlns:a16="http://schemas.microsoft.com/office/drawing/2014/main" id="{87A5E93C-30AB-43DD-9A50-3ED1D96CAAE1}"/>
-              </a:ext>
-            </a:extLst>
-          </p:cNvPr>
-          <p:cNvPicPr>
-            <a:picLocks noChangeAspect="1" noChangeArrowheads="1"/>
-          </p:cNvPicPr>
-          <p:nvPr/>
-        </p:nvPicPr>
-        <p:blipFill>
-          <a:blip r:embed="rId6">
-            <a:extLst>
-              <a:ext uri="{28A0092B-C50C-407E-A947-70E740481C1C}">
-                <a14:useLocalDpi xmlns:a14="http://schemas.microsoft.com/office/drawing/2010/main" val="0"/>
-              </a:ext>
-            </a:extLst>
-          </a:blip>
-          <a:srcRect/>
-          <a:stretch>
-            <a:fillRect/>
-          </a:stretch>
-        </p:blipFill>
-        <p:spPr bwMode="auto">
-          <a:xfrm>
-            <a:off x="2015168" y="2180488"/>
-            <a:ext cx="599365" cy="599365"/>
-          </a:xfrm>
-          <a:prstGeom prst="rect">
-            <a:avLst/>
-          </a:prstGeom>
-          <a:noFill/>
-          <a:extLst>
-            <a:ext uri="{909E8E84-426E-40DD-AFC4-6F175D3DCCD1}">
-              <a14:hiddenFill xmlns:a14="http://schemas.microsoft.com/office/drawing/2010/main">
-                <a:solidFill>
-                  <a:srgbClr val="FFFFFF"/>
-                </a:solidFill>
-              </a14:hiddenFill>
-            </a:ext>
-          </a:extLst>
-        </p:spPr>
-      </p:pic>
-      <p:pic>
-        <p:nvPicPr>
-          <p:cNvPr id="2062" name="Picture 14" descr="animation icon png ile ilgili gÃ¶rsel sonucu">
-            <a:extLst>
-              <a:ext uri="{FF2B5EF4-FFF2-40B4-BE49-F238E27FC236}">
-                <a16:creationId xmlns:a16="http://schemas.microsoft.com/office/drawing/2014/main" id="{BA7C0899-B11C-484D-BC21-73F2D3EEAB01}"/>
-              </a:ext>
-            </a:extLst>
-          </p:cNvPr>
-          <p:cNvPicPr>
-            <a:picLocks noChangeAspect="1" noChangeArrowheads="1"/>
-          </p:cNvPicPr>
-          <p:nvPr/>
-        </p:nvPicPr>
-        <p:blipFill>
-          <a:blip r:embed="rId7">
-            <a:extLst>
-              <a:ext uri="{28A0092B-C50C-407E-A947-70E740481C1C}">
-                <a14:useLocalDpi xmlns:a14="http://schemas.microsoft.com/office/drawing/2010/main" val="0"/>
-              </a:ext>
-            </a:extLst>
-          </a:blip>
-          <a:srcRect/>
-          <a:stretch>
-            <a:fillRect/>
-          </a:stretch>
-        </p:blipFill>
-        <p:spPr bwMode="auto">
-          <a:xfrm>
-            <a:off x="3910696" y="3256380"/>
-            <a:ext cx="517969" cy="517969"/>
-          </a:xfrm>
-          <a:prstGeom prst="rect">
-            <a:avLst/>
-          </a:prstGeom>
-          <a:noFill/>
-          <a:extLst>
-            <a:ext uri="{909E8E84-426E-40DD-AFC4-6F175D3DCCD1}">
-              <a14:hiddenFill xmlns:a14="http://schemas.microsoft.com/office/drawing/2010/main">
-                <a:solidFill>
-                  <a:srgbClr val="FFFFFF"/>
-                </a:solidFill>
-              </a14:hiddenFill>
-            </a:ext>
-          </a:extLst>
-        </p:spPr>
-      </p:pic>
-      <p:pic>
-        <p:nvPicPr>
-          <p:cNvPr id="2064" name="Picture 16" descr="Ä°lgili resim">
-            <a:extLst>
-              <a:ext uri="{FF2B5EF4-FFF2-40B4-BE49-F238E27FC236}">
-                <a16:creationId xmlns:a16="http://schemas.microsoft.com/office/drawing/2014/main" id="{B8111CFE-2F32-4CDE-8B78-AA65A2F816F7}"/>
-              </a:ext>
-            </a:extLst>
-          </p:cNvPr>
-          <p:cNvPicPr>
-            <a:picLocks noChangeAspect="1" noChangeArrowheads="1"/>
-          </p:cNvPicPr>
-          <p:nvPr/>
-        </p:nvPicPr>
-        <p:blipFill>
-          <a:blip r:embed="rId8">
-            <a:extLst>
-              <a:ext uri="{28A0092B-C50C-407E-A947-70E740481C1C}">
-                <a14:useLocalDpi xmlns:a14="http://schemas.microsoft.com/office/drawing/2010/main" val="0"/>
-              </a:ext>
-            </a:extLst>
-          </a:blip>
-          <a:srcRect/>
-          <a:stretch>
-            <a:fillRect/>
-          </a:stretch>
-        </p:blipFill>
-        <p:spPr bwMode="auto">
-          <a:xfrm>
-            <a:off x="4884516" y="3538514"/>
-            <a:ext cx="523826" cy="523826"/>
-          </a:xfrm>
-          <a:prstGeom prst="rect">
-            <a:avLst/>
-          </a:prstGeom>
-          <a:noFill/>
-          <a:extLst>
-            <a:ext uri="{909E8E84-426E-40DD-AFC4-6F175D3DCCD1}">
-              <a14:hiddenFill xmlns:a14="http://schemas.microsoft.com/office/drawing/2010/main">
-                <a:solidFill>
-                  <a:srgbClr val="FFFFFF"/>
-                </a:solidFill>
-              </a14:hiddenFill>
-            </a:ext>
-          </a:extLst>
-        </p:spPr>
-      </p:pic>
-      <p:pic>
-        <p:nvPicPr>
-          <p:cNvPr id="2066" name="Picture 18" descr="Ä°lgili resim">
-            <a:extLst>
-              <a:ext uri="{FF2B5EF4-FFF2-40B4-BE49-F238E27FC236}">
-                <a16:creationId xmlns:a16="http://schemas.microsoft.com/office/drawing/2014/main" id="{7C0558D3-190C-47AA-B30C-871E6DA3B395}"/>
-              </a:ext>
-            </a:extLst>
-          </p:cNvPr>
-          <p:cNvPicPr>
-            <a:picLocks noChangeAspect="1" noChangeArrowheads="1"/>
-          </p:cNvPicPr>
-          <p:nvPr/>
-        </p:nvPicPr>
-        <p:blipFill>
-          <a:blip r:embed="rId9">
-            <a:biLevel thresh="75000"/>
-            <a:extLst>
-              <a:ext uri="{28A0092B-C50C-407E-A947-70E740481C1C}">
-                <a14:useLocalDpi xmlns:a14="http://schemas.microsoft.com/office/drawing/2010/main" val="0"/>
-              </a:ext>
-            </a:extLst>
-          </a:blip>
-          <a:srcRect/>
-          <a:stretch>
-            <a:fillRect/>
-          </a:stretch>
-        </p:blipFill>
-        <p:spPr bwMode="auto">
-          <a:xfrm>
-            <a:off x="5817484" y="3571720"/>
-            <a:ext cx="523825" cy="523825"/>
-          </a:xfrm>
-          <a:prstGeom prst="rect">
-            <a:avLst/>
-          </a:prstGeom>
-          <a:noFill/>
-          <a:extLst>
-            <a:ext uri="{909E8E84-426E-40DD-AFC4-6F175D3DCCD1}">
-              <a14:hiddenFill xmlns:a14="http://schemas.microsoft.com/office/drawing/2010/main">
-                <a:solidFill>
-                  <a:srgbClr val="FFFFFF"/>
-                </a:solidFill>
-              </a14:hiddenFill>
-            </a:ext>
-          </a:extLst>
-        </p:spPr>
-      </p:pic>
-      <p:pic>
-        <p:nvPicPr>
-          <p:cNvPr id="2072" name="Picture 24" descr="robot icon png ile ilgili gÃ¶rsel sonucu">
-            <a:extLst>
-              <a:ext uri="{FF2B5EF4-FFF2-40B4-BE49-F238E27FC236}">
-                <a16:creationId xmlns:a16="http://schemas.microsoft.com/office/drawing/2014/main" id="{E94EEFEA-25BC-4F45-A4F8-9646F5E23C9F}"/>
-              </a:ext>
-            </a:extLst>
-          </p:cNvPr>
-          <p:cNvPicPr>
-            <a:picLocks noChangeAspect="1" noChangeArrowheads="1"/>
-          </p:cNvPicPr>
-          <p:nvPr/>
-        </p:nvPicPr>
-        <p:blipFill>
-          <a:blip r:embed="rId10">
-            <a:extLst>
-              <a:ext uri="{28A0092B-C50C-407E-A947-70E740481C1C}">
-                <a14:useLocalDpi xmlns:a14="http://schemas.microsoft.com/office/drawing/2010/main" val="0"/>
-              </a:ext>
-            </a:extLst>
-          </a:blip>
-          <a:srcRect/>
-          <a:stretch>
-            <a:fillRect/>
-          </a:stretch>
-        </p:blipFill>
-        <p:spPr bwMode="auto">
-          <a:xfrm>
-            <a:off x="7682845" y="3643614"/>
-            <a:ext cx="523827" cy="523827"/>
-          </a:xfrm>
-          <a:prstGeom prst="rect">
-            <a:avLst/>
-          </a:prstGeom>
-          <a:noFill/>
-          <a:extLst>
-            <a:ext uri="{909E8E84-426E-40DD-AFC4-6F175D3DCCD1}">
-              <a14:hiddenFill xmlns:a14="http://schemas.microsoft.com/office/drawing/2010/main">
-                <a:solidFill>
-                  <a:srgbClr val="FFFFFF"/>
-                </a:solidFill>
-              </a14:hiddenFill>
-            </a:ext>
-          </a:extLst>
-        </p:spPr>
-      </p:pic>
-      <p:pic>
-        <p:nvPicPr>
-          <p:cNvPr id="2074" name="Picture 26" descr="music icon png ile ilgili gÃ¶rsel sonucu">
-            <a:extLst>
-              <a:ext uri="{FF2B5EF4-FFF2-40B4-BE49-F238E27FC236}">
-                <a16:creationId xmlns:a16="http://schemas.microsoft.com/office/drawing/2014/main" id="{C3485DDF-A2C5-437B-9867-11A37EDE77A0}"/>
-              </a:ext>
-            </a:extLst>
-          </p:cNvPr>
-          <p:cNvPicPr>
-            <a:picLocks noChangeAspect="1" noChangeArrowheads="1"/>
-          </p:cNvPicPr>
-          <p:nvPr/>
-        </p:nvPicPr>
-        <p:blipFill>
-          <a:blip r:embed="rId11">
-            <a:extLst>
-              <a:ext uri="{28A0092B-C50C-407E-A947-70E740481C1C}">
-                <a14:useLocalDpi xmlns:a14="http://schemas.microsoft.com/office/drawing/2010/main" val="0"/>
-              </a:ext>
-            </a:extLst>
-          </a:blip>
-          <a:srcRect/>
-          <a:stretch>
-            <a:fillRect/>
-          </a:stretch>
-        </p:blipFill>
-        <p:spPr bwMode="auto">
-          <a:xfrm>
-            <a:off x="8403836" y="3515364"/>
-            <a:ext cx="925046" cy="925046"/>
-          </a:xfrm>
-          <a:prstGeom prst="rect">
-            <a:avLst/>
-          </a:prstGeom>
-          <a:noFill/>
-          <a:extLst>
-            <a:ext uri="{909E8E84-426E-40DD-AFC4-6F175D3DCCD1}">
-              <a14:hiddenFill xmlns:a14="http://schemas.microsoft.com/office/drawing/2010/main">
-                <a:solidFill>
-                  <a:srgbClr val="FFFFFF"/>
-                </a:solidFill>
-              </a14:hiddenFill>
-            </a:ext>
-          </a:extLst>
-        </p:spPr>
-      </p:pic>
-      <p:pic>
-        <p:nvPicPr>
-          <p:cNvPr id="2076" name="Picture 28" descr="comic book icon png ile ilgili gÃ¶rsel sonucu">
-            <a:extLst>
-              <a:ext uri="{FF2B5EF4-FFF2-40B4-BE49-F238E27FC236}">
-                <a16:creationId xmlns:a16="http://schemas.microsoft.com/office/drawing/2014/main" id="{04D3FE48-35CA-4842-B670-63E3F3264981}"/>
-              </a:ext>
-            </a:extLst>
-          </p:cNvPr>
-          <p:cNvPicPr>
-            <a:picLocks noChangeAspect="1" noChangeArrowheads="1"/>
-          </p:cNvPicPr>
-          <p:nvPr/>
-        </p:nvPicPr>
-        <p:blipFill>
-          <a:blip r:embed="rId12">
-            <a:extLst>
-              <a:ext uri="{28A0092B-C50C-407E-A947-70E740481C1C}">
-                <a14:useLocalDpi xmlns:a14="http://schemas.microsoft.com/office/drawing/2010/main" val="0"/>
-              </a:ext>
-            </a:extLst>
-          </a:blip>
-          <a:srcRect/>
-          <a:stretch>
-            <a:fillRect/>
-          </a:stretch>
-        </p:blipFill>
-        <p:spPr bwMode="auto">
-          <a:xfrm>
-            <a:off x="9598459" y="3678893"/>
-            <a:ext cx="523827" cy="523827"/>
-          </a:xfrm>
-          <a:prstGeom prst="rect">
-            <a:avLst/>
-          </a:prstGeom>
-          <a:noFill/>
-          <a:extLst>
-            <a:ext uri="{909E8E84-426E-40DD-AFC4-6F175D3DCCD1}">
-              <a14:hiddenFill xmlns:a14="http://schemas.microsoft.com/office/drawing/2010/main">
-                <a:solidFill>
-                  <a:srgbClr val="FFFFFF"/>
-                </a:solidFill>
-              </a14:hiddenFill>
-            </a:ext>
-          </a:extLst>
-        </p:spPr>
-      </p:pic>
-      <p:pic>
-        <p:nvPicPr>
-          <p:cNvPr id="2080" name="Picture 32" descr="Ä°lgili resim">
-            <a:extLst>
-              <a:ext uri="{FF2B5EF4-FFF2-40B4-BE49-F238E27FC236}">
-                <a16:creationId xmlns:a16="http://schemas.microsoft.com/office/drawing/2014/main" id="{F6DBE859-BADB-4A8D-BD01-3FDF0C015E8E}"/>
-              </a:ext>
-            </a:extLst>
-          </p:cNvPr>
-          <p:cNvPicPr>
-            <a:picLocks noChangeAspect="1" noChangeArrowheads="1"/>
-          </p:cNvPicPr>
-          <p:nvPr/>
-        </p:nvPicPr>
-        <p:blipFill>
-          <a:blip r:embed="rId13">
-            <a:extLst>
-              <a:ext uri="{28A0092B-C50C-407E-A947-70E740481C1C}">
-                <a14:useLocalDpi xmlns:a14="http://schemas.microsoft.com/office/drawing/2010/main" val="0"/>
-              </a:ext>
-            </a:extLst>
-          </a:blip>
-          <a:srcRect/>
-          <a:stretch>
-            <a:fillRect/>
-          </a:stretch>
-        </p:blipFill>
-        <p:spPr bwMode="auto">
-          <a:xfrm>
-            <a:off x="10484739" y="3684751"/>
-            <a:ext cx="517969" cy="517969"/>
-          </a:xfrm>
-          <a:prstGeom prst="rect">
-            <a:avLst/>
-          </a:prstGeom>
-          <a:noFill/>
-          <a:extLst>
-            <a:ext uri="{909E8E84-426E-40DD-AFC4-6F175D3DCCD1}">
-              <a14:hiddenFill xmlns:a14="http://schemas.microsoft.com/office/drawing/2010/main">
-                <a:solidFill>
-                  <a:srgbClr val="FFFFFF"/>
-                </a:solidFill>
-              </a14:hiddenFill>
-            </a:ext>
-          </a:extLst>
-        </p:spPr>
-      </p:pic>
-      <p:pic>
-        <p:nvPicPr>
-          <p:cNvPr id="2082" name="Picture 34" descr="Ä°lgili resim">
-            <a:extLst>
-              <a:ext uri="{FF2B5EF4-FFF2-40B4-BE49-F238E27FC236}">
-                <a16:creationId xmlns:a16="http://schemas.microsoft.com/office/drawing/2014/main" id="{D0EB21C8-F1A0-4328-BC90-0DCF49812F8A}"/>
-              </a:ext>
-            </a:extLst>
-          </p:cNvPr>
-          <p:cNvPicPr>
-            <a:picLocks noChangeAspect="1" noChangeArrowheads="1"/>
-          </p:cNvPicPr>
-          <p:nvPr/>
-        </p:nvPicPr>
-        <p:blipFill>
-          <a:blip r:embed="rId14">
-            <a:extLst>
-              <a:ext uri="{28A0092B-C50C-407E-A947-70E740481C1C}">
-                <a14:useLocalDpi xmlns:a14="http://schemas.microsoft.com/office/drawing/2010/main" val="0"/>
-              </a:ext>
-            </a:extLst>
-          </a:blip>
-          <a:srcRect/>
-          <a:stretch>
-            <a:fillRect/>
-          </a:stretch>
-        </p:blipFill>
-        <p:spPr bwMode="auto">
-          <a:xfrm>
-            <a:off x="6565033" y="3429000"/>
-            <a:ext cx="936585" cy="936585"/>
-          </a:xfrm>
-          <a:prstGeom prst="rect">
-            <a:avLst/>
-          </a:prstGeom>
-          <a:noFill/>
-          <a:extLst>
-            <a:ext uri="{909E8E84-426E-40DD-AFC4-6F175D3DCCD1}">
-              <a14:hiddenFill xmlns:a14="http://schemas.microsoft.com/office/drawing/2010/main">
-                <a:solidFill>
-                  <a:srgbClr val="FFFFFF"/>
-                </a:solidFill>
-              </a14:hiddenFill>
-            </a:ext>
-          </a:extLst>
-        </p:spPr>
-      </p:pic>
-    </p:spTree>
-    <p:extLst>
-      <p:ext uri="{BB962C8B-B14F-4D97-AF65-F5344CB8AC3E}">
-        <p14:creationId xmlns:p14="http://schemas.microsoft.com/office/powerpoint/2010/main" val="4198618423"/>
-      </p:ext>
-    </p:extLst>
-  </p:cSld>
-  <p:clrMapOvr>
-    <a:masterClrMapping/>
-  </p:clrMapOvr>
-</p:sld>
-</file>
-
-<file path=ppt/slides/slide5.xml><?xml version="1.0" encoding="utf-8"?>
-<p:sld xmlns:a="http://schemas.openxmlformats.org/drawingml/2006/main" xmlns:r="http://schemas.openxmlformats.org/officeDocument/2006/relationships" xmlns:p="http://schemas.openxmlformats.org/presentationml/2006/main">
-  <p:cSld>
-    <p:spTree>
-      <p:nvGrpSpPr>
-        <p:cNvPr id="1" name=""/>
-        <p:cNvGrpSpPr/>
-        <p:nvPr/>
-      </p:nvGrpSpPr>
-      <p:grpSpPr>
-        <a:xfrm>
-          <a:off x="0" y="0"/>
-          <a:ext cx="0" cy="0"/>
-          <a:chOff x="0" y="0"/>
-          <a:chExt cx="0" cy="0"/>
-        </a:xfrm>
-      </p:grpSpPr>
-      <p:sp>
-        <p:nvSpPr>
-          <p:cNvPr id="6" name="Rectangle 5">
-            <a:extLst>
-              <a:ext uri="{FF2B5EF4-FFF2-40B4-BE49-F238E27FC236}">
-                <a16:creationId xmlns:a16="http://schemas.microsoft.com/office/drawing/2014/main" id="{F2754A91-3C86-4B25-B60C-1746553A93F9}"/>
-              </a:ext>
-            </a:extLst>
-          </p:cNvPr>
-          <p:cNvSpPr/>
-          <p:nvPr/>
-        </p:nvSpPr>
-        <p:spPr>
-          <a:xfrm>
-            <a:off x="0" y="277792"/>
-            <a:ext cx="9155575" cy="879676"/>
-          </a:xfrm>
-          <a:prstGeom prst="rect">
-            <a:avLst/>
-          </a:prstGeom>
-          <a:solidFill>
-            <a:srgbClr val="3DCB7A"/>
-          </a:solidFill>
-          <a:ln>
-            <a:noFill/>
-          </a:ln>
-        </p:spPr>
-        <p:style>
-          <a:lnRef idx="2">
-            <a:schemeClr val="accent1">
-              <a:shade val="50000"/>
-            </a:schemeClr>
-          </a:lnRef>
-          <a:fillRef idx="1">
-            <a:schemeClr val="accent1"/>
-          </a:fillRef>
-          <a:effectRef idx="0">
-            <a:schemeClr val="accent1"/>
-          </a:effectRef>
-          <a:fontRef idx="minor">
-            <a:schemeClr val="lt1"/>
-          </a:fontRef>
-        </p:style>
-        <p:txBody>
-          <a:bodyPr rtlCol="0" anchor="ctr"/>
-          <a:lstStyle/>
-          <a:p>
-            <a:pPr algn="ctr"/>
-            <a:endParaRPr lang="en-US"/>
-          </a:p>
-        </p:txBody>
-      </p:sp>
-      <p:pic>
-        <p:nvPicPr>
-          <p:cNvPr id="7" name="Picture 2" descr="KICKSTARTER LOGO ile ilgili gÃ¶rsel sonucu">
-            <a:extLst>
-              <a:ext uri="{FF2B5EF4-FFF2-40B4-BE49-F238E27FC236}">
-                <a16:creationId xmlns:a16="http://schemas.microsoft.com/office/drawing/2014/main" id="{A82BF36E-4762-4792-873E-7138E39DD6A7}"/>
-              </a:ext>
-            </a:extLst>
-          </p:cNvPr>
-          <p:cNvPicPr>
-            <a:picLocks noChangeAspect="1" noChangeArrowheads="1"/>
-          </p:cNvPicPr>
-          <p:nvPr/>
-        </p:nvPicPr>
-        <p:blipFill>
-          <a:blip r:embed="rId3">
-            <a:extLst>
-              <a:ext uri="{28A0092B-C50C-407E-A947-70E740481C1C}">
-                <a14:useLocalDpi xmlns:a14="http://schemas.microsoft.com/office/drawing/2010/main" val="0"/>
-              </a:ext>
-            </a:extLst>
-          </a:blip>
-          <a:srcRect/>
-          <a:stretch>
-            <a:fillRect/>
-          </a:stretch>
-        </p:blipFill>
-        <p:spPr bwMode="auto">
-          <a:xfrm>
-            <a:off x="312516" y="410382"/>
-            <a:ext cx="5783484" cy="614495"/>
-          </a:xfrm>
-          <a:prstGeom prst="rect">
-            <a:avLst/>
-          </a:prstGeom>
-          <a:noFill/>
-          <a:extLst>
-            <a:ext uri="{909E8E84-426E-40DD-AFC4-6F175D3DCCD1}">
-              <a14:hiddenFill xmlns:a14="http://schemas.microsoft.com/office/drawing/2010/main">
-                <a:solidFill>
-                  <a:srgbClr val="FFFFFF"/>
-                </a:solidFill>
-              </a14:hiddenFill>
-            </a:ext>
-          </a:extLst>
-        </p:spPr>
-      </p:pic>
-      <p:sp>
-        <p:nvSpPr>
-          <p:cNvPr id="8" name="Rectangle 7">
-            <a:extLst>
-              <a:ext uri="{FF2B5EF4-FFF2-40B4-BE49-F238E27FC236}">
-                <a16:creationId xmlns:a16="http://schemas.microsoft.com/office/drawing/2014/main" id="{E87BDE8A-F8F0-44EC-A7E6-39BE782F2853}"/>
-              </a:ext>
-            </a:extLst>
-          </p:cNvPr>
-          <p:cNvSpPr/>
-          <p:nvPr/>
-        </p:nvSpPr>
-        <p:spPr>
-          <a:xfrm>
-            <a:off x="6267011" y="520856"/>
-            <a:ext cx="2539413" cy="646331"/>
-          </a:xfrm>
-          <a:prstGeom prst="rect">
-            <a:avLst/>
-          </a:prstGeom>
-        </p:spPr>
-        <p:txBody>
-          <a:bodyPr wrap="none">
-            <a:spAutoFit/>
-          </a:bodyPr>
-          <a:lstStyle/>
-          <a:p>
-            <a:r>
-              <a:rPr lang="en-US" sz="3600" b="1" dirty="0">
-                <a:latin typeface="Segoe UI Semilight" panose="020B0402040204020203" pitchFamily="34" charset="0"/>
-                <a:cs typeface="Segoe UI Semilight" panose="020B0402040204020203" pitchFamily="34" charset="0"/>
-              </a:rPr>
-              <a:t>by numbers</a:t>
-            </a:r>
-            <a:endParaRPr lang="en-US" sz="3600" dirty="0"/>
-          </a:p>
-        </p:txBody>
-      </p:sp>
-      <p:pic>
-        <p:nvPicPr>
-          <p:cNvPr id="10" name="Picture 9">
-            <a:extLst>
-              <a:ext uri="{FF2B5EF4-FFF2-40B4-BE49-F238E27FC236}">
-                <a16:creationId xmlns:a16="http://schemas.microsoft.com/office/drawing/2014/main" id="{50C53D03-5A53-4628-8B28-62A0478D3BAE}"/>
-              </a:ext>
-            </a:extLst>
-          </p:cNvPr>
-          <p:cNvPicPr>
-            <a:picLocks noChangeAspect="1"/>
-          </p:cNvPicPr>
-          <p:nvPr/>
-        </p:nvPicPr>
-        <p:blipFill>
-          <a:blip r:embed="rId4">
-            <a:extLst>
-              <a:ext uri="{28A0092B-C50C-407E-A947-70E740481C1C}">
-                <a14:useLocalDpi xmlns:a14="http://schemas.microsoft.com/office/drawing/2010/main" val="0"/>
-              </a:ext>
-            </a:extLst>
-          </a:blip>
-          <a:stretch>
-            <a:fillRect/>
-          </a:stretch>
-        </p:blipFill>
-        <p:spPr>
-          <a:xfrm>
-            <a:off x="360654" y="1776351"/>
-            <a:ext cx="11470692" cy="4277207"/>
-          </a:xfrm>
-          <a:prstGeom prst="rect">
-            <a:avLst/>
-          </a:prstGeom>
-        </p:spPr>
-      </p:pic>
-    </p:spTree>
-    <p:extLst>
-      <p:ext uri="{BB962C8B-B14F-4D97-AF65-F5344CB8AC3E}">
-        <p14:creationId xmlns:p14="http://schemas.microsoft.com/office/powerpoint/2010/main" val="2602469676"/>
-      </p:ext>
-    </p:extLst>
-  </p:cSld>
-  <p:clrMapOvr>
-    <a:masterClrMapping/>
-  </p:clrMapOvr>
-</p:sld>
-</file>
-
-<file path=ppt/slides/slide6.xml><?xml version="1.0" encoding="utf-8"?>
-<p:sld xmlns:a="http://schemas.openxmlformats.org/drawingml/2006/main" xmlns:r="http://schemas.openxmlformats.org/officeDocument/2006/relationships" xmlns:p="http://schemas.openxmlformats.org/presentationml/2006/main">
-  <p:cSld>
-    <p:spTree>
-      <p:nvGrpSpPr>
-        <p:cNvPr id="1" name=""/>
-        <p:cNvGrpSpPr/>
-        <p:nvPr/>
-      </p:nvGrpSpPr>
-      <p:grpSpPr>
-        <a:xfrm>
-          <a:off x="0" y="0"/>
-          <a:ext cx="0" cy="0"/>
-          <a:chOff x="0" y="0"/>
-          <a:chExt cx="0" cy="0"/>
-        </a:xfrm>
-      </p:grpSpPr>
-      <p:sp>
-        <p:nvSpPr>
-          <p:cNvPr id="4" name="Rectangle 3">
-            <a:extLst>
-              <a:ext uri="{FF2B5EF4-FFF2-40B4-BE49-F238E27FC236}">
-                <a16:creationId xmlns:a16="http://schemas.microsoft.com/office/drawing/2014/main" id="{5B8585AF-D35C-4BC3-9721-D82BD7E87614}"/>
-              </a:ext>
-            </a:extLst>
-          </p:cNvPr>
-          <p:cNvSpPr/>
-          <p:nvPr/>
-        </p:nvSpPr>
-        <p:spPr>
-          <a:xfrm>
-            <a:off x="0" y="277792"/>
-            <a:ext cx="11019099" cy="879676"/>
-          </a:xfrm>
-          <a:prstGeom prst="rect">
-            <a:avLst/>
-          </a:prstGeom>
-          <a:solidFill>
-            <a:srgbClr val="3DCB7A"/>
-          </a:solidFill>
-          <a:ln>
-            <a:noFill/>
-          </a:ln>
-        </p:spPr>
-        <p:style>
-          <a:lnRef idx="2">
-            <a:schemeClr val="accent1">
-              <a:shade val="50000"/>
-            </a:schemeClr>
-          </a:lnRef>
-          <a:fillRef idx="1">
-            <a:schemeClr val="accent1"/>
-          </a:fillRef>
-          <a:effectRef idx="0">
-            <a:schemeClr val="accent1"/>
-          </a:effectRef>
-          <a:fontRef idx="minor">
-            <a:schemeClr val="lt1"/>
-          </a:fontRef>
-        </p:style>
-        <p:txBody>
-          <a:bodyPr rtlCol="0" anchor="ctr"/>
-          <a:lstStyle/>
-          <a:p>
-            <a:pPr algn="ctr"/>
-            <a:endParaRPr lang="en-US" dirty="0">
-              <a:solidFill>
-                <a:srgbClr val="3DCB7A"/>
-              </a:solidFill>
-              <a:highlight>
-                <a:srgbClr val="3DCB7A"/>
-              </a:highlight>
-            </a:endParaRPr>
-          </a:p>
-        </p:txBody>
-      </p:sp>
-      <p:pic>
-        <p:nvPicPr>
-          <p:cNvPr id="2050" name="Picture 2" descr="KICKSTARTER LOGO ile ilgili gÃ¶rsel sonucu">
-            <a:extLst>
-              <a:ext uri="{FF2B5EF4-FFF2-40B4-BE49-F238E27FC236}">
-                <a16:creationId xmlns:a16="http://schemas.microsoft.com/office/drawing/2014/main" id="{C78AC231-75AE-435D-9C4A-9D87556C21D1}"/>
-              </a:ext>
-            </a:extLst>
-          </p:cNvPr>
-          <p:cNvPicPr>
-            <a:picLocks noChangeAspect="1" noChangeArrowheads="1"/>
-          </p:cNvPicPr>
-          <p:nvPr/>
-        </p:nvPicPr>
-        <p:blipFill>
-          <a:blip r:embed="rId3">
-            <a:extLst>
-              <a:ext uri="{28A0092B-C50C-407E-A947-70E740481C1C}">
-                <a14:useLocalDpi xmlns:a14="http://schemas.microsoft.com/office/drawing/2010/main" val="0"/>
-              </a:ext>
-            </a:extLst>
-          </a:blip>
-          <a:srcRect/>
-          <a:stretch>
-            <a:fillRect/>
-          </a:stretch>
-        </p:blipFill>
-        <p:spPr bwMode="auto">
-          <a:xfrm>
-            <a:off x="312516" y="410382"/>
-            <a:ext cx="5783484" cy="614495"/>
-          </a:xfrm>
-          <a:prstGeom prst="rect">
-            <a:avLst/>
-          </a:prstGeom>
-          <a:noFill/>
-          <a:extLst>
-            <a:ext uri="{909E8E84-426E-40DD-AFC4-6F175D3DCCD1}">
-              <a14:hiddenFill xmlns:a14="http://schemas.microsoft.com/office/drawing/2010/main">
-                <a:solidFill>
-                  <a:srgbClr val="FFFFFF"/>
-                </a:solidFill>
-              </a14:hiddenFill>
-            </a:ext>
-          </a:extLst>
-        </p:spPr>
-      </p:pic>
-      <p:sp>
-        <p:nvSpPr>
-          <p:cNvPr id="5" name="Rectangle 4">
-            <a:extLst>
-              <a:ext uri="{FF2B5EF4-FFF2-40B4-BE49-F238E27FC236}">
-                <a16:creationId xmlns:a16="http://schemas.microsoft.com/office/drawing/2014/main" id="{B57184B1-DF21-403A-8646-EF12A51B8945}"/>
-              </a:ext>
-            </a:extLst>
-          </p:cNvPr>
-          <p:cNvSpPr/>
-          <p:nvPr/>
-        </p:nvSpPr>
-        <p:spPr>
-          <a:xfrm>
-            <a:off x="6267011" y="520856"/>
-            <a:ext cx="4473532" cy="646331"/>
-          </a:xfrm>
-          <a:prstGeom prst="rect">
-            <a:avLst/>
-          </a:prstGeom>
-        </p:spPr>
-        <p:txBody>
-          <a:bodyPr wrap="none">
-            <a:spAutoFit/>
-          </a:bodyPr>
-          <a:lstStyle/>
-          <a:p>
-            <a:r>
-              <a:rPr lang="en-US" sz="3600" b="1" dirty="0">
-                <a:latin typeface="Segoe UI Semilight" panose="020B0402040204020203" pitchFamily="34" charset="0"/>
-                <a:cs typeface="Segoe UI Semilight" panose="020B0402040204020203" pitchFamily="34" charset="0"/>
-              </a:rPr>
-              <a:t>Success rate by states</a:t>
-            </a:r>
-            <a:endParaRPr lang="en-US" sz="3600" dirty="0"/>
-          </a:p>
-        </p:txBody>
-      </p:sp>
-      <p:pic>
-        <p:nvPicPr>
-          <p:cNvPr id="3" name="Picture 2">
-            <a:extLst>
-              <a:ext uri="{FF2B5EF4-FFF2-40B4-BE49-F238E27FC236}">
-                <a16:creationId xmlns:a16="http://schemas.microsoft.com/office/drawing/2014/main" id="{E60FB134-0763-4015-8747-D0343D12A109}"/>
-              </a:ext>
-            </a:extLst>
-          </p:cNvPr>
-          <p:cNvPicPr>
-            <a:picLocks noChangeAspect="1"/>
-          </p:cNvPicPr>
-          <p:nvPr/>
-        </p:nvPicPr>
-        <p:blipFill>
-          <a:blip r:embed="rId4">
-            <a:extLst>
-              <a:ext uri="{28A0092B-C50C-407E-A947-70E740481C1C}">
-                <a14:useLocalDpi xmlns:a14="http://schemas.microsoft.com/office/drawing/2010/main" val="0"/>
-              </a:ext>
-            </a:extLst>
-          </a:blip>
-          <a:stretch>
-            <a:fillRect/>
-          </a:stretch>
-        </p:blipFill>
-        <p:spPr>
-          <a:xfrm>
-            <a:off x="-118197" y="1649029"/>
-            <a:ext cx="12310197" cy="4590243"/>
-          </a:xfrm>
-          <a:prstGeom prst="rect">
-            <a:avLst/>
-          </a:prstGeom>
-        </p:spPr>
-      </p:pic>
-    </p:spTree>
-    <p:extLst>
-      <p:ext uri="{BB962C8B-B14F-4D97-AF65-F5344CB8AC3E}">
-        <p14:creationId xmlns:p14="http://schemas.microsoft.com/office/powerpoint/2010/main" val="2612535843"/>
-      </p:ext>
-    </p:extLst>
-  </p:cSld>
-  <p:clrMapOvr>
-    <a:masterClrMapping/>
-  </p:clrMapOvr>
-</p:sld>
-</file>
-
-<file path=ppt/slides/slide7.xml><?xml version="1.0" encoding="utf-8"?>
-<p:sld xmlns:a="http://schemas.openxmlformats.org/drawingml/2006/main" xmlns:r="http://schemas.openxmlformats.org/officeDocument/2006/relationships" xmlns:p="http://schemas.openxmlformats.org/presentationml/2006/main">
-  <p:cSld>
-    <p:spTree>
-      <p:nvGrpSpPr>
-        <p:cNvPr id="1" name=""/>
-        <p:cNvGrpSpPr/>
-        <p:nvPr/>
-      </p:nvGrpSpPr>
-      <p:grpSpPr>
-        <a:xfrm>
-          <a:off x="0" y="0"/>
-          <a:ext cx="0" cy="0"/>
-          <a:chOff x="0" y="0"/>
-          <a:chExt cx="0" cy="0"/>
-        </a:xfrm>
-      </p:grpSpPr>
-      <p:sp>
-        <p:nvSpPr>
-          <p:cNvPr id="6" name="Title 1">
-            <a:extLst>
-              <a:ext uri="{FF2B5EF4-FFF2-40B4-BE49-F238E27FC236}">
-                <a16:creationId xmlns:a16="http://schemas.microsoft.com/office/drawing/2014/main" id="{441D6734-55DF-4B0E-AFDC-ACD876F26B16}"/>
-              </a:ext>
-            </a:extLst>
-          </p:cNvPr>
-          <p:cNvSpPr>
-            <a:spLocks noGrp="1"/>
-          </p:cNvSpPr>
-          <p:nvPr>
-            <p:ph type="title"/>
-          </p:nvPr>
-        </p:nvSpPr>
-        <p:spPr>
-          <a:xfrm>
-            <a:off x="676154" y="2103437"/>
-            <a:ext cx="10515600" cy="1325563"/>
-          </a:xfrm>
-        </p:spPr>
-        <p:txBody>
-          <a:bodyPr>
-            <a:normAutofit/>
-          </a:bodyPr>
-          <a:lstStyle/>
-          <a:p>
-            <a:pPr algn="ctr"/>
-            <a:r>
-              <a:rPr lang="en-US" b="1" dirty="0">
-                <a:solidFill>
-                  <a:srgbClr val="3DCB7A"/>
-                </a:solidFill>
-                <a:latin typeface="Segoe UI Semilight" panose="020B0402040204020203" pitchFamily="34" charset="0"/>
-                <a:cs typeface="Segoe UI Semilight" panose="020B0402040204020203" pitchFamily="34" charset="0"/>
-              </a:rPr>
-              <a:t>Which factors are affecting the success of KICKSTARTER Projects?</a:t>
-            </a:r>
-          </a:p>
-        </p:txBody>
-      </p:sp>
-    </p:spTree>
-    <p:extLst>
-      <p:ext uri="{BB962C8B-B14F-4D97-AF65-F5344CB8AC3E}">
-        <p14:creationId xmlns:p14="http://schemas.microsoft.com/office/powerpoint/2010/main" val="1621789568"/>
-      </p:ext>
-    </p:extLst>
-  </p:cSld>
-  <p:clrMapOvr>
-    <a:masterClrMapping/>
-  </p:clrMapOvr>
-</p:sld>
-</file>
-
-<file path=ppt/slides/slide8.xml><?xml version="1.0" encoding="utf-8"?>
 <p:sld xmlns:a="http://schemas.openxmlformats.org/drawingml/2006/main" xmlns:r="http://schemas.openxmlformats.org/officeDocument/2006/relationships" xmlns:p="http://schemas.openxmlformats.org/presentationml/2006/main">
   <p:cSld>
     <p:spTree>
@@ -9358,7 +8007,7 @@
 </p:sld>
 </file>
 
-<file path=ppt/slides/slide9.xml><?xml version="1.0" encoding="utf-8"?>
+<file path=ppt/slides/slide11.xml><?xml version="1.0" encoding="utf-8"?>
 <p:sld xmlns:a="http://schemas.openxmlformats.org/drawingml/2006/main" xmlns:r="http://schemas.openxmlformats.org/officeDocument/2006/relationships" xmlns:p="http://schemas.openxmlformats.org/presentationml/2006/main">
   <p:cSld>
     <p:spTree>
@@ -9380,6 +8029,113 @@
           <p:cNvPr id="5" name="Picture 4">
             <a:extLst>
               <a:ext uri="{FF2B5EF4-FFF2-40B4-BE49-F238E27FC236}">
+                <a16:creationId xmlns:a16="http://schemas.microsoft.com/office/drawing/2014/main" id="{EB53F252-3D8E-4B1C-B7A8-19819B4D1F28}"/>
+              </a:ext>
+            </a:extLst>
+          </p:cNvPr>
+          <p:cNvPicPr>
+            <a:picLocks noChangeAspect="1"/>
+          </p:cNvPicPr>
+          <p:nvPr/>
+        </p:nvPicPr>
+        <p:blipFill>
+          <a:blip r:embed="rId3">
+            <a:extLst>
+              <a:ext uri="{28A0092B-C50C-407E-A947-70E740481C1C}">
+                <a14:useLocalDpi xmlns:a14="http://schemas.microsoft.com/office/drawing/2010/main" val="0"/>
+              </a:ext>
+            </a:extLst>
+          </a:blip>
+          <a:stretch>
+            <a:fillRect/>
+          </a:stretch>
+        </p:blipFill>
+        <p:spPr>
+          <a:xfrm>
+            <a:off x="630254" y="1787622"/>
+            <a:ext cx="10931491" cy="4076149"/>
+          </a:xfrm>
+          <a:prstGeom prst="rect">
+            <a:avLst/>
+          </a:prstGeom>
+        </p:spPr>
+      </p:pic>
+      <p:sp>
+        <p:nvSpPr>
+          <p:cNvPr id="9" name="Title 1">
+            <a:extLst>
+              <a:ext uri="{FF2B5EF4-FFF2-40B4-BE49-F238E27FC236}">
+                <a16:creationId xmlns:a16="http://schemas.microsoft.com/office/drawing/2014/main" id="{04B62F9F-768F-4513-B67B-2C49A175F3C5}"/>
+              </a:ext>
+            </a:extLst>
+          </p:cNvPr>
+          <p:cNvSpPr>
+            <a:spLocks noGrp="1"/>
+          </p:cNvSpPr>
+          <p:nvPr>
+            <p:ph type="title"/>
+          </p:nvPr>
+        </p:nvSpPr>
+        <p:spPr>
+          <a:xfrm>
+            <a:off x="375212" y="122056"/>
+            <a:ext cx="10515600" cy="1325563"/>
+          </a:xfrm>
+        </p:spPr>
+        <p:txBody>
+          <a:bodyPr>
+            <a:normAutofit/>
+          </a:bodyPr>
+          <a:lstStyle/>
+          <a:p>
+            <a:r>
+              <a:rPr lang="en-US" sz="2800" b="1" dirty="0">
+                <a:solidFill>
+                  <a:srgbClr val="3DCB7A"/>
+                </a:solidFill>
+                <a:latin typeface="Segoe UI Semilight" panose="020B0402040204020203" pitchFamily="34" charset="0"/>
+                <a:cs typeface="Segoe UI Semilight" panose="020B0402040204020203" pitchFamily="34" charset="0"/>
+              </a:rPr>
+              <a:t>Projects with 60 days of campaign duration are more likely to fail!</a:t>
+            </a:r>
+          </a:p>
+        </p:txBody>
+      </p:sp>
+    </p:spTree>
+    <p:extLst>
+      <p:ext uri="{BB962C8B-B14F-4D97-AF65-F5344CB8AC3E}">
+        <p14:creationId xmlns:p14="http://schemas.microsoft.com/office/powerpoint/2010/main" val="1334926949"/>
+      </p:ext>
+    </p:extLst>
+  </p:cSld>
+  <p:clrMapOvr>
+    <a:masterClrMapping/>
+  </p:clrMapOvr>
+</p:sld>
+</file>
+
+<file path=ppt/slides/slide12.xml><?xml version="1.0" encoding="utf-8"?>
+<p:sld xmlns:a="http://schemas.openxmlformats.org/drawingml/2006/main" xmlns:r="http://schemas.openxmlformats.org/officeDocument/2006/relationships" xmlns:p="http://schemas.openxmlformats.org/presentationml/2006/main">
+  <p:cSld>
+    <p:spTree>
+      <p:nvGrpSpPr>
+        <p:cNvPr id="1" name=""/>
+        <p:cNvGrpSpPr/>
+        <p:nvPr/>
+      </p:nvGrpSpPr>
+      <p:grpSpPr>
+        <a:xfrm>
+          <a:off x="0" y="0"/>
+          <a:ext cx="0" cy="0"/>
+          <a:chOff x="0" y="0"/>
+          <a:chExt cx="0" cy="0"/>
+        </a:xfrm>
+      </p:grpSpPr>
+      <p:pic>
+        <p:nvPicPr>
+          <p:cNvPr id="5" name="Picture 4">
+            <a:extLst>
+              <a:ext uri="{FF2B5EF4-FFF2-40B4-BE49-F238E27FC236}">
                 <a16:creationId xmlns:a16="http://schemas.microsoft.com/office/drawing/2014/main" id="{D697CCAA-9A70-439C-8B25-DBF87AA8C0D9}"/>
               </a:ext>
             </a:extLst>
@@ -9456,6 +8212,3552 @@
     <p:extLst>
       <p:ext uri="{BB962C8B-B14F-4D97-AF65-F5344CB8AC3E}">
         <p14:creationId xmlns:p14="http://schemas.microsoft.com/office/powerpoint/2010/main" val="3939045123"/>
+      </p:ext>
+    </p:extLst>
+  </p:cSld>
+  <p:clrMapOvr>
+    <a:masterClrMapping/>
+  </p:clrMapOvr>
+</p:sld>
+</file>
+
+<file path=ppt/slides/slide13.xml><?xml version="1.0" encoding="utf-8"?>
+<p:sld xmlns:a="http://schemas.openxmlformats.org/drawingml/2006/main" xmlns:r="http://schemas.openxmlformats.org/officeDocument/2006/relationships" xmlns:p="http://schemas.openxmlformats.org/presentationml/2006/main">
+  <p:cSld>
+    <p:spTree>
+      <p:nvGrpSpPr>
+        <p:cNvPr id="1" name=""/>
+        <p:cNvGrpSpPr/>
+        <p:nvPr/>
+      </p:nvGrpSpPr>
+      <p:grpSpPr>
+        <a:xfrm>
+          <a:off x="0" y="0"/>
+          <a:ext cx="0" cy="0"/>
+          <a:chOff x="0" y="0"/>
+          <a:chExt cx="0" cy="0"/>
+        </a:xfrm>
+      </p:grpSpPr>
+      <p:sp>
+        <p:nvSpPr>
+          <p:cNvPr id="6" name="Title 1">
+            <a:extLst>
+              <a:ext uri="{FF2B5EF4-FFF2-40B4-BE49-F238E27FC236}">
+                <a16:creationId xmlns:a16="http://schemas.microsoft.com/office/drawing/2014/main" id="{E5461F08-EF80-479E-9EFE-26CE57C1AB4C}"/>
+              </a:ext>
+            </a:extLst>
+          </p:cNvPr>
+          <p:cNvSpPr>
+            <a:spLocks noGrp="1"/>
+          </p:cNvSpPr>
+          <p:nvPr>
+            <p:ph type="title"/>
+          </p:nvPr>
+        </p:nvSpPr>
+        <p:spPr>
+          <a:xfrm>
+            <a:off x="375212" y="122056"/>
+            <a:ext cx="10515600" cy="1325563"/>
+          </a:xfrm>
+        </p:spPr>
+        <p:txBody>
+          <a:bodyPr>
+            <a:normAutofit/>
+          </a:bodyPr>
+          <a:lstStyle/>
+          <a:p>
+            <a:r>
+              <a:rPr lang="en-US" sz="2800" b="1" dirty="0">
+                <a:solidFill>
+                  <a:srgbClr val="3DCB7A"/>
+                </a:solidFill>
+                <a:latin typeface="Segoe UI Semilight" panose="020B0402040204020203" pitchFamily="34" charset="0"/>
+                <a:cs typeface="Segoe UI Semilight" panose="020B0402040204020203" pitchFamily="34" charset="0"/>
+              </a:rPr>
+              <a:t>Number of pledge tiers up to 20-25 increases success rate! </a:t>
+            </a:r>
+          </a:p>
+        </p:txBody>
+      </p:sp>
+      <p:pic>
+        <p:nvPicPr>
+          <p:cNvPr id="8" name="Picture 7">
+            <a:extLst>
+              <a:ext uri="{FF2B5EF4-FFF2-40B4-BE49-F238E27FC236}">
+                <a16:creationId xmlns:a16="http://schemas.microsoft.com/office/drawing/2014/main" id="{A8D34C65-7CD1-4A5A-9CFF-F797F6506B2D}"/>
+              </a:ext>
+            </a:extLst>
+          </p:cNvPr>
+          <p:cNvPicPr>
+            <a:picLocks noChangeAspect="1"/>
+          </p:cNvPicPr>
+          <p:nvPr/>
+        </p:nvPicPr>
+        <p:blipFill>
+          <a:blip r:embed="rId3">
+            <a:extLst>
+              <a:ext uri="{28A0092B-C50C-407E-A947-70E740481C1C}">
+                <a14:useLocalDpi xmlns:a14="http://schemas.microsoft.com/office/drawing/2010/main" val="0"/>
+              </a:ext>
+            </a:extLst>
+          </a:blip>
+          <a:stretch>
+            <a:fillRect/>
+          </a:stretch>
+        </p:blipFill>
+        <p:spPr>
+          <a:xfrm>
+            <a:off x="467490" y="1362701"/>
+            <a:ext cx="6061617" cy="2260264"/>
+          </a:xfrm>
+          <a:prstGeom prst="rect">
+            <a:avLst/>
+          </a:prstGeom>
+        </p:spPr>
+      </p:pic>
+      <p:pic>
+        <p:nvPicPr>
+          <p:cNvPr id="2" name="Picture 1">
+            <a:extLst>
+              <a:ext uri="{FF2B5EF4-FFF2-40B4-BE49-F238E27FC236}">
+                <a16:creationId xmlns:a16="http://schemas.microsoft.com/office/drawing/2014/main" id="{31370390-19CA-4E65-A048-1D3C31D4A9CB}"/>
+              </a:ext>
+            </a:extLst>
+          </p:cNvPr>
+          <p:cNvPicPr>
+            <a:picLocks noChangeAspect="1"/>
+          </p:cNvPicPr>
+          <p:nvPr/>
+        </p:nvPicPr>
+        <p:blipFill>
+          <a:blip r:embed="rId4"/>
+          <a:stretch>
+            <a:fillRect/>
+          </a:stretch>
+        </p:blipFill>
+        <p:spPr>
+          <a:xfrm>
+            <a:off x="4487344" y="3865561"/>
+            <a:ext cx="6744284" cy="2560542"/>
+          </a:xfrm>
+          <a:prstGeom prst="rect">
+            <a:avLst/>
+          </a:prstGeom>
+        </p:spPr>
+      </p:pic>
+    </p:spTree>
+    <p:extLst>
+      <p:ext uri="{BB962C8B-B14F-4D97-AF65-F5344CB8AC3E}">
+        <p14:creationId xmlns:p14="http://schemas.microsoft.com/office/powerpoint/2010/main" val="3133695995"/>
+      </p:ext>
+    </p:extLst>
+  </p:cSld>
+  <p:clrMapOvr>
+    <a:masterClrMapping/>
+  </p:clrMapOvr>
+</p:sld>
+</file>
+
+<file path=ppt/slides/slide14.xml><?xml version="1.0" encoding="utf-8"?>
+<p:sld xmlns:a="http://schemas.openxmlformats.org/drawingml/2006/main" xmlns:r="http://schemas.openxmlformats.org/officeDocument/2006/relationships" xmlns:p="http://schemas.openxmlformats.org/presentationml/2006/main">
+  <p:cSld>
+    <p:spTree>
+      <p:nvGrpSpPr>
+        <p:cNvPr id="1" name=""/>
+        <p:cNvGrpSpPr/>
+        <p:nvPr/>
+      </p:nvGrpSpPr>
+      <p:grpSpPr>
+        <a:xfrm>
+          <a:off x="0" y="0"/>
+          <a:ext cx="0" cy="0"/>
+          <a:chOff x="0" y="0"/>
+          <a:chExt cx="0" cy="0"/>
+        </a:xfrm>
+      </p:grpSpPr>
+      <p:sp>
+        <p:nvSpPr>
+          <p:cNvPr id="2" name="Title 1">
+            <a:extLst>
+              <a:ext uri="{FF2B5EF4-FFF2-40B4-BE49-F238E27FC236}">
+                <a16:creationId xmlns:a16="http://schemas.microsoft.com/office/drawing/2014/main" id="{C34D206A-4D3F-4A3A-8916-0D23B3246931}"/>
+              </a:ext>
+            </a:extLst>
+          </p:cNvPr>
+          <p:cNvSpPr>
+            <a:spLocks noGrp="1"/>
+          </p:cNvSpPr>
+          <p:nvPr>
+            <p:ph type="title"/>
+          </p:nvPr>
+        </p:nvSpPr>
+        <p:spPr/>
+        <p:txBody>
+          <a:bodyPr/>
+          <a:lstStyle/>
+          <a:p>
+            <a:r>
+              <a:rPr lang="en-US" sz="2800" b="1" dirty="0">
+                <a:solidFill>
+                  <a:srgbClr val="3DCB7A"/>
+                </a:solidFill>
+                <a:latin typeface="Segoe UI Semilight" panose="020B0402040204020203" pitchFamily="34" charset="0"/>
+                <a:cs typeface="Segoe UI Semilight" panose="020B0402040204020203" pitchFamily="34" charset="0"/>
+              </a:rPr>
+              <a:t>Image/Video Effect On Project Success</a:t>
+            </a:r>
+          </a:p>
+        </p:txBody>
+      </p:sp>
+      <p:pic>
+        <p:nvPicPr>
+          <p:cNvPr id="5" name="Picture 4">
+            <a:extLst>
+              <a:ext uri="{FF2B5EF4-FFF2-40B4-BE49-F238E27FC236}">
+                <a16:creationId xmlns:a16="http://schemas.microsoft.com/office/drawing/2014/main" id="{F3344C5A-4C24-418C-AA70-DEE98FBDDCB7}"/>
+              </a:ext>
+            </a:extLst>
+          </p:cNvPr>
+          <p:cNvPicPr>
+            <a:picLocks noChangeAspect="1"/>
+          </p:cNvPicPr>
+          <p:nvPr/>
+        </p:nvPicPr>
+        <p:blipFill>
+          <a:blip r:embed="rId2"/>
+          <a:stretch>
+            <a:fillRect/>
+          </a:stretch>
+        </p:blipFill>
+        <p:spPr>
+          <a:xfrm>
+            <a:off x="5784299" y="4089497"/>
+            <a:ext cx="5694586" cy="2162013"/>
+          </a:xfrm>
+          <a:prstGeom prst="rect">
+            <a:avLst/>
+          </a:prstGeom>
+        </p:spPr>
+      </p:pic>
+      <p:sp>
+        <p:nvSpPr>
+          <p:cNvPr id="7" name="Content Placeholder 6">
+            <a:extLst>
+              <a:ext uri="{FF2B5EF4-FFF2-40B4-BE49-F238E27FC236}">
+                <a16:creationId xmlns:a16="http://schemas.microsoft.com/office/drawing/2014/main" id="{D1C497A4-602E-4A3F-AE21-7CF59B55ACEE}"/>
+              </a:ext>
+            </a:extLst>
+          </p:cNvPr>
+          <p:cNvSpPr>
+            <a:spLocks noGrp="1"/>
+          </p:cNvSpPr>
+          <p:nvPr>
+            <p:ph idx="1"/>
+          </p:nvPr>
+        </p:nvSpPr>
+        <p:spPr/>
+        <p:txBody>
+          <a:bodyPr/>
+          <a:lstStyle/>
+          <a:p>
+            <a:endParaRPr lang="en-US" dirty="0"/>
+          </a:p>
+          <a:p>
+            <a:endParaRPr lang="en-US" dirty="0"/>
+          </a:p>
+          <a:p>
+            <a:endParaRPr lang="en-US" dirty="0"/>
+          </a:p>
+          <a:p>
+            <a:pPr marL="0" indent="0">
+              <a:buNone/>
+            </a:pPr>
+            <a:endParaRPr lang="en-US" dirty="0"/>
+          </a:p>
+        </p:txBody>
+      </p:sp>
+      <p:pic>
+        <p:nvPicPr>
+          <p:cNvPr id="8" name="Picture 7">
+            <a:extLst>
+              <a:ext uri="{FF2B5EF4-FFF2-40B4-BE49-F238E27FC236}">
+                <a16:creationId xmlns:a16="http://schemas.microsoft.com/office/drawing/2014/main" id="{361CDDE4-78BE-4A86-A73D-D5BB4725FAD1}"/>
+              </a:ext>
+            </a:extLst>
+          </p:cNvPr>
+          <p:cNvPicPr>
+            <a:picLocks noChangeAspect="1"/>
+          </p:cNvPicPr>
+          <p:nvPr/>
+        </p:nvPicPr>
+        <p:blipFill>
+          <a:blip r:embed="rId3"/>
+          <a:stretch>
+            <a:fillRect/>
+          </a:stretch>
+        </p:blipFill>
+        <p:spPr>
+          <a:xfrm>
+            <a:off x="923050" y="1754948"/>
+            <a:ext cx="5739005" cy="2178877"/>
+          </a:xfrm>
+          <a:prstGeom prst="rect">
+            <a:avLst/>
+          </a:prstGeom>
+        </p:spPr>
+      </p:pic>
+      <p:pic>
+        <p:nvPicPr>
+          <p:cNvPr id="9" name="Picture 8">
+            <a:extLst>
+              <a:ext uri="{FF2B5EF4-FFF2-40B4-BE49-F238E27FC236}">
+                <a16:creationId xmlns:a16="http://schemas.microsoft.com/office/drawing/2014/main" id="{D892152B-AC5C-46EF-BD80-BAA69A80FF4D}"/>
+              </a:ext>
+            </a:extLst>
+          </p:cNvPr>
+          <p:cNvPicPr>
+            <a:picLocks noChangeAspect="1"/>
+          </p:cNvPicPr>
+          <p:nvPr/>
+        </p:nvPicPr>
+        <p:blipFill>
+          <a:blip r:embed="rId4"/>
+          <a:stretch>
+            <a:fillRect/>
+          </a:stretch>
+        </p:blipFill>
+        <p:spPr>
+          <a:xfrm>
+            <a:off x="5299788" y="4123716"/>
+            <a:ext cx="5934270" cy="2253011"/>
+          </a:xfrm>
+          <a:prstGeom prst="rect">
+            <a:avLst/>
+          </a:prstGeom>
+        </p:spPr>
+      </p:pic>
+      <p:sp>
+        <p:nvSpPr>
+          <p:cNvPr id="10" name="TextBox 9">
+            <a:extLst>
+              <a:ext uri="{FF2B5EF4-FFF2-40B4-BE49-F238E27FC236}">
+                <a16:creationId xmlns:a16="http://schemas.microsoft.com/office/drawing/2014/main" id="{DAFD850C-3ADC-4E91-BF14-324C92F39394}"/>
+              </a:ext>
+            </a:extLst>
+          </p:cNvPr>
+          <p:cNvSpPr txBox="1"/>
+          <p:nvPr/>
+        </p:nvSpPr>
+        <p:spPr>
+          <a:xfrm>
+            <a:off x="1912338" y="4812036"/>
+            <a:ext cx="1698173" cy="369332"/>
+          </a:xfrm>
+          <a:prstGeom prst="rect">
+            <a:avLst/>
+          </a:prstGeom>
+          <a:noFill/>
+        </p:spPr>
+        <p:txBody>
+          <a:bodyPr wrap="square" rtlCol="0">
+            <a:spAutoFit/>
+          </a:bodyPr>
+          <a:lstStyle/>
+          <a:p>
+            <a:r>
+              <a:rPr lang="en-US" dirty="0"/>
+              <a:t>Image 60% up</a:t>
+            </a:r>
+          </a:p>
+        </p:txBody>
+      </p:sp>
+      <p:sp>
+        <p:nvSpPr>
+          <p:cNvPr id="11" name="TextBox 10">
+            <a:extLst>
+              <a:ext uri="{FF2B5EF4-FFF2-40B4-BE49-F238E27FC236}">
+                <a16:creationId xmlns:a16="http://schemas.microsoft.com/office/drawing/2014/main" id="{2BB72925-9A87-46D0-9744-027E91A657CC}"/>
+              </a:ext>
+            </a:extLst>
+          </p:cNvPr>
+          <p:cNvSpPr txBox="1"/>
+          <p:nvPr/>
+        </p:nvSpPr>
+        <p:spPr>
+          <a:xfrm>
+            <a:off x="7654211" y="2531558"/>
+            <a:ext cx="1698173" cy="369332"/>
+          </a:xfrm>
+          <a:prstGeom prst="rect">
+            <a:avLst/>
+          </a:prstGeom>
+          <a:noFill/>
+        </p:spPr>
+        <p:txBody>
+          <a:bodyPr wrap="square" rtlCol="0">
+            <a:spAutoFit/>
+          </a:bodyPr>
+          <a:lstStyle/>
+          <a:p>
+            <a:r>
+              <a:rPr lang="en-US" dirty="0"/>
+              <a:t>Video 15% up</a:t>
+            </a:r>
+          </a:p>
+        </p:txBody>
+      </p:sp>
+    </p:spTree>
+    <p:extLst>
+      <p:ext uri="{BB962C8B-B14F-4D97-AF65-F5344CB8AC3E}">
+        <p14:creationId xmlns:p14="http://schemas.microsoft.com/office/powerpoint/2010/main" val="3538578061"/>
+      </p:ext>
+    </p:extLst>
+  </p:cSld>
+  <p:clrMapOvr>
+    <a:masterClrMapping/>
+  </p:clrMapOvr>
+</p:sld>
+</file>
+
+<file path=ppt/slides/slide15.xml><?xml version="1.0" encoding="utf-8"?>
+<p:sld xmlns:a="http://schemas.openxmlformats.org/drawingml/2006/main" xmlns:r="http://schemas.openxmlformats.org/officeDocument/2006/relationships" xmlns:p="http://schemas.openxmlformats.org/presentationml/2006/main">
+  <p:cSld>
+    <p:spTree>
+      <p:nvGrpSpPr>
+        <p:cNvPr id="1" name=""/>
+        <p:cNvGrpSpPr/>
+        <p:nvPr/>
+      </p:nvGrpSpPr>
+      <p:grpSpPr>
+        <a:xfrm>
+          <a:off x="0" y="0"/>
+          <a:ext cx="0" cy="0"/>
+          <a:chOff x="0" y="0"/>
+          <a:chExt cx="0" cy="0"/>
+        </a:xfrm>
+      </p:grpSpPr>
+      <p:sp>
+        <p:nvSpPr>
+          <p:cNvPr id="2" name="Title 1">
+            <a:extLst>
+              <a:ext uri="{FF2B5EF4-FFF2-40B4-BE49-F238E27FC236}">
+                <a16:creationId xmlns:a16="http://schemas.microsoft.com/office/drawing/2014/main" id="{08990CAF-FEC7-44C0-9320-819B743A8688}"/>
+              </a:ext>
+            </a:extLst>
+          </p:cNvPr>
+          <p:cNvSpPr>
+            <a:spLocks noGrp="1"/>
+          </p:cNvSpPr>
+          <p:nvPr>
+            <p:ph type="title"/>
+          </p:nvPr>
+        </p:nvSpPr>
+        <p:spPr/>
+        <p:txBody>
+          <a:bodyPr>
+            <a:normAutofit/>
+          </a:bodyPr>
+          <a:lstStyle/>
+          <a:p>
+            <a:r>
+              <a:rPr lang="en-US" sz="2800" b="1" dirty="0">
+                <a:solidFill>
+                  <a:srgbClr val="3DCB7A"/>
+                </a:solidFill>
+                <a:latin typeface="Segoe UI Semilight" panose="020B0402040204020203" pitchFamily="34" charset="0"/>
+                <a:cs typeface="Segoe UI Semilight" panose="020B0402040204020203" pitchFamily="34" charset="0"/>
+              </a:rPr>
+              <a:t>FAQs / Updates Effect On Project Success</a:t>
+            </a:r>
+            <a:endParaRPr lang="en-US" sz="2800" dirty="0"/>
+          </a:p>
+        </p:txBody>
+      </p:sp>
+      <p:pic>
+        <p:nvPicPr>
+          <p:cNvPr id="4" name="Content Placeholder 3">
+            <a:extLst>
+              <a:ext uri="{FF2B5EF4-FFF2-40B4-BE49-F238E27FC236}">
+                <a16:creationId xmlns:a16="http://schemas.microsoft.com/office/drawing/2014/main" id="{615EF2E2-27C1-41AA-A947-BB4795EAA314}"/>
+              </a:ext>
+            </a:extLst>
+          </p:cNvPr>
+          <p:cNvPicPr>
+            <a:picLocks noGrp="1" noChangeAspect="1"/>
+          </p:cNvPicPr>
+          <p:nvPr>
+            <p:ph idx="1"/>
+          </p:nvPr>
+        </p:nvPicPr>
+        <p:blipFill>
+          <a:blip r:embed="rId2"/>
+          <a:stretch>
+            <a:fillRect/>
+          </a:stretch>
+        </p:blipFill>
+        <p:spPr>
+          <a:xfrm>
+            <a:off x="838200" y="1871482"/>
+            <a:ext cx="5907540" cy="2242863"/>
+          </a:xfrm>
+          <a:prstGeom prst="rect">
+            <a:avLst/>
+          </a:prstGeom>
+        </p:spPr>
+      </p:pic>
+      <p:pic>
+        <p:nvPicPr>
+          <p:cNvPr id="5" name="Picture 4">
+            <a:extLst>
+              <a:ext uri="{FF2B5EF4-FFF2-40B4-BE49-F238E27FC236}">
+                <a16:creationId xmlns:a16="http://schemas.microsoft.com/office/drawing/2014/main" id="{C42DBB38-AB95-4557-98BD-58789814D3E8}"/>
+              </a:ext>
+            </a:extLst>
+          </p:cNvPr>
+          <p:cNvPicPr>
+            <a:picLocks noChangeAspect="1"/>
+          </p:cNvPicPr>
+          <p:nvPr/>
+        </p:nvPicPr>
+        <p:blipFill>
+          <a:blip r:embed="rId3"/>
+          <a:stretch>
+            <a:fillRect/>
+          </a:stretch>
+        </p:blipFill>
+        <p:spPr>
+          <a:xfrm>
+            <a:off x="5317187" y="4295141"/>
+            <a:ext cx="6336167" cy="2405596"/>
+          </a:xfrm>
+          <a:prstGeom prst="rect">
+            <a:avLst/>
+          </a:prstGeom>
+        </p:spPr>
+      </p:pic>
+      <p:sp>
+        <p:nvSpPr>
+          <p:cNvPr id="6" name="TextBox 5">
+            <a:extLst>
+              <a:ext uri="{FF2B5EF4-FFF2-40B4-BE49-F238E27FC236}">
+                <a16:creationId xmlns:a16="http://schemas.microsoft.com/office/drawing/2014/main" id="{16205F38-6B7E-4D14-A3B4-E51E077C0C84}"/>
+              </a:ext>
+            </a:extLst>
+          </p:cNvPr>
+          <p:cNvSpPr txBox="1"/>
+          <p:nvPr/>
+        </p:nvSpPr>
+        <p:spPr>
+          <a:xfrm>
+            <a:off x="7231224" y="2808248"/>
+            <a:ext cx="3470987" cy="369332"/>
+          </a:xfrm>
+          <a:prstGeom prst="rect">
+            <a:avLst/>
+          </a:prstGeom>
+          <a:noFill/>
+        </p:spPr>
+        <p:txBody>
+          <a:bodyPr wrap="square" rtlCol="0">
+            <a:spAutoFit/>
+          </a:bodyPr>
+          <a:lstStyle/>
+          <a:p>
+            <a:r>
+              <a:rPr lang="en-US" dirty="0"/>
+              <a:t>24% increase in success chance </a:t>
+            </a:r>
+          </a:p>
+        </p:txBody>
+      </p:sp>
+      <p:sp>
+        <p:nvSpPr>
+          <p:cNvPr id="7" name="TextBox 6">
+            <a:extLst>
+              <a:ext uri="{FF2B5EF4-FFF2-40B4-BE49-F238E27FC236}">
+                <a16:creationId xmlns:a16="http://schemas.microsoft.com/office/drawing/2014/main" id="{59B175B0-0FFB-4003-82A6-4CA7C599D004}"/>
+              </a:ext>
+            </a:extLst>
+          </p:cNvPr>
+          <p:cNvSpPr txBox="1"/>
+          <p:nvPr/>
+        </p:nvSpPr>
+        <p:spPr>
+          <a:xfrm>
+            <a:off x="1179545" y="4878070"/>
+            <a:ext cx="3796297" cy="646331"/>
+          </a:xfrm>
+          <a:prstGeom prst="rect">
+            <a:avLst/>
+          </a:prstGeom>
+          <a:noFill/>
+        </p:spPr>
+        <p:txBody>
+          <a:bodyPr wrap="square" rtlCol="0">
+            <a:spAutoFit/>
+          </a:bodyPr>
+          <a:lstStyle/>
+          <a:p>
+            <a:r>
+              <a:rPr lang="en-US" dirty="0"/>
+              <a:t>5 to 10 -&gt; Double success chance</a:t>
+            </a:r>
+          </a:p>
+          <a:p>
+            <a:r>
+              <a:rPr lang="en-US" dirty="0"/>
+              <a:t>&gt;10       -&gt; Positive effect slows</a:t>
+            </a:r>
+          </a:p>
+        </p:txBody>
+      </p:sp>
+    </p:spTree>
+    <p:extLst>
+      <p:ext uri="{BB962C8B-B14F-4D97-AF65-F5344CB8AC3E}">
+        <p14:creationId xmlns:p14="http://schemas.microsoft.com/office/powerpoint/2010/main" val="2736715103"/>
+      </p:ext>
+    </p:extLst>
+  </p:cSld>
+  <p:clrMapOvr>
+    <a:masterClrMapping/>
+  </p:clrMapOvr>
+</p:sld>
+</file>
+
+<file path=ppt/slides/slide16.xml><?xml version="1.0" encoding="utf-8"?>
+<p:sld xmlns:a="http://schemas.openxmlformats.org/drawingml/2006/main" xmlns:r="http://schemas.openxmlformats.org/officeDocument/2006/relationships" xmlns:p="http://schemas.openxmlformats.org/presentationml/2006/main">
+  <p:cSld>
+    <p:spTree>
+      <p:nvGrpSpPr>
+        <p:cNvPr id="1" name=""/>
+        <p:cNvGrpSpPr/>
+        <p:nvPr/>
+      </p:nvGrpSpPr>
+      <p:grpSpPr>
+        <a:xfrm>
+          <a:off x="0" y="0"/>
+          <a:ext cx="0" cy="0"/>
+          <a:chOff x="0" y="0"/>
+          <a:chExt cx="0" cy="0"/>
+        </a:xfrm>
+      </p:grpSpPr>
+      <p:sp>
+        <p:nvSpPr>
+          <p:cNvPr id="8" name="Title 1">
+            <a:extLst>
+              <a:ext uri="{FF2B5EF4-FFF2-40B4-BE49-F238E27FC236}">
+                <a16:creationId xmlns:a16="http://schemas.microsoft.com/office/drawing/2014/main" id="{6FD7CA4B-EFC5-4237-9FB6-863FA650F655}"/>
+              </a:ext>
+            </a:extLst>
+          </p:cNvPr>
+          <p:cNvSpPr>
+            <a:spLocks noGrp="1"/>
+          </p:cNvSpPr>
+          <p:nvPr>
+            <p:ph type="title"/>
+          </p:nvPr>
+        </p:nvSpPr>
+        <p:spPr>
+          <a:xfrm>
+            <a:off x="231495" y="122056"/>
+            <a:ext cx="11840900" cy="1325563"/>
+          </a:xfrm>
+        </p:spPr>
+        <p:txBody>
+          <a:bodyPr>
+            <a:normAutofit/>
+          </a:bodyPr>
+          <a:lstStyle/>
+          <a:p>
+            <a:r>
+              <a:rPr lang="en-US" sz="2800" b="1" dirty="0">
+                <a:solidFill>
+                  <a:srgbClr val="3DCB7A"/>
+                </a:solidFill>
+                <a:latin typeface="Segoe UI Semilight" panose="020B0402040204020203" pitchFamily="34" charset="0"/>
+                <a:cs typeface="Segoe UI Semilight" panose="020B0402040204020203" pitchFamily="34" charset="0"/>
+              </a:rPr>
+              <a:t>Funding Margins by Project Status</a:t>
+            </a:r>
+          </a:p>
+        </p:txBody>
+      </p:sp>
+      <p:pic>
+        <p:nvPicPr>
+          <p:cNvPr id="3" name="Picture 2">
+            <a:extLst>
+              <a:ext uri="{FF2B5EF4-FFF2-40B4-BE49-F238E27FC236}">
+                <a16:creationId xmlns:a16="http://schemas.microsoft.com/office/drawing/2014/main" id="{DB8F3F94-0F42-4B07-B1AC-93E73DBF3F53}"/>
+              </a:ext>
+            </a:extLst>
+          </p:cNvPr>
+          <p:cNvPicPr>
+            <a:picLocks noChangeAspect="1"/>
+          </p:cNvPicPr>
+          <p:nvPr/>
+        </p:nvPicPr>
+        <p:blipFill rotWithShape="1">
+          <a:blip r:embed="rId3">
+            <a:extLst>
+              <a:ext uri="{28A0092B-C50C-407E-A947-70E740481C1C}">
+                <a14:useLocalDpi xmlns:a14="http://schemas.microsoft.com/office/drawing/2010/main" val="0"/>
+              </a:ext>
+            </a:extLst>
+          </a:blip>
+          <a:srcRect l="20018" r="22129"/>
+          <a:stretch/>
+        </p:blipFill>
+        <p:spPr>
+          <a:xfrm>
+            <a:off x="1154414" y="1857375"/>
+            <a:ext cx="4876800" cy="3143250"/>
+          </a:xfrm>
+          <a:prstGeom prst="rect">
+            <a:avLst/>
+          </a:prstGeom>
+        </p:spPr>
+      </p:pic>
+      <p:pic>
+        <p:nvPicPr>
+          <p:cNvPr id="10" name="Picture 9">
+            <a:extLst>
+              <a:ext uri="{FF2B5EF4-FFF2-40B4-BE49-F238E27FC236}">
+                <a16:creationId xmlns:a16="http://schemas.microsoft.com/office/drawing/2014/main" id="{2FA7A2CA-0D75-4A7B-BEEA-4D1D448873D2}"/>
+              </a:ext>
+            </a:extLst>
+          </p:cNvPr>
+          <p:cNvPicPr>
+            <a:picLocks noChangeAspect="1"/>
+          </p:cNvPicPr>
+          <p:nvPr/>
+        </p:nvPicPr>
+        <p:blipFill rotWithShape="1">
+          <a:blip r:embed="rId4">
+            <a:extLst>
+              <a:ext uri="{28A0092B-C50C-407E-A947-70E740481C1C}">
+                <a14:useLocalDpi xmlns:a14="http://schemas.microsoft.com/office/drawing/2010/main" val="0"/>
+              </a:ext>
+            </a:extLst>
+          </a:blip>
+          <a:srcRect l="24237" r="23032"/>
+          <a:stretch/>
+        </p:blipFill>
+        <p:spPr>
+          <a:xfrm>
+            <a:off x="6959600" y="1857375"/>
+            <a:ext cx="4445000" cy="3143250"/>
+          </a:xfrm>
+          <a:prstGeom prst="rect">
+            <a:avLst/>
+          </a:prstGeom>
+        </p:spPr>
+      </p:pic>
+      <p:sp>
+        <p:nvSpPr>
+          <p:cNvPr id="2" name="TextBox 1">
+            <a:extLst>
+              <a:ext uri="{FF2B5EF4-FFF2-40B4-BE49-F238E27FC236}">
+                <a16:creationId xmlns:a16="http://schemas.microsoft.com/office/drawing/2014/main" id="{EE22DB74-80FB-4B3E-820F-29B382626A7C}"/>
+              </a:ext>
+            </a:extLst>
+          </p:cNvPr>
+          <p:cNvSpPr txBox="1"/>
+          <p:nvPr/>
+        </p:nvSpPr>
+        <p:spPr>
+          <a:xfrm>
+            <a:off x="7219312" y="5000625"/>
+            <a:ext cx="3293706" cy="923330"/>
+          </a:xfrm>
+          <a:prstGeom prst="rect">
+            <a:avLst/>
+          </a:prstGeom>
+          <a:noFill/>
+        </p:spPr>
+        <p:txBody>
+          <a:bodyPr wrap="square" rtlCol="0">
+            <a:spAutoFit/>
+          </a:bodyPr>
+          <a:lstStyle/>
+          <a:p>
+            <a:r>
+              <a:rPr lang="en-US" b="1" dirty="0">
+                <a:latin typeface="Segoe UI Semilight" panose="020B0402040204020203" pitchFamily="34" charset="0"/>
+                <a:cs typeface="Segoe UI Semilight" panose="020B0402040204020203" pitchFamily="34" charset="0"/>
+              </a:rPr>
+              <a:t>- More than 90% of failed projects can not even reach 50% of their goal!</a:t>
+            </a:r>
+            <a:endParaRPr lang="en-US" dirty="0"/>
+          </a:p>
+        </p:txBody>
+      </p:sp>
+      <p:sp>
+        <p:nvSpPr>
+          <p:cNvPr id="6" name="TextBox 5">
+            <a:extLst>
+              <a:ext uri="{FF2B5EF4-FFF2-40B4-BE49-F238E27FC236}">
+                <a16:creationId xmlns:a16="http://schemas.microsoft.com/office/drawing/2014/main" id="{DF210A85-CBDE-4B41-B438-A7A553178FBB}"/>
+              </a:ext>
+            </a:extLst>
+          </p:cNvPr>
+          <p:cNvSpPr txBox="1"/>
+          <p:nvPr/>
+        </p:nvSpPr>
+        <p:spPr>
+          <a:xfrm>
+            <a:off x="1536446" y="5000625"/>
+            <a:ext cx="3293706" cy="923330"/>
+          </a:xfrm>
+          <a:prstGeom prst="rect">
+            <a:avLst/>
+          </a:prstGeom>
+          <a:noFill/>
+        </p:spPr>
+        <p:txBody>
+          <a:bodyPr wrap="square" rtlCol="0">
+            <a:spAutoFit/>
+          </a:bodyPr>
+          <a:lstStyle/>
+          <a:p>
+            <a:r>
+              <a:rPr lang="en-US" b="1" dirty="0">
+                <a:latin typeface="Segoe UI Semilight" panose="020B0402040204020203" pitchFamily="34" charset="0"/>
+                <a:cs typeface="Segoe UI Semilight" panose="020B0402040204020203" pitchFamily="34" charset="0"/>
+              </a:rPr>
+              <a:t>- One third just a bit over goal</a:t>
+            </a:r>
+          </a:p>
+          <a:p>
+            <a:r>
+              <a:rPr lang="en-US" b="1" dirty="0">
+                <a:latin typeface="Segoe UI Semilight" panose="020B0402040204020203" pitchFamily="34" charset="0"/>
+                <a:cs typeface="Segoe UI Semilight" panose="020B0402040204020203" pitchFamily="34" charset="0"/>
+              </a:rPr>
+              <a:t>- More than half did very well</a:t>
+            </a:r>
+          </a:p>
+          <a:p>
+            <a:r>
+              <a:rPr lang="en-US" b="1" dirty="0">
+                <a:latin typeface="Segoe UI Semilight" panose="020B0402040204020203" pitchFamily="34" charset="0"/>
+                <a:cs typeface="Segoe UI Semilight" panose="020B0402040204020203" pitchFamily="34" charset="0"/>
+              </a:rPr>
+              <a:t>- Over-achievers 8%</a:t>
+            </a:r>
+            <a:endParaRPr lang="en-US" dirty="0"/>
+          </a:p>
+        </p:txBody>
+      </p:sp>
+    </p:spTree>
+    <p:extLst>
+      <p:ext uri="{BB962C8B-B14F-4D97-AF65-F5344CB8AC3E}">
+        <p14:creationId xmlns:p14="http://schemas.microsoft.com/office/powerpoint/2010/main" val="2335754417"/>
+      </p:ext>
+    </p:extLst>
+  </p:cSld>
+  <p:clrMapOvr>
+    <a:masterClrMapping/>
+  </p:clrMapOvr>
+</p:sld>
+</file>
+
+<file path=ppt/slides/slide17.xml><?xml version="1.0" encoding="utf-8"?>
+<p:sld xmlns:a="http://schemas.openxmlformats.org/drawingml/2006/main" xmlns:r="http://schemas.openxmlformats.org/officeDocument/2006/relationships" xmlns:p="http://schemas.openxmlformats.org/presentationml/2006/main">
+  <p:cSld>
+    <p:spTree>
+      <p:nvGrpSpPr>
+        <p:cNvPr id="1" name=""/>
+        <p:cNvGrpSpPr/>
+        <p:nvPr/>
+      </p:nvGrpSpPr>
+      <p:grpSpPr>
+        <a:xfrm>
+          <a:off x="0" y="0"/>
+          <a:ext cx="0" cy="0"/>
+          <a:chOff x="0" y="0"/>
+          <a:chExt cx="0" cy="0"/>
+        </a:xfrm>
+      </p:grpSpPr>
+      <p:sp>
+        <p:nvSpPr>
+          <p:cNvPr id="2" name="Title 1">
+            <a:extLst>
+              <a:ext uri="{FF2B5EF4-FFF2-40B4-BE49-F238E27FC236}">
+                <a16:creationId xmlns:a16="http://schemas.microsoft.com/office/drawing/2014/main" id="{4F7E1BD5-9987-4FF9-AE07-70E67193503B}"/>
+              </a:ext>
+            </a:extLst>
+          </p:cNvPr>
+          <p:cNvSpPr>
+            <a:spLocks noGrp="1"/>
+          </p:cNvSpPr>
+          <p:nvPr>
+            <p:ph type="title"/>
+          </p:nvPr>
+        </p:nvSpPr>
+        <p:spPr/>
+        <p:txBody>
+          <a:bodyPr/>
+          <a:lstStyle/>
+          <a:p>
+            <a:r>
+              <a:rPr lang="en-US" sz="2800" b="1" dirty="0">
+                <a:solidFill>
+                  <a:srgbClr val="3DCB7A"/>
+                </a:solidFill>
+                <a:latin typeface="Segoe UI Semilight" panose="020B0402040204020203" pitchFamily="34" charset="0"/>
+                <a:cs typeface="Segoe UI Semilight" panose="020B0402040204020203" pitchFamily="34" charset="0"/>
+              </a:rPr>
+              <a:t>Conclusion</a:t>
+            </a:r>
+          </a:p>
+        </p:txBody>
+      </p:sp>
+      <p:sp>
+        <p:nvSpPr>
+          <p:cNvPr id="3" name="Content Placeholder 2">
+            <a:extLst>
+              <a:ext uri="{FF2B5EF4-FFF2-40B4-BE49-F238E27FC236}">
+                <a16:creationId xmlns:a16="http://schemas.microsoft.com/office/drawing/2014/main" id="{F2F78899-25C9-402E-ADDF-09C3BBB35C66}"/>
+              </a:ext>
+            </a:extLst>
+          </p:cNvPr>
+          <p:cNvSpPr>
+            <a:spLocks noGrp="1"/>
+          </p:cNvSpPr>
+          <p:nvPr>
+            <p:ph idx="1"/>
+          </p:nvPr>
+        </p:nvSpPr>
+        <p:spPr/>
+        <p:txBody>
+          <a:bodyPr/>
+          <a:lstStyle/>
+          <a:p>
+            <a:r>
+              <a:rPr lang="en-US" dirty="0"/>
+              <a:t>To launch a successful campaign;</a:t>
+            </a:r>
+          </a:p>
+          <a:p>
+            <a:pPr lvl="1"/>
+            <a:r>
+              <a:rPr lang="en-US" b="1" dirty="0"/>
+              <a:t>Duration &lt;= 30 days</a:t>
+            </a:r>
+            <a:r>
+              <a:rPr lang="en-US" dirty="0"/>
+              <a:t>. Do not choose the maximum of 60 days.</a:t>
+            </a:r>
+          </a:p>
+          <a:p>
+            <a:pPr lvl="1"/>
+            <a:r>
+              <a:rPr lang="en-US" dirty="0"/>
+              <a:t>The </a:t>
+            </a:r>
+            <a:r>
+              <a:rPr lang="en-US" b="1" dirty="0"/>
+              <a:t>smaller the goal</a:t>
+            </a:r>
+            <a:r>
+              <a:rPr lang="en-US" dirty="0"/>
+              <a:t>, the higher the success rate.</a:t>
+            </a:r>
+          </a:p>
+          <a:p>
+            <a:pPr lvl="1"/>
+            <a:r>
+              <a:rPr lang="en-US" dirty="0"/>
+              <a:t>Number of </a:t>
+            </a:r>
+            <a:r>
+              <a:rPr lang="en-US" b="1" dirty="0"/>
+              <a:t>pledge tiers up to 25 </a:t>
+            </a:r>
+            <a:r>
+              <a:rPr lang="en-US" dirty="0"/>
+              <a:t>increases chances of success.</a:t>
+            </a:r>
+          </a:p>
+          <a:p>
+            <a:pPr lvl="1"/>
+            <a:r>
+              <a:rPr lang="en-US" dirty="0"/>
+              <a:t>Having </a:t>
+            </a:r>
+            <a:r>
+              <a:rPr lang="en-US" b="1" dirty="0"/>
+              <a:t>video has positive effect</a:t>
+            </a:r>
+            <a:r>
+              <a:rPr lang="en-US" dirty="0"/>
+              <a:t>.</a:t>
+            </a:r>
+          </a:p>
+          <a:p>
+            <a:pPr lvl="1"/>
+            <a:r>
+              <a:rPr lang="en-US" b="1" dirty="0"/>
+              <a:t>Images have huge impact</a:t>
+            </a:r>
+            <a:r>
+              <a:rPr lang="en-US" dirty="0"/>
+              <a:t>.</a:t>
+            </a:r>
+          </a:p>
+          <a:p>
+            <a:pPr lvl="1"/>
+            <a:endParaRPr lang="en-US" dirty="0"/>
+          </a:p>
+        </p:txBody>
+      </p:sp>
+    </p:spTree>
+    <p:extLst>
+      <p:ext uri="{BB962C8B-B14F-4D97-AF65-F5344CB8AC3E}">
+        <p14:creationId xmlns:p14="http://schemas.microsoft.com/office/powerpoint/2010/main" val="3472498437"/>
+      </p:ext>
+    </p:extLst>
+  </p:cSld>
+  <p:clrMapOvr>
+    <a:masterClrMapping/>
+  </p:clrMapOvr>
+</p:sld>
+</file>
+
+<file path=ppt/slides/slide18.xml><?xml version="1.0" encoding="utf-8"?>
+<p:sld xmlns:a="http://schemas.openxmlformats.org/drawingml/2006/main" xmlns:r="http://schemas.openxmlformats.org/officeDocument/2006/relationships" xmlns:p="http://schemas.openxmlformats.org/presentationml/2006/main">
+  <p:cSld>
+    <p:spTree>
+      <p:nvGrpSpPr>
+        <p:cNvPr id="1" name=""/>
+        <p:cNvGrpSpPr/>
+        <p:nvPr/>
+      </p:nvGrpSpPr>
+      <p:grpSpPr>
+        <a:xfrm>
+          <a:off x="0" y="0"/>
+          <a:ext cx="0" cy="0"/>
+          <a:chOff x="0" y="0"/>
+          <a:chExt cx="0" cy="0"/>
+        </a:xfrm>
+      </p:grpSpPr>
+      <p:sp>
+        <p:nvSpPr>
+          <p:cNvPr id="2" name="Title 1">
+            <a:extLst>
+              <a:ext uri="{FF2B5EF4-FFF2-40B4-BE49-F238E27FC236}">
+                <a16:creationId xmlns:a16="http://schemas.microsoft.com/office/drawing/2014/main" id="{44E02765-9F1D-4D83-AEB0-5F1A62E1C466}"/>
+              </a:ext>
+            </a:extLst>
+          </p:cNvPr>
+          <p:cNvSpPr>
+            <a:spLocks noGrp="1"/>
+          </p:cNvSpPr>
+          <p:nvPr>
+            <p:ph type="title"/>
+          </p:nvPr>
+        </p:nvSpPr>
+        <p:spPr/>
+        <p:txBody>
+          <a:bodyPr>
+            <a:normAutofit/>
+          </a:bodyPr>
+          <a:lstStyle/>
+          <a:p>
+            <a:r>
+              <a:rPr lang="en-US" sz="2800" b="1" dirty="0">
+                <a:solidFill>
+                  <a:srgbClr val="3DCB7A"/>
+                </a:solidFill>
+                <a:latin typeface="Segoe UI Semilight" panose="020B0402040204020203" pitchFamily="34" charset="0"/>
+                <a:cs typeface="Segoe UI Semilight" panose="020B0402040204020203" pitchFamily="34" charset="0"/>
+              </a:rPr>
+              <a:t>Further Research</a:t>
+            </a:r>
+            <a:endParaRPr lang="en-US" sz="2800" dirty="0"/>
+          </a:p>
+        </p:txBody>
+      </p:sp>
+      <p:sp>
+        <p:nvSpPr>
+          <p:cNvPr id="3" name="Content Placeholder 2">
+            <a:extLst>
+              <a:ext uri="{FF2B5EF4-FFF2-40B4-BE49-F238E27FC236}">
+                <a16:creationId xmlns:a16="http://schemas.microsoft.com/office/drawing/2014/main" id="{B1FBA117-D3CF-4278-A2F6-6CE9FE339AAF}"/>
+              </a:ext>
+            </a:extLst>
+          </p:cNvPr>
+          <p:cNvSpPr>
+            <a:spLocks noGrp="1"/>
+          </p:cNvSpPr>
+          <p:nvPr>
+            <p:ph idx="1"/>
+          </p:nvPr>
+        </p:nvSpPr>
+        <p:spPr/>
+        <p:txBody>
+          <a:bodyPr/>
+          <a:lstStyle/>
+          <a:p>
+            <a:r>
+              <a:rPr lang="en-US" dirty="0"/>
+              <a:t>Most popular pledge tier</a:t>
+            </a:r>
+          </a:p>
+          <a:p>
+            <a:r>
+              <a:rPr lang="en-US" dirty="0"/>
+              <a:t>Applying Multiple Linear Regression</a:t>
+            </a:r>
+          </a:p>
+          <a:p>
+            <a:r>
+              <a:rPr lang="en-US" dirty="0"/>
+              <a:t>Predicting The Probability Of Success</a:t>
+            </a:r>
+          </a:p>
+          <a:p>
+            <a:endParaRPr lang="en-US" dirty="0"/>
+          </a:p>
+        </p:txBody>
+      </p:sp>
+    </p:spTree>
+    <p:extLst>
+      <p:ext uri="{BB962C8B-B14F-4D97-AF65-F5344CB8AC3E}">
+        <p14:creationId xmlns:p14="http://schemas.microsoft.com/office/powerpoint/2010/main" val="944811113"/>
+      </p:ext>
+    </p:extLst>
+  </p:cSld>
+  <p:clrMapOvr>
+    <a:masterClrMapping/>
+  </p:clrMapOvr>
+</p:sld>
+</file>
+
+<file path=ppt/slides/slide2.xml><?xml version="1.0" encoding="utf-8"?>
+<p:sld xmlns:a="http://schemas.openxmlformats.org/drawingml/2006/main" xmlns:r="http://schemas.openxmlformats.org/officeDocument/2006/relationships" xmlns:p="http://schemas.openxmlformats.org/presentationml/2006/main">
+  <p:cSld>
+    <p:spTree>
+      <p:nvGrpSpPr>
+        <p:cNvPr id="1" name=""/>
+        <p:cNvGrpSpPr/>
+        <p:nvPr/>
+      </p:nvGrpSpPr>
+      <p:grpSpPr>
+        <a:xfrm>
+          <a:off x="0" y="0"/>
+          <a:ext cx="0" cy="0"/>
+          <a:chOff x="0" y="0"/>
+          <a:chExt cx="0" cy="0"/>
+        </a:xfrm>
+      </p:grpSpPr>
+      <p:sp>
+        <p:nvSpPr>
+          <p:cNvPr id="2" name="Title 1">
+            <a:extLst>
+              <a:ext uri="{FF2B5EF4-FFF2-40B4-BE49-F238E27FC236}">
+                <a16:creationId xmlns:a16="http://schemas.microsoft.com/office/drawing/2014/main" id="{105E6FFF-CB78-430B-B44E-4D7F83CA0978}"/>
+              </a:ext>
+            </a:extLst>
+          </p:cNvPr>
+          <p:cNvSpPr>
+            <a:spLocks noGrp="1"/>
+          </p:cNvSpPr>
+          <p:nvPr>
+            <p:ph type="title"/>
+          </p:nvPr>
+        </p:nvSpPr>
+        <p:spPr/>
+        <p:txBody>
+          <a:bodyPr/>
+          <a:lstStyle/>
+          <a:p>
+            <a:r>
+              <a:rPr lang="en-US" b="1" dirty="0">
+                <a:solidFill>
+                  <a:srgbClr val="3DCB7A"/>
+                </a:solidFill>
+                <a:latin typeface="Segoe UI Semilight" panose="020B0402040204020203" pitchFamily="34" charset="0"/>
+                <a:cs typeface="Segoe UI Semilight" panose="020B0402040204020203" pitchFamily="34" charset="0"/>
+              </a:rPr>
+              <a:t>Agenda:</a:t>
+            </a:r>
+          </a:p>
+        </p:txBody>
+      </p:sp>
+      <p:sp>
+        <p:nvSpPr>
+          <p:cNvPr id="3" name="Content Placeholder 2">
+            <a:extLst>
+              <a:ext uri="{FF2B5EF4-FFF2-40B4-BE49-F238E27FC236}">
+                <a16:creationId xmlns:a16="http://schemas.microsoft.com/office/drawing/2014/main" id="{B8674DD3-9302-49B3-9FD3-0820573CED62}"/>
+              </a:ext>
+            </a:extLst>
+          </p:cNvPr>
+          <p:cNvSpPr>
+            <a:spLocks noGrp="1"/>
+          </p:cNvSpPr>
+          <p:nvPr>
+            <p:ph idx="1"/>
+          </p:nvPr>
+        </p:nvSpPr>
+        <p:spPr/>
+        <p:txBody>
+          <a:bodyPr/>
+          <a:lstStyle/>
+          <a:p>
+            <a:r>
+              <a:rPr lang="en-US" dirty="0">
+                <a:latin typeface="Segoe UI Semilight" panose="020B0402040204020203" pitchFamily="34" charset="0"/>
+                <a:cs typeface="Segoe UI Semilight" panose="020B0402040204020203" pitchFamily="34" charset="0"/>
+              </a:rPr>
+              <a:t>Data</a:t>
+            </a:r>
+          </a:p>
+          <a:p>
+            <a:r>
+              <a:rPr lang="en-US" dirty="0">
+                <a:latin typeface="Segoe UI Semilight" panose="020B0402040204020203" pitchFamily="34" charset="0"/>
+                <a:cs typeface="Segoe UI Semilight" panose="020B0402040204020203" pitchFamily="34" charset="0"/>
+              </a:rPr>
+              <a:t>Motivation</a:t>
+            </a:r>
+          </a:p>
+          <a:p>
+            <a:r>
+              <a:rPr lang="en-US" dirty="0">
+                <a:latin typeface="Segoe UI Semilight" panose="020B0402040204020203" pitchFamily="34" charset="0"/>
+                <a:cs typeface="Segoe UI Semilight" panose="020B0402040204020203" pitchFamily="34" charset="0"/>
+              </a:rPr>
+              <a:t>Analysis</a:t>
+            </a:r>
+          </a:p>
+          <a:p>
+            <a:r>
+              <a:rPr lang="en-US" dirty="0">
+                <a:latin typeface="Segoe UI Semilight" panose="020B0402040204020203" pitchFamily="34" charset="0"/>
+                <a:cs typeface="Segoe UI Semilight" panose="020B0402040204020203" pitchFamily="34" charset="0"/>
+              </a:rPr>
+              <a:t>Findings</a:t>
+            </a:r>
+          </a:p>
+          <a:p>
+            <a:r>
+              <a:rPr lang="en-US" dirty="0">
+                <a:latin typeface="Segoe UI Semilight" panose="020B0402040204020203" pitchFamily="34" charset="0"/>
+                <a:cs typeface="Segoe UI Semilight" panose="020B0402040204020203" pitchFamily="34" charset="0"/>
+              </a:rPr>
+              <a:t>Further Research</a:t>
+            </a:r>
+          </a:p>
+        </p:txBody>
+      </p:sp>
+    </p:spTree>
+    <p:extLst>
+      <p:ext uri="{BB962C8B-B14F-4D97-AF65-F5344CB8AC3E}">
+        <p14:creationId xmlns:p14="http://schemas.microsoft.com/office/powerpoint/2010/main" val="986383546"/>
+      </p:ext>
+    </p:extLst>
+  </p:cSld>
+  <p:clrMapOvr>
+    <a:masterClrMapping/>
+  </p:clrMapOvr>
+</p:sld>
+</file>
+
+<file path=ppt/slides/slide3.xml><?xml version="1.0" encoding="utf-8"?>
+<p:sld xmlns:a="http://schemas.openxmlformats.org/drawingml/2006/main" xmlns:r="http://schemas.openxmlformats.org/officeDocument/2006/relationships" xmlns:p="http://schemas.openxmlformats.org/presentationml/2006/main">
+  <p:cSld>
+    <p:spTree>
+      <p:nvGrpSpPr>
+        <p:cNvPr id="1" name=""/>
+        <p:cNvGrpSpPr/>
+        <p:nvPr/>
+      </p:nvGrpSpPr>
+      <p:grpSpPr>
+        <a:xfrm>
+          <a:off x="0" y="0"/>
+          <a:ext cx="0" cy="0"/>
+          <a:chOff x="0" y="0"/>
+          <a:chExt cx="0" cy="0"/>
+        </a:xfrm>
+      </p:grpSpPr>
+      <p:pic>
+        <p:nvPicPr>
+          <p:cNvPr id="7170" name="Picture 2" descr="funnel icon ile ilgili gÃ¶rsel sonucu">
+            <a:extLst>
+              <a:ext uri="{FF2B5EF4-FFF2-40B4-BE49-F238E27FC236}">
+                <a16:creationId xmlns:a16="http://schemas.microsoft.com/office/drawing/2014/main" id="{F65C14AF-CA61-45B1-B252-B17512A54937}"/>
+              </a:ext>
+            </a:extLst>
+          </p:cNvPr>
+          <p:cNvPicPr>
+            <a:picLocks noChangeAspect="1" noChangeArrowheads="1"/>
+          </p:cNvPicPr>
+          <p:nvPr/>
+        </p:nvPicPr>
+        <p:blipFill>
+          <a:blip r:embed="rId3">
+            <a:extLst>
+              <a:ext uri="{28A0092B-C50C-407E-A947-70E740481C1C}">
+                <a14:useLocalDpi xmlns:a14="http://schemas.microsoft.com/office/drawing/2010/main" val="0"/>
+              </a:ext>
+            </a:extLst>
+          </a:blip>
+          <a:srcRect/>
+          <a:stretch>
+            <a:fillRect/>
+          </a:stretch>
+        </p:blipFill>
+        <p:spPr bwMode="auto">
+          <a:xfrm>
+            <a:off x="2942139" y="752365"/>
+            <a:ext cx="5666290" cy="5666290"/>
+          </a:xfrm>
+          <a:prstGeom prst="rect">
+            <a:avLst/>
+          </a:prstGeom>
+          <a:noFill/>
+          <a:extLst>
+            <a:ext uri="{909E8E84-426E-40DD-AFC4-6F175D3DCCD1}">
+              <a14:hiddenFill xmlns:a14="http://schemas.microsoft.com/office/drawing/2010/main">
+                <a:solidFill>
+                  <a:srgbClr val="FFFFFF"/>
+                </a:solidFill>
+              </a14:hiddenFill>
+            </a:ext>
+          </a:extLst>
+        </p:spPr>
+      </p:pic>
+      <p:pic>
+        <p:nvPicPr>
+          <p:cNvPr id="5" name="Picture 2" descr="KICKSTARTER LOGO ile ilgili gÃ¶rsel sonucu">
+            <a:extLst>
+              <a:ext uri="{FF2B5EF4-FFF2-40B4-BE49-F238E27FC236}">
+                <a16:creationId xmlns:a16="http://schemas.microsoft.com/office/drawing/2014/main" id="{0FC1C3B0-1464-433D-87D1-EF92F9103E12}"/>
+              </a:ext>
+            </a:extLst>
+          </p:cNvPr>
+          <p:cNvPicPr>
+            <a:picLocks noChangeAspect="1" noChangeArrowheads="1"/>
+          </p:cNvPicPr>
+          <p:nvPr/>
+        </p:nvPicPr>
+        <p:blipFill>
+          <a:blip r:embed="rId4">
+            <a:extLst>
+              <a:ext uri="{28A0092B-C50C-407E-A947-70E740481C1C}">
+                <a14:useLocalDpi xmlns:a14="http://schemas.microsoft.com/office/drawing/2010/main" val="0"/>
+              </a:ext>
+            </a:extLst>
+          </a:blip>
+          <a:stretch>
+            <a:fillRect/>
+          </a:stretch>
+        </p:blipFill>
+        <p:spPr bwMode="auto">
+          <a:xfrm>
+            <a:off x="3491142" y="405115"/>
+            <a:ext cx="4464518" cy="520860"/>
+          </a:xfrm>
+          <a:prstGeom prst="rect">
+            <a:avLst/>
+          </a:prstGeom>
+          <a:noFill/>
+          <a:extLst>
+            <a:ext uri="{909E8E84-426E-40DD-AFC4-6F175D3DCCD1}">
+              <a14:hiddenFill xmlns:a14="http://schemas.microsoft.com/office/drawing/2010/main">
+                <a:solidFill>
+                  <a:srgbClr val="FFFFFF"/>
+                </a:solidFill>
+              </a14:hiddenFill>
+            </a:ext>
+          </a:extLst>
+        </p:spPr>
+      </p:pic>
+      <p:sp>
+        <p:nvSpPr>
+          <p:cNvPr id="4" name="TextBox 3">
+            <a:extLst>
+              <a:ext uri="{FF2B5EF4-FFF2-40B4-BE49-F238E27FC236}">
+                <a16:creationId xmlns:a16="http://schemas.microsoft.com/office/drawing/2014/main" id="{37DC5D5B-7FAD-4305-9046-43DB72F76A2E}"/>
+              </a:ext>
+            </a:extLst>
+          </p:cNvPr>
+          <p:cNvSpPr txBox="1"/>
+          <p:nvPr/>
+        </p:nvSpPr>
+        <p:spPr>
+          <a:xfrm>
+            <a:off x="636607" y="1614009"/>
+            <a:ext cx="3217762" cy="523220"/>
+          </a:xfrm>
+          <a:prstGeom prst="rect">
+            <a:avLst/>
+          </a:prstGeom>
+          <a:noFill/>
+        </p:spPr>
+        <p:txBody>
+          <a:bodyPr wrap="square" rtlCol="0">
+            <a:spAutoFit/>
+          </a:bodyPr>
+          <a:lstStyle/>
+          <a:p>
+            <a:r>
+              <a:rPr lang="en-US" sz="2800" b="1" dirty="0">
+                <a:latin typeface="Segoe UI Semilight" panose="020B0402040204020203" pitchFamily="34" charset="0"/>
+                <a:cs typeface="Segoe UI Semilight" panose="020B0402040204020203" pitchFamily="34" charset="0"/>
+              </a:rPr>
+              <a:t>&gt; 400.000 Projects</a:t>
+            </a:r>
+          </a:p>
+        </p:txBody>
+      </p:sp>
+      <p:sp>
+        <p:nvSpPr>
+          <p:cNvPr id="7" name="TextBox 6">
+            <a:extLst>
+              <a:ext uri="{FF2B5EF4-FFF2-40B4-BE49-F238E27FC236}">
+                <a16:creationId xmlns:a16="http://schemas.microsoft.com/office/drawing/2014/main" id="{A7BE73E3-335C-4780-A4D6-0946BAD1FD7C}"/>
+              </a:ext>
+            </a:extLst>
+          </p:cNvPr>
+          <p:cNvSpPr txBox="1"/>
+          <p:nvPr/>
+        </p:nvSpPr>
+        <p:spPr>
+          <a:xfrm>
+            <a:off x="7436048" y="2331897"/>
+            <a:ext cx="4242808" cy="954107"/>
+          </a:xfrm>
+          <a:prstGeom prst="rect">
+            <a:avLst/>
+          </a:prstGeom>
+          <a:noFill/>
+        </p:spPr>
+        <p:txBody>
+          <a:bodyPr wrap="square" rtlCol="0">
+            <a:spAutoFit/>
+          </a:bodyPr>
+          <a:lstStyle/>
+          <a:p>
+            <a:r>
+              <a:rPr lang="en-US" sz="2800" b="1" dirty="0">
+                <a:latin typeface="Segoe UI Semilight" panose="020B0402040204020203" pitchFamily="34" charset="0"/>
+                <a:cs typeface="Segoe UI Semilight" panose="020B0402040204020203" pitchFamily="34" charset="0"/>
+              </a:rPr>
+              <a:t>5.000 Projects Scraped using </a:t>
+            </a:r>
+            <a:r>
+              <a:rPr lang="en-US" sz="2800" b="1" dirty="0" err="1">
+                <a:latin typeface="Segoe UI Semilight" panose="020B0402040204020203" pitchFamily="34" charset="0"/>
+                <a:cs typeface="Segoe UI Semilight" panose="020B0402040204020203" pitchFamily="34" charset="0"/>
+              </a:rPr>
+              <a:t>Scrapy</a:t>
+            </a:r>
+            <a:endParaRPr lang="en-US" sz="2800" b="1" dirty="0">
+              <a:latin typeface="Segoe UI Semilight" panose="020B0402040204020203" pitchFamily="34" charset="0"/>
+              <a:cs typeface="Segoe UI Semilight" panose="020B0402040204020203" pitchFamily="34" charset="0"/>
+            </a:endParaRPr>
+          </a:p>
+        </p:txBody>
+      </p:sp>
+      <p:sp>
+        <p:nvSpPr>
+          <p:cNvPr id="8" name="TextBox 7">
+            <a:extLst>
+              <a:ext uri="{FF2B5EF4-FFF2-40B4-BE49-F238E27FC236}">
+                <a16:creationId xmlns:a16="http://schemas.microsoft.com/office/drawing/2014/main" id="{E373A707-AA8A-4B0C-9AEB-C0C467DC3FF0}"/>
+              </a:ext>
+            </a:extLst>
+          </p:cNvPr>
+          <p:cNvSpPr txBox="1"/>
+          <p:nvPr/>
+        </p:nvSpPr>
+        <p:spPr>
+          <a:xfrm>
+            <a:off x="3018749" y="3871644"/>
+            <a:ext cx="3217762" cy="523220"/>
+          </a:xfrm>
+          <a:prstGeom prst="rect">
+            <a:avLst/>
+          </a:prstGeom>
+          <a:noFill/>
+        </p:spPr>
+        <p:txBody>
+          <a:bodyPr wrap="square" rtlCol="0">
+            <a:spAutoFit/>
+          </a:bodyPr>
+          <a:lstStyle/>
+          <a:p>
+            <a:r>
+              <a:rPr lang="en-US" sz="2800" b="1" dirty="0">
+                <a:latin typeface="Segoe UI Semilight" panose="020B0402040204020203" pitchFamily="34" charset="0"/>
+                <a:cs typeface="Segoe UI Semilight" panose="020B0402040204020203" pitchFamily="34" charset="0"/>
+              </a:rPr>
+              <a:t>28 attributes</a:t>
+            </a:r>
+          </a:p>
+        </p:txBody>
+      </p:sp>
+      <p:sp>
+        <p:nvSpPr>
+          <p:cNvPr id="9" name="TextBox 8">
+            <a:extLst>
+              <a:ext uri="{FF2B5EF4-FFF2-40B4-BE49-F238E27FC236}">
+                <a16:creationId xmlns:a16="http://schemas.microsoft.com/office/drawing/2014/main" id="{F3829CDA-3A70-4746-9A8F-8A44E9439FB3}"/>
+              </a:ext>
+            </a:extLst>
+          </p:cNvPr>
+          <p:cNvSpPr txBox="1"/>
+          <p:nvPr/>
+        </p:nvSpPr>
+        <p:spPr>
+          <a:xfrm>
+            <a:off x="6639730" y="4893301"/>
+            <a:ext cx="3217762" cy="1384995"/>
+          </a:xfrm>
+          <a:prstGeom prst="rect">
+            <a:avLst/>
+          </a:prstGeom>
+          <a:noFill/>
+        </p:spPr>
+        <p:txBody>
+          <a:bodyPr wrap="square" rtlCol="0">
+            <a:spAutoFit/>
+          </a:bodyPr>
+          <a:lstStyle/>
+          <a:p>
+            <a:r>
+              <a:rPr lang="en-US" sz="2800" b="1" dirty="0">
+                <a:latin typeface="Segoe UI Semilight" panose="020B0402040204020203" pitchFamily="34" charset="0"/>
+                <a:cs typeface="Segoe UI Semilight" panose="020B0402040204020203" pitchFamily="34" charset="0"/>
+              </a:rPr>
+              <a:t>US Only!</a:t>
+            </a:r>
+          </a:p>
+          <a:p>
+            <a:r>
+              <a:rPr lang="en-US" sz="2800" b="1" dirty="0">
+                <a:latin typeface="Segoe UI Semilight" panose="020B0402040204020203" pitchFamily="34" charset="0"/>
+                <a:cs typeface="Segoe UI Semilight" panose="020B0402040204020203" pitchFamily="34" charset="0"/>
+              </a:rPr>
+              <a:t>Cancelled projects eliminated</a:t>
+            </a:r>
+          </a:p>
+        </p:txBody>
+      </p:sp>
+    </p:spTree>
+    <p:extLst>
+      <p:ext uri="{BB962C8B-B14F-4D97-AF65-F5344CB8AC3E}">
+        <p14:creationId xmlns:p14="http://schemas.microsoft.com/office/powerpoint/2010/main" val="3173549134"/>
+      </p:ext>
+    </p:extLst>
+  </p:cSld>
+  <p:clrMapOvr>
+    <a:masterClrMapping/>
+  </p:clrMapOvr>
+  <p:timing>
+    <p:tnLst>
+      <p:par>
+        <p:cTn id="1" dur="indefinite" restart="never" nodeType="tmRoot">
+          <p:childTnLst>
+            <p:seq concurrent="1" nextAc="seek">
+              <p:cTn id="2" dur="indefinite" nodeType="mainSeq">
+                <p:childTnLst>
+                  <p:par>
+                    <p:cTn id="3" fill="hold">
+                      <p:stCondLst>
+                        <p:cond delay="indefinite"/>
+                      </p:stCondLst>
+                      <p:childTnLst>
+                        <p:par>
+                          <p:cTn id="4" fill="hold">
+                            <p:stCondLst>
+                              <p:cond delay="0"/>
+                            </p:stCondLst>
+                            <p:childTnLst>
+                              <p:par>
+                                <p:cTn id="5" presetID="1" presetClass="entr" presetSubtype="0" fill="hold" grpId="0" nodeType="clickEffect">
+                                  <p:stCondLst>
+                                    <p:cond delay="0"/>
+                                  </p:stCondLst>
+                                  <p:childTnLst>
+                                    <p:set>
+                                      <p:cBhvr>
+                                        <p:cTn id="6" dur="1" fill="hold">
+                                          <p:stCondLst>
+                                            <p:cond delay="0"/>
+                                          </p:stCondLst>
+                                        </p:cTn>
+                                        <p:tgtEl>
+                                          <p:spTgt spid="4"/>
+                                        </p:tgtEl>
+                                        <p:attrNameLst>
+                                          <p:attrName>style.visibility</p:attrName>
+                                        </p:attrNameLst>
+                                      </p:cBhvr>
+                                      <p:to>
+                                        <p:strVal val="visible"/>
+                                      </p:to>
+                                    </p:set>
+                                  </p:childTnLst>
+                                </p:cTn>
+                              </p:par>
+                            </p:childTnLst>
+                          </p:cTn>
+                        </p:par>
+                      </p:childTnLst>
+                    </p:cTn>
+                  </p:par>
+                  <p:par>
+                    <p:cTn id="7" fill="hold">
+                      <p:stCondLst>
+                        <p:cond delay="indefinite"/>
+                      </p:stCondLst>
+                      <p:childTnLst>
+                        <p:par>
+                          <p:cTn id="8" fill="hold">
+                            <p:stCondLst>
+                              <p:cond delay="0"/>
+                            </p:stCondLst>
+                            <p:childTnLst>
+                              <p:par>
+                                <p:cTn id="9" presetID="1" presetClass="entr" presetSubtype="0" fill="hold" grpId="0" nodeType="clickEffect">
+                                  <p:stCondLst>
+                                    <p:cond delay="0"/>
+                                  </p:stCondLst>
+                                  <p:childTnLst>
+                                    <p:set>
+                                      <p:cBhvr>
+                                        <p:cTn id="10" dur="1" fill="hold">
+                                          <p:stCondLst>
+                                            <p:cond delay="0"/>
+                                          </p:stCondLst>
+                                        </p:cTn>
+                                        <p:tgtEl>
+                                          <p:spTgt spid="7"/>
+                                        </p:tgtEl>
+                                        <p:attrNameLst>
+                                          <p:attrName>style.visibility</p:attrName>
+                                        </p:attrNameLst>
+                                      </p:cBhvr>
+                                      <p:to>
+                                        <p:strVal val="visible"/>
+                                      </p:to>
+                                    </p:set>
+                                  </p:childTnLst>
+                                </p:cTn>
+                              </p:par>
+                            </p:childTnLst>
+                          </p:cTn>
+                        </p:par>
+                      </p:childTnLst>
+                    </p:cTn>
+                  </p:par>
+                  <p:par>
+                    <p:cTn id="11" fill="hold">
+                      <p:stCondLst>
+                        <p:cond delay="indefinite"/>
+                      </p:stCondLst>
+                      <p:childTnLst>
+                        <p:par>
+                          <p:cTn id="12" fill="hold">
+                            <p:stCondLst>
+                              <p:cond delay="0"/>
+                            </p:stCondLst>
+                            <p:childTnLst>
+                              <p:par>
+                                <p:cTn id="13" presetID="1" presetClass="entr" presetSubtype="0" fill="hold" grpId="0" nodeType="clickEffect">
+                                  <p:stCondLst>
+                                    <p:cond delay="0"/>
+                                  </p:stCondLst>
+                                  <p:childTnLst>
+                                    <p:set>
+                                      <p:cBhvr>
+                                        <p:cTn id="14" dur="1" fill="hold">
+                                          <p:stCondLst>
+                                            <p:cond delay="0"/>
+                                          </p:stCondLst>
+                                        </p:cTn>
+                                        <p:tgtEl>
+                                          <p:spTgt spid="8"/>
+                                        </p:tgtEl>
+                                        <p:attrNameLst>
+                                          <p:attrName>style.visibility</p:attrName>
+                                        </p:attrNameLst>
+                                      </p:cBhvr>
+                                      <p:to>
+                                        <p:strVal val="visible"/>
+                                      </p:to>
+                                    </p:set>
+                                  </p:childTnLst>
+                                </p:cTn>
+                              </p:par>
+                            </p:childTnLst>
+                          </p:cTn>
+                        </p:par>
+                      </p:childTnLst>
+                    </p:cTn>
+                  </p:par>
+                  <p:par>
+                    <p:cTn id="15" fill="hold">
+                      <p:stCondLst>
+                        <p:cond delay="indefinite"/>
+                      </p:stCondLst>
+                      <p:childTnLst>
+                        <p:par>
+                          <p:cTn id="16" fill="hold">
+                            <p:stCondLst>
+                              <p:cond delay="0"/>
+                            </p:stCondLst>
+                            <p:childTnLst>
+                              <p:par>
+                                <p:cTn id="17" presetID="1" presetClass="entr" presetSubtype="0" fill="hold" grpId="0" nodeType="clickEffect">
+                                  <p:stCondLst>
+                                    <p:cond delay="0"/>
+                                  </p:stCondLst>
+                                  <p:childTnLst>
+                                    <p:set>
+                                      <p:cBhvr>
+                                        <p:cTn id="18" dur="1" fill="hold">
+                                          <p:stCondLst>
+                                            <p:cond delay="0"/>
+                                          </p:stCondLst>
+                                        </p:cTn>
+                                        <p:tgtEl>
+                                          <p:spTgt spid="9"/>
+                                        </p:tgtEl>
+                                        <p:attrNameLst>
+                                          <p:attrName>style.visibility</p:attrName>
+                                        </p:attrNameLst>
+                                      </p:cBhvr>
+                                      <p:to>
+                                        <p:strVal val="visible"/>
+                                      </p:to>
+                                    </p:set>
+                                  </p:childTnLst>
+                                </p:cTn>
+                              </p:par>
+                            </p:childTnLst>
+                          </p:cTn>
+                        </p:par>
+                      </p:childTnLst>
+                    </p:cTn>
+                  </p:par>
+                </p:childTnLst>
+              </p:cTn>
+              <p:prevCondLst>
+                <p:cond evt="onPrev" delay="0">
+                  <p:tgtEl>
+                    <p:sldTgt/>
+                  </p:tgtEl>
+                </p:cond>
+              </p:prevCondLst>
+              <p:nextCondLst>
+                <p:cond evt="onNext" delay="0">
+                  <p:tgtEl>
+                    <p:sldTgt/>
+                  </p:tgtEl>
+                </p:cond>
+              </p:nextCondLst>
+            </p:seq>
+          </p:childTnLst>
+        </p:cTn>
+      </p:par>
+    </p:tnLst>
+    <p:bldLst>
+      <p:bldP spid="4" grpId="0"/>
+      <p:bldP spid="7" grpId="0"/>
+      <p:bldP spid="8" grpId="0"/>
+      <p:bldP spid="9" grpId="0"/>
+    </p:bldLst>
+  </p:timing>
+</p:sld>
+</file>
+
+<file path=ppt/slides/slide4.xml><?xml version="1.0" encoding="utf-8"?>
+<p:sld xmlns:a="http://schemas.openxmlformats.org/drawingml/2006/main" xmlns:r="http://schemas.openxmlformats.org/officeDocument/2006/relationships" xmlns:p="http://schemas.openxmlformats.org/presentationml/2006/main">
+  <p:cSld>
+    <p:spTree>
+      <p:nvGrpSpPr>
+        <p:cNvPr id="1" name=""/>
+        <p:cNvGrpSpPr/>
+        <p:nvPr/>
+      </p:nvGrpSpPr>
+      <p:grpSpPr>
+        <a:xfrm>
+          <a:off x="0" y="0"/>
+          <a:ext cx="0" cy="0"/>
+          <a:chOff x="0" y="0"/>
+          <a:chExt cx="0" cy="0"/>
+        </a:xfrm>
+      </p:grpSpPr>
+      <p:pic>
+        <p:nvPicPr>
+          <p:cNvPr id="2" name="Picture 1">
+            <a:extLst>
+              <a:ext uri="{FF2B5EF4-FFF2-40B4-BE49-F238E27FC236}">
+                <a16:creationId xmlns:a16="http://schemas.microsoft.com/office/drawing/2014/main" id="{F3F5EE32-89C4-408A-A907-6B86D1861142}"/>
+              </a:ext>
+            </a:extLst>
+          </p:cNvPr>
+          <p:cNvPicPr>
+            <a:picLocks noChangeAspect="1"/>
+          </p:cNvPicPr>
+          <p:nvPr/>
+        </p:nvPicPr>
+        <p:blipFill>
+          <a:blip r:embed="rId3"/>
+          <a:stretch>
+            <a:fillRect/>
+          </a:stretch>
+        </p:blipFill>
+        <p:spPr>
+          <a:xfrm>
+            <a:off x="904811" y="473108"/>
+            <a:ext cx="4273680" cy="3578632"/>
+          </a:xfrm>
+          <a:prstGeom prst="rect">
+            <a:avLst/>
+          </a:prstGeom>
+        </p:spPr>
+      </p:pic>
+      <p:pic>
+        <p:nvPicPr>
+          <p:cNvPr id="3" name="Picture 2">
+            <a:extLst>
+              <a:ext uri="{FF2B5EF4-FFF2-40B4-BE49-F238E27FC236}">
+                <a16:creationId xmlns:a16="http://schemas.microsoft.com/office/drawing/2014/main" id="{4A6C91DA-83DF-4D1F-BC84-633A5609196D}"/>
+              </a:ext>
+            </a:extLst>
+          </p:cNvPr>
+          <p:cNvPicPr>
+            <a:picLocks noChangeAspect="1"/>
+          </p:cNvPicPr>
+          <p:nvPr/>
+        </p:nvPicPr>
+        <p:blipFill>
+          <a:blip r:embed="rId4"/>
+          <a:stretch>
+            <a:fillRect/>
+          </a:stretch>
+        </p:blipFill>
+        <p:spPr>
+          <a:xfrm>
+            <a:off x="4950633" y="3228104"/>
+            <a:ext cx="5364393" cy="3268469"/>
+          </a:xfrm>
+          <a:prstGeom prst="rect">
+            <a:avLst/>
+          </a:prstGeom>
+        </p:spPr>
+      </p:pic>
+      <p:pic>
+        <p:nvPicPr>
+          <p:cNvPr id="7" name="Picture 6">
+            <a:extLst>
+              <a:ext uri="{FF2B5EF4-FFF2-40B4-BE49-F238E27FC236}">
+                <a16:creationId xmlns:a16="http://schemas.microsoft.com/office/drawing/2014/main" id="{D3CF4CBA-D9F0-418D-AA0F-F3E959B27328}"/>
+              </a:ext>
+            </a:extLst>
+          </p:cNvPr>
+          <p:cNvPicPr>
+            <a:picLocks noChangeAspect="1"/>
+          </p:cNvPicPr>
+          <p:nvPr/>
+        </p:nvPicPr>
+        <p:blipFill>
+          <a:blip r:embed="rId5"/>
+          <a:stretch>
+            <a:fillRect/>
+          </a:stretch>
+        </p:blipFill>
+        <p:spPr>
+          <a:xfrm>
+            <a:off x="8042221" y="361427"/>
+            <a:ext cx="3928025" cy="4139209"/>
+          </a:xfrm>
+          <a:prstGeom prst="rect">
+            <a:avLst/>
+          </a:prstGeom>
+        </p:spPr>
+      </p:pic>
+      <p:pic>
+        <p:nvPicPr>
+          <p:cNvPr id="9" name="Picture 8">
+            <a:extLst>
+              <a:ext uri="{FF2B5EF4-FFF2-40B4-BE49-F238E27FC236}">
+                <a16:creationId xmlns:a16="http://schemas.microsoft.com/office/drawing/2014/main" id="{2466BFE2-A8AA-440E-991C-04710FD2AEBE}"/>
+              </a:ext>
+            </a:extLst>
+          </p:cNvPr>
+          <p:cNvPicPr>
+            <a:picLocks noChangeAspect="1"/>
+          </p:cNvPicPr>
+          <p:nvPr/>
+        </p:nvPicPr>
+        <p:blipFill>
+          <a:blip r:embed="rId6"/>
+          <a:stretch>
+            <a:fillRect/>
+          </a:stretch>
+        </p:blipFill>
+        <p:spPr>
+          <a:xfrm>
+            <a:off x="4870386" y="154936"/>
+            <a:ext cx="4286250" cy="3124200"/>
+          </a:xfrm>
+          <a:prstGeom prst="rect">
+            <a:avLst/>
+          </a:prstGeom>
+        </p:spPr>
+      </p:pic>
+      <p:pic>
+        <p:nvPicPr>
+          <p:cNvPr id="10" name="Picture 9">
+            <a:extLst>
+              <a:ext uri="{FF2B5EF4-FFF2-40B4-BE49-F238E27FC236}">
+                <a16:creationId xmlns:a16="http://schemas.microsoft.com/office/drawing/2014/main" id="{ACD21696-72F0-4DD9-BDA0-854E763F6710}"/>
+              </a:ext>
+            </a:extLst>
+          </p:cNvPr>
+          <p:cNvPicPr>
+            <a:picLocks noChangeAspect="1"/>
+          </p:cNvPicPr>
+          <p:nvPr/>
+        </p:nvPicPr>
+        <p:blipFill>
+          <a:blip r:embed="rId7"/>
+          <a:stretch>
+            <a:fillRect/>
+          </a:stretch>
+        </p:blipFill>
+        <p:spPr>
+          <a:xfrm>
+            <a:off x="1174409" y="2893500"/>
+            <a:ext cx="3164666" cy="3901440"/>
+          </a:xfrm>
+          <a:prstGeom prst="rect">
+            <a:avLst/>
+          </a:prstGeom>
+        </p:spPr>
+      </p:pic>
+    </p:spTree>
+    <p:extLst>
+      <p:ext uri="{BB962C8B-B14F-4D97-AF65-F5344CB8AC3E}">
+        <p14:creationId xmlns:p14="http://schemas.microsoft.com/office/powerpoint/2010/main" val="770024015"/>
+      </p:ext>
+    </p:extLst>
+  </p:cSld>
+  <p:clrMapOvr>
+    <a:masterClrMapping/>
+  </p:clrMapOvr>
+  <p:timing>
+    <p:tnLst>
+      <p:par>
+        <p:cTn id="1" dur="indefinite" restart="never" nodeType="tmRoot">
+          <p:childTnLst>
+            <p:seq concurrent="1" nextAc="seek">
+              <p:cTn id="2" dur="indefinite" nodeType="mainSeq">
+                <p:childTnLst>
+                  <p:par>
+                    <p:cTn id="3" fill="hold">
+                      <p:stCondLst>
+                        <p:cond delay="indefinite"/>
+                      </p:stCondLst>
+                      <p:childTnLst>
+                        <p:par>
+                          <p:cTn id="4" fill="hold">
+                            <p:stCondLst>
+                              <p:cond delay="0"/>
+                            </p:stCondLst>
+                            <p:childTnLst>
+                              <p:par>
+                                <p:cTn id="5" presetID="1" presetClass="entr" presetSubtype="0" fill="hold" nodeType="clickEffect">
+                                  <p:stCondLst>
+                                    <p:cond delay="0"/>
+                                  </p:stCondLst>
+                                  <p:childTnLst>
+                                    <p:set>
+                                      <p:cBhvr>
+                                        <p:cTn id="6" dur="1" fill="hold">
+                                          <p:stCondLst>
+                                            <p:cond delay="0"/>
+                                          </p:stCondLst>
+                                        </p:cTn>
+                                        <p:tgtEl>
+                                          <p:spTgt spid="10"/>
+                                        </p:tgtEl>
+                                        <p:attrNameLst>
+                                          <p:attrName>style.visibility</p:attrName>
+                                        </p:attrNameLst>
+                                      </p:cBhvr>
+                                      <p:to>
+                                        <p:strVal val="visible"/>
+                                      </p:to>
+                                    </p:set>
+                                  </p:childTnLst>
+                                </p:cTn>
+                              </p:par>
+                            </p:childTnLst>
+                          </p:cTn>
+                        </p:par>
+                      </p:childTnLst>
+                    </p:cTn>
+                  </p:par>
+                  <p:par>
+                    <p:cTn id="7" fill="hold">
+                      <p:stCondLst>
+                        <p:cond delay="indefinite"/>
+                      </p:stCondLst>
+                      <p:childTnLst>
+                        <p:par>
+                          <p:cTn id="8" fill="hold">
+                            <p:stCondLst>
+                              <p:cond delay="0"/>
+                            </p:stCondLst>
+                            <p:childTnLst>
+                              <p:par>
+                                <p:cTn id="9" presetID="1" presetClass="entr" presetSubtype="0" fill="hold" nodeType="clickEffect">
+                                  <p:stCondLst>
+                                    <p:cond delay="0"/>
+                                  </p:stCondLst>
+                                  <p:childTnLst>
+                                    <p:set>
+                                      <p:cBhvr>
+                                        <p:cTn id="10" dur="1" fill="hold">
+                                          <p:stCondLst>
+                                            <p:cond delay="0"/>
+                                          </p:stCondLst>
+                                        </p:cTn>
+                                        <p:tgtEl>
+                                          <p:spTgt spid="9"/>
+                                        </p:tgtEl>
+                                        <p:attrNameLst>
+                                          <p:attrName>style.visibility</p:attrName>
+                                        </p:attrNameLst>
+                                      </p:cBhvr>
+                                      <p:to>
+                                        <p:strVal val="visible"/>
+                                      </p:to>
+                                    </p:set>
+                                  </p:childTnLst>
+                                </p:cTn>
+                              </p:par>
+                            </p:childTnLst>
+                          </p:cTn>
+                        </p:par>
+                      </p:childTnLst>
+                    </p:cTn>
+                  </p:par>
+                  <p:par>
+                    <p:cTn id="11" fill="hold">
+                      <p:stCondLst>
+                        <p:cond delay="indefinite"/>
+                      </p:stCondLst>
+                      <p:childTnLst>
+                        <p:par>
+                          <p:cTn id="12" fill="hold">
+                            <p:stCondLst>
+                              <p:cond delay="0"/>
+                            </p:stCondLst>
+                            <p:childTnLst>
+                              <p:par>
+                                <p:cTn id="13" presetID="1" presetClass="entr" presetSubtype="0" fill="hold" nodeType="clickEffect">
+                                  <p:stCondLst>
+                                    <p:cond delay="0"/>
+                                  </p:stCondLst>
+                                  <p:childTnLst>
+                                    <p:set>
+                                      <p:cBhvr>
+                                        <p:cTn id="14" dur="1" fill="hold">
+                                          <p:stCondLst>
+                                            <p:cond delay="0"/>
+                                          </p:stCondLst>
+                                        </p:cTn>
+                                        <p:tgtEl>
+                                          <p:spTgt spid="3"/>
+                                        </p:tgtEl>
+                                        <p:attrNameLst>
+                                          <p:attrName>style.visibility</p:attrName>
+                                        </p:attrNameLst>
+                                      </p:cBhvr>
+                                      <p:to>
+                                        <p:strVal val="visible"/>
+                                      </p:to>
+                                    </p:set>
+                                  </p:childTnLst>
+                                </p:cTn>
+                              </p:par>
+                            </p:childTnLst>
+                          </p:cTn>
+                        </p:par>
+                      </p:childTnLst>
+                    </p:cTn>
+                  </p:par>
+                  <p:par>
+                    <p:cTn id="15" fill="hold">
+                      <p:stCondLst>
+                        <p:cond delay="indefinite"/>
+                      </p:stCondLst>
+                      <p:childTnLst>
+                        <p:par>
+                          <p:cTn id="16" fill="hold">
+                            <p:stCondLst>
+                              <p:cond delay="0"/>
+                            </p:stCondLst>
+                            <p:childTnLst>
+                              <p:par>
+                                <p:cTn id="17" presetID="1" presetClass="entr" presetSubtype="0" fill="hold" nodeType="clickEffect">
+                                  <p:stCondLst>
+                                    <p:cond delay="0"/>
+                                  </p:stCondLst>
+                                  <p:childTnLst>
+                                    <p:set>
+                                      <p:cBhvr>
+                                        <p:cTn id="18" dur="1" fill="hold">
+                                          <p:stCondLst>
+                                            <p:cond delay="0"/>
+                                          </p:stCondLst>
+                                        </p:cTn>
+                                        <p:tgtEl>
+                                          <p:spTgt spid="7"/>
+                                        </p:tgtEl>
+                                        <p:attrNameLst>
+                                          <p:attrName>style.visibility</p:attrName>
+                                        </p:attrNameLst>
+                                      </p:cBhvr>
+                                      <p:to>
+                                        <p:strVal val="visible"/>
+                                      </p:to>
+                                    </p:set>
+                                  </p:childTnLst>
+                                </p:cTn>
+                              </p:par>
+                            </p:childTnLst>
+                          </p:cTn>
+                        </p:par>
+                      </p:childTnLst>
+                    </p:cTn>
+                  </p:par>
+                </p:childTnLst>
+              </p:cTn>
+              <p:prevCondLst>
+                <p:cond evt="onPrev" delay="0">
+                  <p:tgtEl>
+                    <p:sldTgt/>
+                  </p:tgtEl>
+                </p:cond>
+              </p:prevCondLst>
+              <p:nextCondLst>
+                <p:cond evt="onNext" delay="0">
+                  <p:tgtEl>
+                    <p:sldTgt/>
+                  </p:tgtEl>
+                </p:cond>
+              </p:nextCondLst>
+            </p:seq>
+          </p:childTnLst>
+        </p:cTn>
+      </p:par>
+    </p:tnLst>
+  </p:timing>
+</p:sld>
+</file>
+
+<file path=ppt/slides/slide5.xml><?xml version="1.0" encoding="utf-8"?>
+<p:sld xmlns:a="http://schemas.openxmlformats.org/drawingml/2006/main" xmlns:r="http://schemas.openxmlformats.org/officeDocument/2006/relationships" xmlns:p="http://schemas.openxmlformats.org/presentationml/2006/main">
+  <p:cSld>
+    <p:spTree>
+      <p:nvGrpSpPr>
+        <p:cNvPr id="1" name=""/>
+        <p:cNvGrpSpPr/>
+        <p:nvPr/>
+      </p:nvGrpSpPr>
+      <p:grpSpPr>
+        <a:xfrm>
+          <a:off x="0" y="0"/>
+          <a:ext cx="0" cy="0"/>
+          <a:chOff x="0" y="0"/>
+          <a:chExt cx="0" cy="0"/>
+        </a:xfrm>
+      </p:grpSpPr>
+      <p:sp>
+        <p:nvSpPr>
+          <p:cNvPr id="2" name="Title 1">
+            <a:extLst>
+              <a:ext uri="{FF2B5EF4-FFF2-40B4-BE49-F238E27FC236}">
+                <a16:creationId xmlns:a16="http://schemas.microsoft.com/office/drawing/2014/main" id="{3AC4EBB9-8F62-4F39-A09E-526615DF0F66}"/>
+              </a:ext>
+            </a:extLst>
+          </p:cNvPr>
+          <p:cNvSpPr>
+            <a:spLocks noGrp="1"/>
+          </p:cNvSpPr>
+          <p:nvPr>
+            <p:ph type="title"/>
+          </p:nvPr>
+        </p:nvSpPr>
+        <p:spPr/>
+        <p:txBody>
+          <a:bodyPr>
+            <a:normAutofit/>
+          </a:bodyPr>
+          <a:lstStyle/>
+          <a:p>
+            <a:r>
+              <a:rPr lang="en-US" sz="2800" b="1" dirty="0">
+                <a:solidFill>
+                  <a:srgbClr val="3DCB7A"/>
+                </a:solidFill>
+                <a:latin typeface="Segoe UI Semilight" panose="020B0402040204020203" pitchFamily="34" charset="0"/>
+                <a:cs typeface="Segoe UI Semilight" panose="020B0402040204020203" pitchFamily="34" charset="0"/>
+              </a:rPr>
+              <a:t>Motivation</a:t>
+            </a:r>
+            <a:endParaRPr lang="en-US" sz="2800" dirty="0"/>
+          </a:p>
+        </p:txBody>
+      </p:sp>
+      <p:sp>
+        <p:nvSpPr>
+          <p:cNvPr id="3" name="Content Placeholder 2">
+            <a:extLst>
+              <a:ext uri="{FF2B5EF4-FFF2-40B4-BE49-F238E27FC236}">
+                <a16:creationId xmlns:a16="http://schemas.microsoft.com/office/drawing/2014/main" id="{A54C4FB8-8D97-4156-BDBE-13AE372CC2BF}"/>
+              </a:ext>
+            </a:extLst>
+          </p:cNvPr>
+          <p:cNvSpPr>
+            <a:spLocks noGrp="1"/>
+          </p:cNvSpPr>
+          <p:nvPr>
+            <p:ph idx="1"/>
+          </p:nvPr>
+        </p:nvSpPr>
+        <p:spPr/>
+        <p:txBody>
+          <a:bodyPr/>
+          <a:lstStyle/>
+          <a:p>
+            <a:r>
+              <a:rPr lang="en-US" dirty="0"/>
+              <a:t>Most successful project categories/US States?</a:t>
+            </a:r>
+          </a:p>
+          <a:p>
+            <a:r>
+              <a:rPr lang="en-US" dirty="0"/>
+              <a:t>Factors of a successful project?</a:t>
+            </a:r>
+          </a:p>
+          <a:p>
+            <a:pPr lvl="1"/>
+            <a:r>
+              <a:rPr lang="en-US" dirty="0"/>
+              <a:t>Campaign duration</a:t>
+            </a:r>
+          </a:p>
+          <a:p>
+            <a:pPr lvl="1"/>
+            <a:r>
+              <a:rPr lang="en-US" dirty="0"/>
+              <a:t>Funding goal</a:t>
+            </a:r>
+          </a:p>
+          <a:p>
+            <a:pPr lvl="1"/>
+            <a:r>
+              <a:rPr lang="en-US" dirty="0"/>
+              <a:t>Image/Video</a:t>
+            </a:r>
+          </a:p>
+          <a:p>
+            <a:pPr lvl="1"/>
+            <a:r>
+              <a:rPr lang="en-US" dirty="0"/>
+              <a:t># of FAQs</a:t>
+            </a:r>
+          </a:p>
+          <a:p>
+            <a:pPr lvl="1"/>
+            <a:r>
+              <a:rPr lang="en-US" dirty="0"/>
+              <a:t># of Updates</a:t>
+            </a:r>
+          </a:p>
+        </p:txBody>
+      </p:sp>
+    </p:spTree>
+    <p:extLst>
+      <p:ext uri="{BB962C8B-B14F-4D97-AF65-F5344CB8AC3E}">
+        <p14:creationId xmlns:p14="http://schemas.microsoft.com/office/powerpoint/2010/main" val="3955406032"/>
+      </p:ext>
+    </p:extLst>
+  </p:cSld>
+  <p:clrMapOvr>
+    <a:masterClrMapping/>
+  </p:clrMapOvr>
+</p:sld>
+</file>
+
+<file path=ppt/slides/slide6.xml><?xml version="1.0" encoding="utf-8"?>
+<p:sld xmlns:a="http://schemas.openxmlformats.org/drawingml/2006/main" xmlns:r="http://schemas.openxmlformats.org/officeDocument/2006/relationships" xmlns:p="http://schemas.openxmlformats.org/presentationml/2006/main">
+  <p:cSld>
+    <p:spTree>
+      <p:nvGrpSpPr>
+        <p:cNvPr id="1" name=""/>
+        <p:cNvGrpSpPr/>
+        <p:nvPr/>
+      </p:nvGrpSpPr>
+      <p:grpSpPr>
+        <a:xfrm>
+          <a:off x="0" y="0"/>
+          <a:ext cx="0" cy="0"/>
+          <a:chOff x="0" y="0"/>
+          <a:chExt cx="0" cy="0"/>
+        </a:xfrm>
+      </p:grpSpPr>
+      <p:sp>
+        <p:nvSpPr>
+          <p:cNvPr id="4" name="Rectangle 3">
+            <a:extLst>
+              <a:ext uri="{FF2B5EF4-FFF2-40B4-BE49-F238E27FC236}">
+                <a16:creationId xmlns:a16="http://schemas.microsoft.com/office/drawing/2014/main" id="{5B8585AF-D35C-4BC3-9721-D82BD7E87614}"/>
+              </a:ext>
+            </a:extLst>
+          </p:cNvPr>
+          <p:cNvSpPr/>
+          <p:nvPr/>
+        </p:nvSpPr>
+        <p:spPr>
+          <a:xfrm>
+            <a:off x="0" y="277792"/>
+            <a:ext cx="9155575" cy="879676"/>
+          </a:xfrm>
+          <a:prstGeom prst="rect">
+            <a:avLst/>
+          </a:prstGeom>
+          <a:solidFill>
+            <a:srgbClr val="3DCB7A"/>
+          </a:solidFill>
+          <a:ln>
+            <a:noFill/>
+          </a:ln>
+        </p:spPr>
+        <p:style>
+          <a:lnRef idx="2">
+            <a:schemeClr val="accent1">
+              <a:shade val="50000"/>
+            </a:schemeClr>
+          </a:lnRef>
+          <a:fillRef idx="1">
+            <a:schemeClr val="accent1"/>
+          </a:fillRef>
+          <a:effectRef idx="0">
+            <a:schemeClr val="accent1"/>
+          </a:effectRef>
+          <a:fontRef idx="minor">
+            <a:schemeClr val="lt1"/>
+          </a:fontRef>
+        </p:style>
+        <p:txBody>
+          <a:bodyPr rtlCol="0" anchor="ctr"/>
+          <a:lstStyle/>
+          <a:p>
+            <a:pPr algn="ctr"/>
+            <a:endParaRPr lang="en-US"/>
+          </a:p>
+        </p:txBody>
+      </p:sp>
+      <p:pic>
+        <p:nvPicPr>
+          <p:cNvPr id="2050" name="Picture 2" descr="KICKSTARTER LOGO ile ilgili gÃ¶rsel sonucu">
+            <a:extLst>
+              <a:ext uri="{FF2B5EF4-FFF2-40B4-BE49-F238E27FC236}">
+                <a16:creationId xmlns:a16="http://schemas.microsoft.com/office/drawing/2014/main" id="{C78AC231-75AE-435D-9C4A-9D87556C21D1}"/>
+              </a:ext>
+            </a:extLst>
+          </p:cNvPr>
+          <p:cNvPicPr>
+            <a:picLocks noChangeAspect="1" noChangeArrowheads="1"/>
+          </p:cNvPicPr>
+          <p:nvPr/>
+        </p:nvPicPr>
+        <p:blipFill>
+          <a:blip r:embed="rId3">
+            <a:extLst>
+              <a:ext uri="{28A0092B-C50C-407E-A947-70E740481C1C}">
+                <a14:useLocalDpi xmlns:a14="http://schemas.microsoft.com/office/drawing/2010/main" val="0"/>
+              </a:ext>
+            </a:extLst>
+          </a:blip>
+          <a:srcRect/>
+          <a:stretch>
+            <a:fillRect/>
+          </a:stretch>
+        </p:blipFill>
+        <p:spPr bwMode="auto">
+          <a:xfrm>
+            <a:off x="312516" y="410382"/>
+            <a:ext cx="5783484" cy="614495"/>
+          </a:xfrm>
+          <a:prstGeom prst="rect">
+            <a:avLst/>
+          </a:prstGeom>
+          <a:noFill/>
+          <a:extLst>
+            <a:ext uri="{909E8E84-426E-40DD-AFC4-6F175D3DCCD1}">
+              <a14:hiddenFill xmlns:a14="http://schemas.microsoft.com/office/drawing/2010/main">
+                <a:solidFill>
+                  <a:srgbClr val="FFFFFF"/>
+                </a:solidFill>
+              </a14:hiddenFill>
+            </a:ext>
+          </a:extLst>
+        </p:spPr>
+      </p:pic>
+      <p:sp>
+        <p:nvSpPr>
+          <p:cNvPr id="5" name="Rectangle 4">
+            <a:extLst>
+              <a:ext uri="{FF2B5EF4-FFF2-40B4-BE49-F238E27FC236}">
+                <a16:creationId xmlns:a16="http://schemas.microsoft.com/office/drawing/2014/main" id="{B57184B1-DF21-403A-8646-EF12A51B8945}"/>
+              </a:ext>
+            </a:extLst>
+          </p:cNvPr>
+          <p:cNvSpPr/>
+          <p:nvPr/>
+        </p:nvSpPr>
+        <p:spPr>
+          <a:xfrm>
+            <a:off x="6267011" y="520856"/>
+            <a:ext cx="2539413" cy="646331"/>
+          </a:xfrm>
+          <a:prstGeom prst="rect">
+            <a:avLst/>
+          </a:prstGeom>
+        </p:spPr>
+        <p:txBody>
+          <a:bodyPr wrap="none">
+            <a:spAutoFit/>
+          </a:bodyPr>
+          <a:lstStyle/>
+          <a:p>
+            <a:r>
+              <a:rPr lang="en-US" sz="3600" b="1" dirty="0">
+                <a:latin typeface="Segoe UI Semilight" panose="020B0402040204020203" pitchFamily="34" charset="0"/>
+                <a:cs typeface="Segoe UI Semilight" panose="020B0402040204020203" pitchFamily="34" charset="0"/>
+              </a:rPr>
+              <a:t>by numbers</a:t>
+            </a:r>
+            <a:endParaRPr lang="en-US" sz="3600" dirty="0"/>
+          </a:p>
+        </p:txBody>
+      </p:sp>
+      <p:pic>
+        <p:nvPicPr>
+          <p:cNvPr id="10" name="Picture 9">
+            <a:extLst>
+              <a:ext uri="{FF2B5EF4-FFF2-40B4-BE49-F238E27FC236}">
+                <a16:creationId xmlns:a16="http://schemas.microsoft.com/office/drawing/2014/main" id="{90706A7A-FA49-404A-874E-80921F64DFDD}"/>
+              </a:ext>
+            </a:extLst>
+          </p:cNvPr>
+          <p:cNvPicPr>
+            <a:picLocks noChangeAspect="1"/>
+          </p:cNvPicPr>
+          <p:nvPr/>
+        </p:nvPicPr>
+        <p:blipFill>
+          <a:blip r:embed="rId4">
+            <a:extLst>
+              <a:ext uri="{28A0092B-C50C-407E-A947-70E740481C1C}">
+                <a14:useLocalDpi xmlns:a14="http://schemas.microsoft.com/office/drawing/2010/main" val="0"/>
+              </a:ext>
+            </a:extLst>
+          </a:blip>
+          <a:stretch>
+            <a:fillRect/>
+          </a:stretch>
+        </p:blipFill>
+        <p:spPr>
+          <a:xfrm>
+            <a:off x="567159" y="1514426"/>
+            <a:ext cx="10893694" cy="4782205"/>
+          </a:xfrm>
+          <a:prstGeom prst="rect">
+            <a:avLst/>
+          </a:prstGeom>
+        </p:spPr>
+      </p:pic>
+      <p:pic>
+        <p:nvPicPr>
+          <p:cNvPr id="2060" name="Picture 12" descr="Ä°lgili resim">
+            <a:extLst>
+              <a:ext uri="{FF2B5EF4-FFF2-40B4-BE49-F238E27FC236}">
+                <a16:creationId xmlns:a16="http://schemas.microsoft.com/office/drawing/2014/main" id="{11CA7C90-3B8F-4B4F-88BD-3B8CF4E0B4B9}"/>
+              </a:ext>
+            </a:extLst>
+          </p:cNvPr>
+          <p:cNvPicPr>
+            <a:picLocks noChangeAspect="1" noChangeArrowheads="1"/>
+          </p:cNvPicPr>
+          <p:nvPr/>
+        </p:nvPicPr>
+        <p:blipFill>
+          <a:blip r:embed="rId5">
+            <a:extLst>
+              <a:ext uri="{28A0092B-C50C-407E-A947-70E740481C1C}">
+                <a14:useLocalDpi xmlns:a14="http://schemas.microsoft.com/office/drawing/2010/main" val="0"/>
+              </a:ext>
+            </a:extLst>
+          </a:blip>
+          <a:srcRect/>
+          <a:stretch>
+            <a:fillRect/>
+          </a:stretch>
+        </p:blipFill>
+        <p:spPr bwMode="auto">
+          <a:xfrm>
+            <a:off x="2903316" y="2779853"/>
+            <a:ext cx="649147" cy="649147"/>
+          </a:xfrm>
+          <a:prstGeom prst="rect">
+            <a:avLst/>
+          </a:prstGeom>
+          <a:noFill/>
+          <a:extLst>
+            <a:ext uri="{909E8E84-426E-40DD-AFC4-6F175D3DCCD1}">
+              <a14:hiddenFill xmlns:a14="http://schemas.microsoft.com/office/drawing/2010/main">
+                <a:solidFill>
+                  <a:srgbClr val="FFFFFF"/>
+                </a:solidFill>
+              </a14:hiddenFill>
+            </a:ext>
+          </a:extLst>
+        </p:spPr>
+      </p:pic>
+      <p:pic>
+        <p:nvPicPr>
+          <p:cNvPr id="14" name="Picture 10" descr="Ä°lgili resim">
+            <a:extLst>
+              <a:ext uri="{FF2B5EF4-FFF2-40B4-BE49-F238E27FC236}">
+                <a16:creationId xmlns:a16="http://schemas.microsoft.com/office/drawing/2014/main" id="{87A5E93C-30AB-43DD-9A50-3ED1D96CAAE1}"/>
+              </a:ext>
+            </a:extLst>
+          </p:cNvPr>
+          <p:cNvPicPr>
+            <a:picLocks noChangeAspect="1" noChangeArrowheads="1"/>
+          </p:cNvPicPr>
+          <p:nvPr/>
+        </p:nvPicPr>
+        <p:blipFill>
+          <a:blip r:embed="rId6">
+            <a:extLst>
+              <a:ext uri="{28A0092B-C50C-407E-A947-70E740481C1C}">
+                <a14:useLocalDpi xmlns:a14="http://schemas.microsoft.com/office/drawing/2010/main" val="0"/>
+              </a:ext>
+            </a:extLst>
+          </a:blip>
+          <a:srcRect/>
+          <a:stretch>
+            <a:fillRect/>
+          </a:stretch>
+        </p:blipFill>
+        <p:spPr bwMode="auto">
+          <a:xfrm>
+            <a:off x="2015168" y="2180488"/>
+            <a:ext cx="599365" cy="599365"/>
+          </a:xfrm>
+          <a:prstGeom prst="rect">
+            <a:avLst/>
+          </a:prstGeom>
+          <a:noFill/>
+          <a:extLst>
+            <a:ext uri="{909E8E84-426E-40DD-AFC4-6F175D3DCCD1}">
+              <a14:hiddenFill xmlns:a14="http://schemas.microsoft.com/office/drawing/2010/main">
+                <a:solidFill>
+                  <a:srgbClr val="FFFFFF"/>
+                </a:solidFill>
+              </a14:hiddenFill>
+            </a:ext>
+          </a:extLst>
+        </p:spPr>
+      </p:pic>
+      <p:pic>
+        <p:nvPicPr>
+          <p:cNvPr id="2062" name="Picture 14" descr="animation icon png ile ilgili gÃ¶rsel sonucu">
+            <a:extLst>
+              <a:ext uri="{FF2B5EF4-FFF2-40B4-BE49-F238E27FC236}">
+                <a16:creationId xmlns:a16="http://schemas.microsoft.com/office/drawing/2014/main" id="{BA7C0899-B11C-484D-BC21-73F2D3EEAB01}"/>
+              </a:ext>
+            </a:extLst>
+          </p:cNvPr>
+          <p:cNvPicPr>
+            <a:picLocks noChangeAspect="1" noChangeArrowheads="1"/>
+          </p:cNvPicPr>
+          <p:nvPr/>
+        </p:nvPicPr>
+        <p:blipFill>
+          <a:blip r:embed="rId7">
+            <a:extLst>
+              <a:ext uri="{28A0092B-C50C-407E-A947-70E740481C1C}">
+                <a14:useLocalDpi xmlns:a14="http://schemas.microsoft.com/office/drawing/2010/main" val="0"/>
+              </a:ext>
+            </a:extLst>
+          </a:blip>
+          <a:srcRect/>
+          <a:stretch>
+            <a:fillRect/>
+          </a:stretch>
+        </p:blipFill>
+        <p:spPr bwMode="auto">
+          <a:xfrm>
+            <a:off x="3910696" y="3256380"/>
+            <a:ext cx="517969" cy="517969"/>
+          </a:xfrm>
+          <a:prstGeom prst="rect">
+            <a:avLst/>
+          </a:prstGeom>
+          <a:noFill/>
+          <a:extLst>
+            <a:ext uri="{909E8E84-426E-40DD-AFC4-6F175D3DCCD1}">
+              <a14:hiddenFill xmlns:a14="http://schemas.microsoft.com/office/drawing/2010/main">
+                <a:solidFill>
+                  <a:srgbClr val="FFFFFF"/>
+                </a:solidFill>
+              </a14:hiddenFill>
+            </a:ext>
+          </a:extLst>
+        </p:spPr>
+      </p:pic>
+      <p:pic>
+        <p:nvPicPr>
+          <p:cNvPr id="2064" name="Picture 16" descr="Ä°lgili resim">
+            <a:extLst>
+              <a:ext uri="{FF2B5EF4-FFF2-40B4-BE49-F238E27FC236}">
+                <a16:creationId xmlns:a16="http://schemas.microsoft.com/office/drawing/2014/main" id="{B8111CFE-2F32-4CDE-8B78-AA65A2F816F7}"/>
+              </a:ext>
+            </a:extLst>
+          </p:cNvPr>
+          <p:cNvPicPr>
+            <a:picLocks noChangeAspect="1" noChangeArrowheads="1"/>
+          </p:cNvPicPr>
+          <p:nvPr/>
+        </p:nvPicPr>
+        <p:blipFill>
+          <a:blip r:embed="rId8">
+            <a:extLst>
+              <a:ext uri="{28A0092B-C50C-407E-A947-70E740481C1C}">
+                <a14:useLocalDpi xmlns:a14="http://schemas.microsoft.com/office/drawing/2010/main" val="0"/>
+              </a:ext>
+            </a:extLst>
+          </a:blip>
+          <a:srcRect/>
+          <a:stretch>
+            <a:fillRect/>
+          </a:stretch>
+        </p:blipFill>
+        <p:spPr bwMode="auto">
+          <a:xfrm>
+            <a:off x="4884516" y="3538514"/>
+            <a:ext cx="523826" cy="523826"/>
+          </a:xfrm>
+          <a:prstGeom prst="rect">
+            <a:avLst/>
+          </a:prstGeom>
+          <a:noFill/>
+          <a:extLst>
+            <a:ext uri="{909E8E84-426E-40DD-AFC4-6F175D3DCCD1}">
+              <a14:hiddenFill xmlns:a14="http://schemas.microsoft.com/office/drawing/2010/main">
+                <a:solidFill>
+                  <a:srgbClr val="FFFFFF"/>
+                </a:solidFill>
+              </a14:hiddenFill>
+            </a:ext>
+          </a:extLst>
+        </p:spPr>
+      </p:pic>
+      <p:pic>
+        <p:nvPicPr>
+          <p:cNvPr id="2066" name="Picture 18" descr="Ä°lgili resim">
+            <a:extLst>
+              <a:ext uri="{FF2B5EF4-FFF2-40B4-BE49-F238E27FC236}">
+                <a16:creationId xmlns:a16="http://schemas.microsoft.com/office/drawing/2014/main" id="{7C0558D3-190C-47AA-B30C-871E6DA3B395}"/>
+              </a:ext>
+            </a:extLst>
+          </p:cNvPr>
+          <p:cNvPicPr>
+            <a:picLocks noChangeAspect="1" noChangeArrowheads="1"/>
+          </p:cNvPicPr>
+          <p:nvPr/>
+        </p:nvPicPr>
+        <p:blipFill>
+          <a:blip r:embed="rId9">
+            <a:biLevel thresh="75000"/>
+            <a:extLst>
+              <a:ext uri="{28A0092B-C50C-407E-A947-70E740481C1C}">
+                <a14:useLocalDpi xmlns:a14="http://schemas.microsoft.com/office/drawing/2010/main" val="0"/>
+              </a:ext>
+            </a:extLst>
+          </a:blip>
+          <a:srcRect/>
+          <a:stretch>
+            <a:fillRect/>
+          </a:stretch>
+        </p:blipFill>
+        <p:spPr bwMode="auto">
+          <a:xfrm>
+            <a:off x="5817484" y="3571720"/>
+            <a:ext cx="523825" cy="523825"/>
+          </a:xfrm>
+          <a:prstGeom prst="rect">
+            <a:avLst/>
+          </a:prstGeom>
+          <a:noFill/>
+          <a:extLst>
+            <a:ext uri="{909E8E84-426E-40DD-AFC4-6F175D3DCCD1}">
+              <a14:hiddenFill xmlns:a14="http://schemas.microsoft.com/office/drawing/2010/main">
+                <a:solidFill>
+                  <a:srgbClr val="FFFFFF"/>
+                </a:solidFill>
+              </a14:hiddenFill>
+            </a:ext>
+          </a:extLst>
+        </p:spPr>
+      </p:pic>
+      <p:pic>
+        <p:nvPicPr>
+          <p:cNvPr id="2072" name="Picture 24" descr="robot icon png ile ilgili gÃ¶rsel sonucu">
+            <a:extLst>
+              <a:ext uri="{FF2B5EF4-FFF2-40B4-BE49-F238E27FC236}">
+                <a16:creationId xmlns:a16="http://schemas.microsoft.com/office/drawing/2014/main" id="{E94EEFEA-25BC-4F45-A4F8-9646F5E23C9F}"/>
+              </a:ext>
+            </a:extLst>
+          </p:cNvPr>
+          <p:cNvPicPr>
+            <a:picLocks noChangeAspect="1" noChangeArrowheads="1"/>
+          </p:cNvPicPr>
+          <p:nvPr/>
+        </p:nvPicPr>
+        <p:blipFill>
+          <a:blip r:embed="rId10">
+            <a:extLst>
+              <a:ext uri="{28A0092B-C50C-407E-A947-70E740481C1C}">
+                <a14:useLocalDpi xmlns:a14="http://schemas.microsoft.com/office/drawing/2010/main" val="0"/>
+              </a:ext>
+            </a:extLst>
+          </a:blip>
+          <a:srcRect/>
+          <a:stretch>
+            <a:fillRect/>
+          </a:stretch>
+        </p:blipFill>
+        <p:spPr bwMode="auto">
+          <a:xfrm>
+            <a:off x="7682845" y="3643614"/>
+            <a:ext cx="523827" cy="523827"/>
+          </a:xfrm>
+          <a:prstGeom prst="rect">
+            <a:avLst/>
+          </a:prstGeom>
+          <a:noFill/>
+          <a:extLst>
+            <a:ext uri="{909E8E84-426E-40DD-AFC4-6F175D3DCCD1}">
+              <a14:hiddenFill xmlns:a14="http://schemas.microsoft.com/office/drawing/2010/main">
+                <a:solidFill>
+                  <a:srgbClr val="FFFFFF"/>
+                </a:solidFill>
+              </a14:hiddenFill>
+            </a:ext>
+          </a:extLst>
+        </p:spPr>
+      </p:pic>
+      <p:pic>
+        <p:nvPicPr>
+          <p:cNvPr id="2074" name="Picture 26" descr="music icon png ile ilgili gÃ¶rsel sonucu">
+            <a:extLst>
+              <a:ext uri="{FF2B5EF4-FFF2-40B4-BE49-F238E27FC236}">
+                <a16:creationId xmlns:a16="http://schemas.microsoft.com/office/drawing/2014/main" id="{C3485DDF-A2C5-437B-9867-11A37EDE77A0}"/>
+              </a:ext>
+            </a:extLst>
+          </p:cNvPr>
+          <p:cNvPicPr>
+            <a:picLocks noChangeAspect="1" noChangeArrowheads="1"/>
+          </p:cNvPicPr>
+          <p:nvPr/>
+        </p:nvPicPr>
+        <p:blipFill>
+          <a:blip r:embed="rId11">
+            <a:extLst>
+              <a:ext uri="{28A0092B-C50C-407E-A947-70E740481C1C}">
+                <a14:useLocalDpi xmlns:a14="http://schemas.microsoft.com/office/drawing/2010/main" val="0"/>
+              </a:ext>
+            </a:extLst>
+          </a:blip>
+          <a:srcRect/>
+          <a:stretch>
+            <a:fillRect/>
+          </a:stretch>
+        </p:blipFill>
+        <p:spPr bwMode="auto">
+          <a:xfrm>
+            <a:off x="8403836" y="3515364"/>
+            <a:ext cx="925046" cy="925046"/>
+          </a:xfrm>
+          <a:prstGeom prst="rect">
+            <a:avLst/>
+          </a:prstGeom>
+          <a:noFill/>
+          <a:extLst>
+            <a:ext uri="{909E8E84-426E-40DD-AFC4-6F175D3DCCD1}">
+              <a14:hiddenFill xmlns:a14="http://schemas.microsoft.com/office/drawing/2010/main">
+                <a:solidFill>
+                  <a:srgbClr val="FFFFFF"/>
+                </a:solidFill>
+              </a14:hiddenFill>
+            </a:ext>
+          </a:extLst>
+        </p:spPr>
+      </p:pic>
+      <p:pic>
+        <p:nvPicPr>
+          <p:cNvPr id="2076" name="Picture 28" descr="comic book icon png ile ilgili gÃ¶rsel sonucu">
+            <a:extLst>
+              <a:ext uri="{FF2B5EF4-FFF2-40B4-BE49-F238E27FC236}">
+                <a16:creationId xmlns:a16="http://schemas.microsoft.com/office/drawing/2014/main" id="{04D3FE48-35CA-4842-B670-63E3F3264981}"/>
+              </a:ext>
+            </a:extLst>
+          </p:cNvPr>
+          <p:cNvPicPr>
+            <a:picLocks noChangeAspect="1" noChangeArrowheads="1"/>
+          </p:cNvPicPr>
+          <p:nvPr/>
+        </p:nvPicPr>
+        <p:blipFill>
+          <a:blip r:embed="rId12">
+            <a:extLst>
+              <a:ext uri="{28A0092B-C50C-407E-A947-70E740481C1C}">
+                <a14:useLocalDpi xmlns:a14="http://schemas.microsoft.com/office/drawing/2010/main" val="0"/>
+              </a:ext>
+            </a:extLst>
+          </a:blip>
+          <a:srcRect/>
+          <a:stretch>
+            <a:fillRect/>
+          </a:stretch>
+        </p:blipFill>
+        <p:spPr bwMode="auto">
+          <a:xfrm>
+            <a:off x="9598459" y="3678893"/>
+            <a:ext cx="523827" cy="523827"/>
+          </a:xfrm>
+          <a:prstGeom prst="rect">
+            <a:avLst/>
+          </a:prstGeom>
+          <a:noFill/>
+          <a:extLst>
+            <a:ext uri="{909E8E84-426E-40DD-AFC4-6F175D3DCCD1}">
+              <a14:hiddenFill xmlns:a14="http://schemas.microsoft.com/office/drawing/2010/main">
+                <a:solidFill>
+                  <a:srgbClr val="FFFFFF"/>
+                </a:solidFill>
+              </a14:hiddenFill>
+            </a:ext>
+          </a:extLst>
+        </p:spPr>
+      </p:pic>
+      <p:pic>
+        <p:nvPicPr>
+          <p:cNvPr id="2080" name="Picture 32" descr="Ä°lgili resim">
+            <a:extLst>
+              <a:ext uri="{FF2B5EF4-FFF2-40B4-BE49-F238E27FC236}">
+                <a16:creationId xmlns:a16="http://schemas.microsoft.com/office/drawing/2014/main" id="{F6DBE859-BADB-4A8D-BD01-3FDF0C015E8E}"/>
+              </a:ext>
+            </a:extLst>
+          </p:cNvPr>
+          <p:cNvPicPr>
+            <a:picLocks noChangeAspect="1" noChangeArrowheads="1"/>
+          </p:cNvPicPr>
+          <p:nvPr/>
+        </p:nvPicPr>
+        <p:blipFill>
+          <a:blip r:embed="rId13">
+            <a:extLst>
+              <a:ext uri="{28A0092B-C50C-407E-A947-70E740481C1C}">
+                <a14:useLocalDpi xmlns:a14="http://schemas.microsoft.com/office/drawing/2010/main" val="0"/>
+              </a:ext>
+            </a:extLst>
+          </a:blip>
+          <a:srcRect/>
+          <a:stretch>
+            <a:fillRect/>
+          </a:stretch>
+        </p:blipFill>
+        <p:spPr bwMode="auto">
+          <a:xfrm>
+            <a:off x="10484739" y="3684751"/>
+            <a:ext cx="517969" cy="517969"/>
+          </a:xfrm>
+          <a:prstGeom prst="rect">
+            <a:avLst/>
+          </a:prstGeom>
+          <a:noFill/>
+          <a:extLst>
+            <a:ext uri="{909E8E84-426E-40DD-AFC4-6F175D3DCCD1}">
+              <a14:hiddenFill xmlns:a14="http://schemas.microsoft.com/office/drawing/2010/main">
+                <a:solidFill>
+                  <a:srgbClr val="FFFFFF"/>
+                </a:solidFill>
+              </a14:hiddenFill>
+            </a:ext>
+          </a:extLst>
+        </p:spPr>
+      </p:pic>
+      <p:pic>
+        <p:nvPicPr>
+          <p:cNvPr id="2082" name="Picture 34" descr="Ä°lgili resim">
+            <a:extLst>
+              <a:ext uri="{FF2B5EF4-FFF2-40B4-BE49-F238E27FC236}">
+                <a16:creationId xmlns:a16="http://schemas.microsoft.com/office/drawing/2014/main" id="{D0EB21C8-F1A0-4328-BC90-0DCF49812F8A}"/>
+              </a:ext>
+            </a:extLst>
+          </p:cNvPr>
+          <p:cNvPicPr>
+            <a:picLocks noChangeAspect="1" noChangeArrowheads="1"/>
+          </p:cNvPicPr>
+          <p:nvPr/>
+        </p:nvPicPr>
+        <p:blipFill>
+          <a:blip r:embed="rId14">
+            <a:extLst>
+              <a:ext uri="{28A0092B-C50C-407E-A947-70E740481C1C}">
+                <a14:useLocalDpi xmlns:a14="http://schemas.microsoft.com/office/drawing/2010/main" val="0"/>
+              </a:ext>
+            </a:extLst>
+          </a:blip>
+          <a:srcRect/>
+          <a:stretch>
+            <a:fillRect/>
+          </a:stretch>
+        </p:blipFill>
+        <p:spPr bwMode="auto">
+          <a:xfrm>
+            <a:off x="6565033" y="3429000"/>
+            <a:ext cx="936585" cy="936585"/>
+          </a:xfrm>
+          <a:prstGeom prst="rect">
+            <a:avLst/>
+          </a:prstGeom>
+          <a:noFill/>
+          <a:extLst>
+            <a:ext uri="{909E8E84-426E-40DD-AFC4-6F175D3DCCD1}">
+              <a14:hiddenFill xmlns:a14="http://schemas.microsoft.com/office/drawing/2010/main">
+                <a:solidFill>
+                  <a:srgbClr val="FFFFFF"/>
+                </a:solidFill>
+              </a14:hiddenFill>
+            </a:ext>
+          </a:extLst>
+        </p:spPr>
+      </p:pic>
+    </p:spTree>
+    <p:extLst>
+      <p:ext uri="{BB962C8B-B14F-4D97-AF65-F5344CB8AC3E}">
+        <p14:creationId xmlns:p14="http://schemas.microsoft.com/office/powerpoint/2010/main" val="4198618423"/>
+      </p:ext>
+    </p:extLst>
+  </p:cSld>
+  <p:clrMapOvr>
+    <a:masterClrMapping/>
+  </p:clrMapOvr>
+</p:sld>
+</file>
+
+<file path=ppt/slides/slide7.xml><?xml version="1.0" encoding="utf-8"?>
+<p:sld xmlns:a="http://schemas.openxmlformats.org/drawingml/2006/main" xmlns:r="http://schemas.openxmlformats.org/officeDocument/2006/relationships" xmlns:p="http://schemas.openxmlformats.org/presentationml/2006/main">
+  <p:cSld>
+    <p:spTree>
+      <p:nvGrpSpPr>
+        <p:cNvPr id="1" name=""/>
+        <p:cNvGrpSpPr/>
+        <p:nvPr/>
+      </p:nvGrpSpPr>
+      <p:grpSpPr>
+        <a:xfrm>
+          <a:off x="0" y="0"/>
+          <a:ext cx="0" cy="0"/>
+          <a:chOff x="0" y="0"/>
+          <a:chExt cx="0" cy="0"/>
+        </a:xfrm>
+      </p:grpSpPr>
+      <p:pic>
+        <p:nvPicPr>
+          <p:cNvPr id="6" name="Picture 5">
+            <a:extLst>
+              <a:ext uri="{FF2B5EF4-FFF2-40B4-BE49-F238E27FC236}">
+                <a16:creationId xmlns:a16="http://schemas.microsoft.com/office/drawing/2014/main" id="{8AE203C1-F2F7-4EF2-8386-A29C22309A30}"/>
+              </a:ext>
+            </a:extLst>
+          </p:cNvPr>
+          <p:cNvPicPr>
+            <a:picLocks noChangeAspect="1"/>
+          </p:cNvPicPr>
+          <p:nvPr/>
+        </p:nvPicPr>
+        <p:blipFill>
+          <a:blip r:embed="rId3">
+            <a:extLst>
+              <a:ext uri="{28A0092B-C50C-407E-A947-70E740481C1C}">
+                <a14:useLocalDpi xmlns:a14="http://schemas.microsoft.com/office/drawing/2010/main" val="0"/>
+              </a:ext>
+            </a:extLst>
+          </a:blip>
+          <a:stretch>
+            <a:fillRect/>
+          </a:stretch>
+        </p:blipFill>
+        <p:spPr>
+          <a:xfrm>
+            <a:off x="111612" y="2032000"/>
+            <a:ext cx="11954741" cy="4457700"/>
+          </a:xfrm>
+          <a:prstGeom prst="rect">
+            <a:avLst/>
+          </a:prstGeom>
+        </p:spPr>
+      </p:pic>
+      <p:sp>
+        <p:nvSpPr>
+          <p:cNvPr id="7" name="Rectangle 6">
+            <a:extLst>
+              <a:ext uri="{FF2B5EF4-FFF2-40B4-BE49-F238E27FC236}">
+                <a16:creationId xmlns:a16="http://schemas.microsoft.com/office/drawing/2014/main" id="{62E7E1B5-5D18-46C4-B1EB-5E7ED33C1257}"/>
+              </a:ext>
+            </a:extLst>
+          </p:cNvPr>
+          <p:cNvSpPr/>
+          <p:nvPr/>
+        </p:nvSpPr>
+        <p:spPr>
+          <a:xfrm>
+            <a:off x="0" y="277792"/>
+            <a:ext cx="9155575" cy="879676"/>
+          </a:xfrm>
+          <a:prstGeom prst="rect">
+            <a:avLst/>
+          </a:prstGeom>
+          <a:solidFill>
+            <a:srgbClr val="3DCB7A"/>
+          </a:solidFill>
+          <a:ln>
+            <a:noFill/>
+          </a:ln>
+        </p:spPr>
+        <p:style>
+          <a:lnRef idx="2">
+            <a:schemeClr val="accent1">
+              <a:shade val="50000"/>
+            </a:schemeClr>
+          </a:lnRef>
+          <a:fillRef idx="1">
+            <a:schemeClr val="accent1"/>
+          </a:fillRef>
+          <a:effectRef idx="0">
+            <a:schemeClr val="accent1"/>
+          </a:effectRef>
+          <a:fontRef idx="minor">
+            <a:schemeClr val="lt1"/>
+          </a:fontRef>
+        </p:style>
+        <p:txBody>
+          <a:bodyPr rtlCol="0" anchor="ctr"/>
+          <a:lstStyle/>
+          <a:p>
+            <a:pPr algn="ctr"/>
+            <a:endParaRPr lang="en-US"/>
+          </a:p>
+        </p:txBody>
+      </p:sp>
+      <p:pic>
+        <p:nvPicPr>
+          <p:cNvPr id="8" name="Picture 2" descr="KICKSTARTER LOGO ile ilgili gÃ¶rsel sonucu">
+            <a:extLst>
+              <a:ext uri="{FF2B5EF4-FFF2-40B4-BE49-F238E27FC236}">
+                <a16:creationId xmlns:a16="http://schemas.microsoft.com/office/drawing/2014/main" id="{99DA0297-CB6F-4607-BA6C-1093E1E2B832}"/>
+              </a:ext>
+            </a:extLst>
+          </p:cNvPr>
+          <p:cNvPicPr>
+            <a:picLocks noChangeAspect="1" noChangeArrowheads="1"/>
+          </p:cNvPicPr>
+          <p:nvPr/>
+        </p:nvPicPr>
+        <p:blipFill>
+          <a:blip r:embed="rId4">
+            <a:extLst>
+              <a:ext uri="{28A0092B-C50C-407E-A947-70E740481C1C}">
+                <a14:useLocalDpi xmlns:a14="http://schemas.microsoft.com/office/drawing/2010/main" val="0"/>
+              </a:ext>
+            </a:extLst>
+          </a:blip>
+          <a:srcRect/>
+          <a:stretch>
+            <a:fillRect/>
+          </a:stretch>
+        </p:blipFill>
+        <p:spPr bwMode="auto">
+          <a:xfrm>
+            <a:off x="312516" y="410382"/>
+            <a:ext cx="5783484" cy="614495"/>
+          </a:xfrm>
+          <a:prstGeom prst="rect">
+            <a:avLst/>
+          </a:prstGeom>
+          <a:noFill/>
+          <a:extLst>
+            <a:ext uri="{909E8E84-426E-40DD-AFC4-6F175D3DCCD1}">
+              <a14:hiddenFill xmlns:a14="http://schemas.microsoft.com/office/drawing/2010/main">
+                <a:solidFill>
+                  <a:srgbClr val="FFFFFF"/>
+                </a:solidFill>
+              </a14:hiddenFill>
+            </a:ext>
+          </a:extLst>
+        </p:spPr>
+      </p:pic>
+      <p:sp>
+        <p:nvSpPr>
+          <p:cNvPr id="9" name="Rectangle 8">
+            <a:extLst>
+              <a:ext uri="{FF2B5EF4-FFF2-40B4-BE49-F238E27FC236}">
+                <a16:creationId xmlns:a16="http://schemas.microsoft.com/office/drawing/2014/main" id="{37DAE662-3154-4B0A-B587-1751CCD087B6}"/>
+              </a:ext>
+            </a:extLst>
+          </p:cNvPr>
+          <p:cNvSpPr/>
+          <p:nvPr/>
+        </p:nvSpPr>
+        <p:spPr>
+          <a:xfrm>
+            <a:off x="6267011" y="520856"/>
+            <a:ext cx="2539413" cy="646331"/>
+          </a:xfrm>
+          <a:prstGeom prst="rect">
+            <a:avLst/>
+          </a:prstGeom>
+        </p:spPr>
+        <p:txBody>
+          <a:bodyPr wrap="none">
+            <a:spAutoFit/>
+          </a:bodyPr>
+          <a:lstStyle/>
+          <a:p>
+            <a:r>
+              <a:rPr lang="en-US" sz="3600" b="1" dirty="0">
+                <a:latin typeface="Segoe UI Semilight" panose="020B0402040204020203" pitchFamily="34" charset="0"/>
+                <a:cs typeface="Segoe UI Semilight" panose="020B0402040204020203" pitchFamily="34" charset="0"/>
+              </a:rPr>
+              <a:t>by numbers</a:t>
+            </a:r>
+            <a:endParaRPr lang="en-US" sz="3600" dirty="0"/>
+          </a:p>
+        </p:txBody>
+      </p:sp>
+    </p:spTree>
+    <p:extLst>
+      <p:ext uri="{BB962C8B-B14F-4D97-AF65-F5344CB8AC3E}">
+        <p14:creationId xmlns:p14="http://schemas.microsoft.com/office/powerpoint/2010/main" val="2355085338"/>
+      </p:ext>
+    </p:extLst>
+  </p:cSld>
+  <p:clrMapOvr>
+    <a:masterClrMapping/>
+  </p:clrMapOvr>
+</p:sld>
+</file>
+
+<file path=ppt/slides/slide8.xml><?xml version="1.0" encoding="utf-8"?>
+<p:sld xmlns:a="http://schemas.openxmlformats.org/drawingml/2006/main" xmlns:r="http://schemas.openxmlformats.org/officeDocument/2006/relationships" xmlns:p="http://schemas.openxmlformats.org/presentationml/2006/main">
+  <p:cSld>
+    <p:spTree>
+      <p:nvGrpSpPr>
+        <p:cNvPr id="1" name=""/>
+        <p:cNvGrpSpPr/>
+        <p:nvPr/>
+      </p:nvGrpSpPr>
+      <p:grpSpPr>
+        <a:xfrm>
+          <a:off x="0" y="0"/>
+          <a:ext cx="0" cy="0"/>
+          <a:chOff x="0" y="0"/>
+          <a:chExt cx="0" cy="0"/>
+        </a:xfrm>
+      </p:grpSpPr>
+      <p:sp>
+        <p:nvSpPr>
+          <p:cNvPr id="4" name="Rectangle 3">
+            <a:extLst>
+              <a:ext uri="{FF2B5EF4-FFF2-40B4-BE49-F238E27FC236}">
+                <a16:creationId xmlns:a16="http://schemas.microsoft.com/office/drawing/2014/main" id="{5B8585AF-D35C-4BC3-9721-D82BD7E87614}"/>
+              </a:ext>
+            </a:extLst>
+          </p:cNvPr>
+          <p:cNvSpPr/>
+          <p:nvPr/>
+        </p:nvSpPr>
+        <p:spPr>
+          <a:xfrm>
+            <a:off x="0" y="277792"/>
+            <a:ext cx="11019099" cy="879676"/>
+          </a:xfrm>
+          <a:prstGeom prst="rect">
+            <a:avLst/>
+          </a:prstGeom>
+          <a:solidFill>
+            <a:srgbClr val="3DCB7A"/>
+          </a:solidFill>
+          <a:ln>
+            <a:noFill/>
+          </a:ln>
+        </p:spPr>
+        <p:style>
+          <a:lnRef idx="2">
+            <a:schemeClr val="accent1">
+              <a:shade val="50000"/>
+            </a:schemeClr>
+          </a:lnRef>
+          <a:fillRef idx="1">
+            <a:schemeClr val="accent1"/>
+          </a:fillRef>
+          <a:effectRef idx="0">
+            <a:schemeClr val="accent1"/>
+          </a:effectRef>
+          <a:fontRef idx="minor">
+            <a:schemeClr val="lt1"/>
+          </a:fontRef>
+        </p:style>
+        <p:txBody>
+          <a:bodyPr rtlCol="0" anchor="ctr"/>
+          <a:lstStyle/>
+          <a:p>
+            <a:pPr algn="ctr"/>
+            <a:endParaRPr lang="en-US" dirty="0">
+              <a:solidFill>
+                <a:srgbClr val="3DCB7A"/>
+              </a:solidFill>
+              <a:highlight>
+                <a:srgbClr val="3DCB7A"/>
+              </a:highlight>
+            </a:endParaRPr>
+          </a:p>
+        </p:txBody>
+      </p:sp>
+      <p:pic>
+        <p:nvPicPr>
+          <p:cNvPr id="2050" name="Picture 2" descr="KICKSTARTER LOGO ile ilgili gÃ¶rsel sonucu">
+            <a:extLst>
+              <a:ext uri="{FF2B5EF4-FFF2-40B4-BE49-F238E27FC236}">
+                <a16:creationId xmlns:a16="http://schemas.microsoft.com/office/drawing/2014/main" id="{C78AC231-75AE-435D-9C4A-9D87556C21D1}"/>
+              </a:ext>
+            </a:extLst>
+          </p:cNvPr>
+          <p:cNvPicPr>
+            <a:picLocks noChangeAspect="1" noChangeArrowheads="1"/>
+          </p:cNvPicPr>
+          <p:nvPr/>
+        </p:nvPicPr>
+        <p:blipFill>
+          <a:blip r:embed="rId3">
+            <a:extLst>
+              <a:ext uri="{28A0092B-C50C-407E-A947-70E740481C1C}">
+                <a14:useLocalDpi xmlns:a14="http://schemas.microsoft.com/office/drawing/2010/main" val="0"/>
+              </a:ext>
+            </a:extLst>
+          </a:blip>
+          <a:srcRect/>
+          <a:stretch>
+            <a:fillRect/>
+          </a:stretch>
+        </p:blipFill>
+        <p:spPr bwMode="auto">
+          <a:xfrm>
+            <a:off x="312516" y="410382"/>
+            <a:ext cx="5783484" cy="614495"/>
+          </a:xfrm>
+          <a:prstGeom prst="rect">
+            <a:avLst/>
+          </a:prstGeom>
+          <a:noFill/>
+          <a:extLst>
+            <a:ext uri="{909E8E84-426E-40DD-AFC4-6F175D3DCCD1}">
+              <a14:hiddenFill xmlns:a14="http://schemas.microsoft.com/office/drawing/2010/main">
+                <a:solidFill>
+                  <a:srgbClr val="FFFFFF"/>
+                </a:solidFill>
+              </a14:hiddenFill>
+            </a:ext>
+          </a:extLst>
+        </p:spPr>
+      </p:pic>
+      <p:sp>
+        <p:nvSpPr>
+          <p:cNvPr id="5" name="Rectangle 4">
+            <a:extLst>
+              <a:ext uri="{FF2B5EF4-FFF2-40B4-BE49-F238E27FC236}">
+                <a16:creationId xmlns:a16="http://schemas.microsoft.com/office/drawing/2014/main" id="{B57184B1-DF21-403A-8646-EF12A51B8945}"/>
+              </a:ext>
+            </a:extLst>
+          </p:cNvPr>
+          <p:cNvSpPr/>
+          <p:nvPr/>
+        </p:nvSpPr>
+        <p:spPr>
+          <a:xfrm>
+            <a:off x="510292" y="1620672"/>
+            <a:ext cx="4473532" cy="646331"/>
+          </a:xfrm>
+          <a:prstGeom prst="rect">
+            <a:avLst/>
+          </a:prstGeom>
+        </p:spPr>
+        <p:txBody>
+          <a:bodyPr wrap="none">
+            <a:spAutoFit/>
+          </a:bodyPr>
+          <a:lstStyle/>
+          <a:p>
+            <a:r>
+              <a:rPr lang="en-US" sz="3600" b="1" dirty="0">
+                <a:latin typeface="Segoe UI Semilight" panose="020B0402040204020203" pitchFamily="34" charset="0"/>
+                <a:cs typeface="Segoe UI Semilight" panose="020B0402040204020203" pitchFamily="34" charset="0"/>
+              </a:rPr>
+              <a:t>Success rate by states</a:t>
+            </a:r>
+            <a:endParaRPr lang="en-US" sz="3600" dirty="0"/>
+          </a:p>
+        </p:txBody>
+      </p:sp>
+      <p:pic>
+        <p:nvPicPr>
+          <p:cNvPr id="6" name="Picture 5">
+            <a:extLst>
+              <a:ext uri="{FF2B5EF4-FFF2-40B4-BE49-F238E27FC236}">
+                <a16:creationId xmlns:a16="http://schemas.microsoft.com/office/drawing/2014/main" id="{3E4FFB3A-77BF-4780-8175-6ED646880628}"/>
+              </a:ext>
+            </a:extLst>
+          </p:cNvPr>
+          <p:cNvPicPr>
+            <a:picLocks noChangeAspect="1"/>
+          </p:cNvPicPr>
+          <p:nvPr/>
+        </p:nvPicPr>
+        <p:blipFill>
+          <a:blip r:embed="rId4">
+            <a:extLst>
+              <a:ext uri="{28A0092B-C50C-407E-A947-70E740481C1C}">
+                <a14:useLocalDpi xmlns:a14="http://schemas.microsoft.com/office/drawing/2010/main" val="0"/>
+              </a:ext>
+            </a:extLst>
+          </a:blip>
+          <a:stretch>
+            <a:fillRect/>
+          </a:stretch>
+        </p:blipFill>
+        <p:spPr>
+          <a:xfrm>
+            <a:off x="6643687" y="2564694"/>
+            <a:ext cx="4867837" cy="3639256"/>
+          </a:xfrm>
+          <a:prstGeom prst="rect">
+            <a:avLst/>
+          </a:prstGeom>
+        </p:spPr>
+      </p:pic>
+      <p:sp>
+        <p:nvSpPr>
+          <p:cNvPr id="8" name="Rectangle 7">
+            <a:extLst>
+              <a:ext uri="{FF2B5EF4-FFF2-40B4-BE49-F238E27FC236}">
+                <a16:creationId xmlns:a16="http://schemas.microsoft.com/office/drawing/2014/main" id="{D4A86BD9-5B9E-435B-96CA-729F6813C784}"/>
+              </a:ext>
+            </a:extLst>
+          </p:cNvPr>
+          <p:cNvSpPr/>
+          <p:nvPr/>
+        </p:nvSpPr>
+        <p:spPr>
+          <a:xfrm>
+            <a:off x="6643687" y="1620672"/>
+            <a:ext cx="4541243" cy="646331"/>
+          </a:xfrm>
+          <a:prstGeom prst="rect">
+            <a:avLst/>
+          </a:prstGeom>
+        </p:spPr>
+        <p:txBody>
+          <a:bodyPr wrap="none">
+            <a:spAutoFit/>
+          </a:bodyPr>
+          <a:lstStyle/>
+          <a:p>
+            <a:r>
+              <a:rPr lang="en-US" sz="3600" b="1" dirty="0">
+                <a:latin typeface="Segoe UI Semilight" panose="020B0402040204020203" pitchFamily="34" charset="0"/>
+                <a:cs typeface="Segoe UI Semilight" panose="020B0402040204020203" pitchFamily="34" charset="0"/>
+              </a:rPr>
+              <a:t># of projects by states</a:t>
+            </a:r>
+            <a:endParaRPr lang="en-US" sz="3600" dirty="0"/>
+          </a:p>
+        </p:txBody>
+      </p:sp>
+      <p:sp>
+        <p:nvSpPr>
+          <p:cNvPr id="9" name="Rectangle 8">
+            <a:extLst>
+              <a:ext uri="{FF2B5EF4-FFF2-40B4-BE49-F238E27FC236}">
+                <a16:creationId xmlns:a16="http://schemas.microsoft.com/office/drawing/2014/main" id="{23B51817-561A-47F4-B661-F6D99A5CCC62}"/>
+              </a:ext>
+            </a:extLst>
+          </p:cNvPr>
+          <p:cNvSpPr/>
+          <p:nvPr/>
+        </p:nvSpPr>
+        <p:spPr>
+          <a:xfrm>
+            <a:off x="6267011" y="520856"/>
+            <a:ext cx="1926746" cy="646331"/>
+          </a:xfrm>
+          <a:prstGeom prst="rect">
+            <a:avLst/>
+          </a:prstGeom>
+        </p:spPr>
+        <p:txBody>
+          <a:bodyPr wrap="none">
+            <a:spAutoFit/>
+          </a:bodyPr>
+          <a:lstStyle/>
+          <a:p>
+            <a:r>
+              <a:rPr lang="en-US" sz="3600" b="1" dirty="0">
+                <a:latin typeface="Segoe UI Semilight" panose="020B0402040204020203" pitchFamily="34" charset="0"/>
+                <a:cs typeface="Segoe UI Semilight" panose="020B0402040204020203" pitchFamily="34" charset="0"/>
+              </a:rPr>
+              <a:t>by states</a:t>
+            </a:r>
+            <a:endParaRPr lang="en-US" sz="3600" dirty="0"/>
+          </a:p>
+        </p:txBody>
+      </p:sp>
+      <p:pic>
+        <p:nvPicPr>
+          <p:cNvPr id="2" name="Picture 1">
+            <a:extLst>
+              <a:ext uri="{FF2B5EF4-FFF2-40B4-BE49-F238E27FC236}">
+                <a16:creationId xmlns:a16="http://schemas.microsoft.com/office/drawing/2014/main" id="{D293C291-D534-4282-B5E9-40C34414D3BF}"/>
+              </a:ext>
+            </a:extLst>
+          </p:cNvPr>
+          <p:cNvPicPr>
+            <a:picLocks noChangeAspect="1"/>
+          </p:cNvPicPr>
+          <p:nvPr/>
+        </p:nvPicPr>
+        <p:blipFill>
+          <a:blip r:embed="rId5"/>
+          <a:stretch>
+            <a:fillRect/>
+          </a:stretch>
+        </p:blipFill>
+        <p:spPr>
+          <a:xfrm>
+            <a:off x="395197" y="2730207"/>
+            <a:ext cx="5987612" cy="2273263"/>
+          </a:xfrm>
+          <a:prstGeom prst="rect">
+            <a:avLst/>
+          </a:prstGeom>
+        </p:spPr>
+      </p:pic>
+    </p:spTree>
+    <p:extLst>
+      <p:ext uri="{BB962C8B-B14F-4D97-AF65-F5344CB8AC3E}">
+        <p14:creationId xmlns:p14="http://schemas.microsoft.com/office/powerpoint/2010/main" val="2612535843"/>
+      </p:ext>
+    </p:extLst>
+  </p:cSld>
+  <p:clrMapOvr>
+    <a:masterClrMapping/>
+  </p:clrMapOvr>
+</p:sld>
+</file>
+
+<file path=ppt/slides/slide9.xml><?xml version="1.0" encoding="utf-8"?>
+<p:sld xmlns:a="http://schemas.openxmlformats.org/drawingml/2006/main" xmlns:r="http://schemas.openxmlformats.org/officeDocument/2006/relationships" xmlns:p="http://schemas.openxmlformats.org/presentationml/2006/main">
+  <p:cSld>
+    <p:spTree>
+      <p:nvGrpSpPr>
+        <p:cNvPr id="1" name=""/>
+        <p:cNvGrpSpPr/>
+        <p:nvPr/>
+      </p:nvGrpSpPr>
+      <p:grpSpPr>
+        <a:xfrm>
+          <a:off x="0" y="0"/>
+          <a:ext cx="0" cy="0"/>
+          <a:chOff x="0" y="0"/>
+          <a:chExt cx="0" cy="0"/>
+        </a:xfrm>
+      </p:grpSpPr>
+      <p:sp>
+        <p:nvSpPr>
+          <p:cNvPr id="6" name="Title 1">
+            <a:extLst>
+              <a:ext uri="{FF2B5EF4-FFF2-40B4-BE49-F238E27FC236}">
+                <a16:creationId xmlns:a16="http://schemas.microsoft.com/office/drawing/2014/main" id="{441D6734-55DF-4B0E-AFDC-ACD876F26B16}"/>
+              </a:ext>
+            </a:extLst>
+          </p:cNvPr>
+          <p:cNvSpPr>
+            <a:spLocks noGrp="1"/>
+          </p:cNvSpPr>
+          <p:nvPr>
+            <p:ph type="title"/>
+          </p:nvPr>
+        </p:nvSpPr>
+        <p:spPr>
+          <a:xfrm>
+            <a:off x="676154" y="2103437"/>
+            <a:ext cx="10515600" cy="1325563"/>
+          </a:xfrm>
+        </p:spPr>
+        <p:txBody>
+          <a:bodyPr>
+            <a:normAutofit/>
+          </a:bodyPr>
+          <a:lstStyle/>
+          <a:p>
+            <a:pPr algn="ctr"/>
+            <a:r>
+              <a:rPr lang="en-US" sz="3200" b="1" dirty="0">
+                <a:solidFill>
+                  <a:srgbClr val="3DCB7A"/>
+                </a:solidFill>
+                <a:latin typeface="Segoe UI Semilight" panose="020B0402040204020203" pitchFamily="34" charset="0"/>
+                <a:cs typeface="Segoe UI Semilight" panose="020B0402040204020203" pitchFamily="34" charset="0"/>
+              </a:rPr>
+              <a:t>What are the factors affecting the success of a project?</a:t>
+            </a:r>
+          </a:p>
+        </p:txBody>
+      </p:sp>
+    </p:spTree>
+    <p:extLst>
+      <p:ext uri="{BB962C8B-B14F-4D97-AF65-F5344CB8AC3E}">
+        <p14:creationId xmlns:p14="http://schemas.microsoft.com/office/powerpoint/2010/main" val="1621789568"/>
       </p:ext>
     </p:extLst>
   </p:cSld>
@@ -10358,7 +12660,7 @@
 </file>
 
 <file path=customXml/itemProps1.xml><?xml version="1.0" encoding="utf-8"?>
-<ds:datastoreItem xmlns:ds="http://schemas.openxmlformats.org/officeDocument/2006/customXml" ds:itemID="{3AF4AB50-BD76-446E-94B1-B7D90854FA4A}">
+<ds:datastoreItem xmlns:ds="http://schemas.openxmlformats.org/officeDocument/2006/customXml" ds:itemID="{6E99EFED-630B-4AA9-AED8-BE790A7CE398}">
   <ds:schemaRefs>
     <ds:schemaRef ds:uri="http://www.w3.org/2001/XMLSchema"/>
     <ds:schemaRef ds:uri="http://www.boldonjames.com/2008/01/sie/internal/label"/>
